--- a/Diapo_soutenance.pptx
+++ b/Diapo_soutenance.pptx
@@ -1,25 +1,42 @@
 
 <file path=ppt/presentation.xml><?xml version="1.0" encoding="utf-8"?>
-<p:presentation xmlns:a="http://schemas.openxmlformats.org/drawingml/2006/main" xmlns:r="http://schemas.openxmlformats.org/officeDocument/2006/relationships" xmlns:p="http://schemas.openxmlformats.org/presentationml/2006/main" showSpecialPlsOnTitleSld="0" saveSubsetFonts="1">
+<p:presentation xmlns:a="http://schemas.openxmlformats.org/drawingml/2006/main" xmlns:r="http://schemas.openxmlformats.org/officeDocument/2006/relationships" xmlns:p="http://schemas.openxmlformats.org/presentationml/2006/main" saveSubsetFonts="1">
   <p:sldMasterIdLst>
     <p:sldMasterId id="2147483651" r:id="rId1"/>
   </p:sldMasterIdLst>
   <p:notesMasterIdLst>
-    <p:notesMasterId r:id="rId11"/>
+    <p:notesMasterId r:id="rId28"/>
   </p:notesMasterIdLst>
   <p:handoutMasterIdLst>
-    <p:handoutMasterId r:id="rId12"/>
+    <p:handoutMasterId r:id="rId29"/>
   </p:handoutMasterIdLst>
   <p:sldIdLst>
-    <p:sldId id="280" r:id="rId2"/>
+    <p:sldId id="287" r:id="rId2"/>
     <p:sldId id="278" r:id="rId3"/>
-    <p:sldId id="279" r:id="rId4"/>
-    <p:sldId id="285" r:id="rId5"/>
-    <p:sldId id="281" r:id="rId6"/>
-    <p:sldId id="286" r:id="rId7"/>
-    <p:sldId id="282" r:id="rId8"/>
-    <p:sldId id="283" r:id="rId9"/>
-    <p:sldId id="284" r:id="rId10"/>
+    <p:sldId id="288" r:id="rId4"/>
+    <p:sldId id="309" r:id="rId5"/>
+    <p:sldId id="311" r:id="rId6"/>
+    <p:sldId id="289" r:id="rId7"/>
+    <p:sldId id="310" r:id="rId8"/>
+    <p:sldId id="312" r:id="rId9"/>
+    <p:sldId id="290" r:id="rId10"/>
+    <p:sldId id="292" r:id="rId11"/>
+    <p:sldId id="293" r:id="rId12"/>
+    <p:sldId id="294" r:id="rId13"/>
+    <p:sldId id="295" r:id="rId14"/>
+    <p:sldId id="296" r:id="rId15"/>
+    <p:sldId id="298" r:id="rId16"/>
+    <p:sldId id="297" r:id="rId17"/>
+    <p:sldId id="299" r:id="rId18"/>
+    <p:sldId id="306" r:id="rId19"/>
+    <p:sldId id="300" r:id="rId20"/>
+    <p:sldId id="301" r:id="rId21"/>
+    <p:sldId id="307" r:id="rId22"/>
+    <p:sldId id="308" r:id="rId23"/>
+    <p:sldId id="302" r:id="rId24"/>
+    <p:sldId id="303" r:id="rId25"/>
+    <p:sldId id="304" r:id="rId26"/>
+    <p:sldId id="305" r:id="rId27"/>
   </p:sldIdLst>
   <p:sldSz cx="9144000" cy="6858000" type="screen4x3"/>
   <p:notesSz cx="6858000" cy="9144000"/>
@@ -123,15 +140,32 @@
       <p14:sectionLst xmlns:p14="http://schemas.microsoft.com/office/powerpoint/2010/main">
         <p14:section name="Modèles INSA" id="{339B715A-A4F6-482F-9E8F-E995A152AF53}">
           <p14:sldIdLst>
-            <p14:sldId id="280"/>
+            <p14:sldId id="287"/>
             <p14:sldId id="278"/>
-            <p14:sldId id="279"/>
-            <p14:sldId id="285"/>
-            <p14:sldId id="281"/>
-            <p14:sldId id="286"/>
-            <p14:sldId id="282"/>
-            <p14:sldId id="283"/>
-            <p14:sldId id="284"/>
+            <p14:sldId id="288"/>
+            <p14:sldId id="309"/>
+            <p14:sldId id="311"/>
+            <p14:sldId id="289"/>
+            <p14:sldId id="310"/>
+            <p14:sldId id="312"/>
+            <p14:sldId id="290"/>
+            <p14:sldId id="292"/>
+            <p14:sldId id="293"/>
+            <p14:sldId id="294"/>
+            <p14:sldId id="295"/>
+            <p14:sldId id="296"/>
+            <p14:sldId id="298"/>
+            <p14:sldId id="297"/>
+            <p14:sldId id="299"/>
+            <p14:sldId id="306"/>
+            <p14:sldId id="300"/>
+            <p14:sldId id="301"/>
+            <p14:sldId id="307"/>
+            <p14:sldId id="308"/>
+            <p14:sldId id="302"/>
+            <p14:sldId id="303"/>
+            <p14:sldId id="304"/>
+            <p14:sldId id="305"/>
           </p14:sldIdLst>
         </p14:section>
       </p14:sectionLst>
@@ -757,7 +791,175 @@
     </p:spTree>
     <p:extLst>
       <p:ext uri="{BB962C8B-B14F-4D97-AF65-F5344CB8AC3E}">
-        <p14:creationId xmlns:p14="http://schemas.microsoft.com/office/powerpoint/2010/main" val="33500644"/>
+        <p14:creationId xmlns:p14="http://schemas.microsoft.com/office/powerpoint/2010/main" val="2224383321"/>
+      </p:ext>
+    </p:extLst>
+  </p:cSld>
+  <p:clrMapOvr>
+    <a:masterClrMapping/>
+  </p:clrMapOvr>
+</p:notes>
+</file>
+
+<file path=ppt/notesSlides/notesSlide2.xml><?xml version="1.0" encoding="utf-8"?>
+<p:notes xmlns:a="http://schemas.openxmlformats.org/drawingml/2006/main" xmlns:r="http://schemas.openxmlformats.org/officeDocument/2006/relationships" xmlns:p="http://schemas.openxmlformats.org/presentationml/2006/main">
+  <p:cSld>
+    <p:spTree>
+      <p:nvGrpSpPr>
+        <p:cNvPr id="1" name=""/>
+        <p:cNvGrpSpPr/>
+        <p:nvPr/>
+      </p:nvGrpSpPr>
+      <p:grpSpPr>
+        <a:xfrm>
+          <a:off x="0" y="0"/>
+          <a:ext cx="0" cy="0"/>
+          <a:chOff x="0" y="0"/>
+          <a:chExt cx="0" cy="0"/>
+        </a:xfrm>
+      </p:grpSpPr>
+      <p:sp>
+        <p:nvSpPr>
+          <p:cNvPr id="2" name="Espace réservé de l'image des diapositives 1"/>
+          <p:cNvSpPr>
+            <a:spLocks noGrp="1" noRot="1" noChangeAspect="1"/>
+          </p:cNvSpPr>
+          <p:nvPr>
+            <p:ph type="sldImg"/>
+          </p:nvPr>
+        </p:nvSpPr>
+        <p:spPr/>
+      </p:sp>
+      <p:sp>
+        <p:nvSpPr>
+          <p:cNvPr id="3" name="Espace réservé des notes 2"/>
+          <p:cNvSpPr>
+            <a:spLocks noGrp="1"/>
+          </p:cNvSpPr>
+          <p:nvPr>
+            <p:ph type="body" idx="1"/>
+          </p:nvPr>
+        </p:nvSpPr>
+        <p:spPr/>
+        <p:txBody>
+          <a:bodyPr/>
+          <a:lstStyle/>
+          <a:p>
+            <a:endParaRPr lang="fr-FR" dirty="0"/>
+          </a:p>
+        </p:txBody>
+      </p:sp>
+      <p:sp>
+        <p:nvSpPr>
+          <p:cNvPr id="4" name="Espace réservé du numéro de diapositive 3"/>
+          <p:cNvSpPr>
+            <a:spLocks noGrp="1"/>
+          </p:cNvSpPr>
+          <p:nvPr>
+            <p:ph type="sldNum" sz="quarter" idx="10"/>
+          </p:nvPr>
+        </p:nvSpPr>
+        <p:spPr/>
+        <p:txBody>
+          <a:bodyPr/>
+          <a:lstStyle/>
+          <a:p>
+            <a:fld id="{C591C018-655D-44EC-B865-EFE2E25980DA}" type="slidenum">
+              <a:rPr lang="fr-FR" smtClean="0"/>
+              <a:t>4</a:t>
+            </a:fld>
+            <a:endParaRPr lang="fr-FR"/>
+          </a:p>
+        </p:txBody>
+      </p:sp>
+    </p:spTree>
+    <p:extLst>
+      <p:ext uri="{BB962C8B-B14F-4D97-AF65-F5344CB8AC3E}">
+        <p14:creationId xmlns:p14="http://schemas.microsoft.com/office/powerpoint/2010/main" val="2404646390"/>
+      </p:ext>
+    </p:extLst>
+  </p:cSld>
+  <p:clrMapOvr>
+    <a:masterClrMapping/>
+  </p:clrMapOvr>
+</p:notes>
+</file>
+
+<file path=ppt/notesSlides/notesSlide3.xml><?xml version="1.0" encoding="utf-8"?>
+<p:notes xmlns:a="http://schemas.openxmlformats.org/drawingml/2006/main" xmlns:r="http://schemas.openxmlformats.org/officeDocument/2006/relationships" xmlns:p="http://schemas.openxmlformats.org/presentationml/2006/main">
+  <p:cSld>
+    <p:spTree>
+      <p:nvGrpSpPr>
+        <p:cNvPr id="1" name=""/>
+        <p:cNvGrpSpPr/>
+        <p:nvPr/>
+      </p:nvGrpSpPr>
+      <p:grpSpPr>
+        <a:xfrm>
+          <a:off x="0" y="0"/>
+          <a:ext cx="0" cy="0"/>
+          <a:chOff x="0" y="0"/>
+          <a:chExt cx="0" cy="0"/>
+        </a:xfrm>
+      </p:grpSpPr>
+      <p:sp>
+        <p:nvSpPr>
+          <p:cNvPr id="2" name="Espace réservé de l'image des diapositives 1"/>
+          <p:cNvSpPr>
+            <a:spLocks noGrp="1" noRot="1" noChangeAspect="1"/>
+          </p:cNvSpPr>
+          <p:nvPr>
+            <p:ph type="sldImg"/>
+          </p:nvPr>
+        </p:nvSpPr>
+        <p:spPr/>
+      </p:sp>
+      <p:sp>
+        <p:nvSpPr>
+          <p:cNvPr id="3" name="Espace réservé des notes 2"/>
+          <p:cNvSpPr>
+            <a:spLocks noGrp="1"/>
+          </p:cNvSpPr>
+          <p:nvPr>
+            <p:ph type="body" idx="1"/>
+          </p:nvPr>
+        </p:nvSpPr>
+        <p:spPr/>
+        <p:txBody>
+          <a:bodyPr/>
+          <a:lstStyle/>
+          <a:p>
+            <a:endParaRPr lang="fr-FR" dirty="0"/>
+          </a:p>
+        </p:txBody>
+      </p:sp>
+      <p:sp>
+        <p:nvSpPr>
+          <p:cNvPr id="4" name="Espace réservé du numéro de diapositive 3"/>
+          <p:cNvSpPr>
+            <a:spLocks noGrp="1"/>
+          </p:cNvSpPr>
+          <p:nvPr>
+            <p:ph type="sldNum" sz="quarter" idx="10"/>
+          </p:nvPr>
+        </p:nvSpPr>
+        <p:spPr/>
+        <p:txBody>
+          <a:bodyPr/>
+          <a:lstStyle/>
+          <a:p>
+            <a:fld id="{C591C018-655D-44EC-B865-EFE2E25980DA}" type="slidenum">
+              <a:rPr lang="fr-FR" smtClean="0"/>
+              <a:t>5</a:t>
+            </a:fld>
+            <a:endParaRPr lang="fr-FR"/>
+          </a:p>
+        </p:txBody>
+      </p:sp>
+    </p:spTree>
+    <p:extLst>
+      <p:ext uri="{BB962C8B-B14F-4D97-AF65-F5344CB8AC3E}">
+        <p14:creationId xmlns:p14="http://schemas.microsoft.com/office/powerpoint/2010/main" val="278880159"/>
       </p:ext>
     </p:extLst>
   </p:cSld>
@@ -2930,7 +3132,6 @@
       </p:par>
     </p:tnLst>
   </p:timing>
-  <p:hf hdr="0" ftr="0" dt="0"/>
 </p:sldLayout>
 </file>
 
@@ -3038,6 +3239,7 @@
       </p:par>
     </p:tnLst>
   </p:timing>
+  <p:hf hdr="0" ftr="0" dt="0"/>
   <p:txStyles>
     <p:titleStyle>
       <a:lvl1pPr algn="ctr" defTabSz="914400" rtl="0" eaLnBrk="1" latinLnBrk="0" hangingPunct="1">
@@ -3358,16 +3560,3550 @@
           </a:p>
         </p:txBody>
       </p:sp>
+      <p:sp>
+        <p:nvSpPr>
+          <p:cNvPr id="3" name="ZoneTexte 2"/>
+          <p:cNvSpPr txBox="1"/>
+          <p:nvPr/>
+        </p:nvSpPr>
+        <p:spPr>
+          <a:xfrm>
+            <a:off x="256999" y="6309320"/>
+            <a:ext cx="1866729" cy="369332"/>
+          </a:xfrm>
+          <a:prstGeom prst="rect">
+            <a:avLst/>
+          </a:prstGeom>
+          <a:noFill/>
+        </p:spPr>
+        <p:txBody>
+          <a:bodyPr wrap="none" rtlCol="0">
+            <a:spAutoFit/>
+          </a:bodyPr>
+          <a:lstStyle/>
+          <a:p>
+            <a:r>
+              <a:rPr lang="fr-FR" dirty="0" smtClean="0"/>
+              <a:t>Marvyn Pannetier</a:t>
+            </a:r>
+            <a:endParaRPr lang="fr-FR" dirty="0"/>
+          </a:p>
+        </p:txBody>
+      </p:sp>
+      <p:pic>
+        <p:nvPicPr>
+          <p:cNvPr id="4" name="Image 3"/>
+          <p:cNvPicPr>
+            <a:picLocks noChangeAspect="1"/>
+          </p:cNvPicPr>
+          <p:nvPr/>
+        </p:nvPicPr>
+        <p:blipFill>
+          <a:blip r:embed="rId3" cstate="print">
+            <a:extLst>
+              <a:ext uri="{28A0092B-C50C-407E-A947-70E740481C1C}">
+                <a14:useLocalDpi xmlns:a14="http://schemas.microsoft.com/office/drawing/2010/main" val="0"/>
+              </a:ext>
+            </a:extLst>
+          </a:blip>
+          <a:stretch>
+            <a:fillRect/>
+          </a:stretch>
+        </p:blipFill>
+        <p:spPr>
+          <a:xfrm>
+            <a:off x="5508104" y="6008238"/>
+            <a:ext cx="2261007" cy="849762"/>
+          </a:xfrm>
+          <a:prstGeom prst="rect">
+            <a:avLst/>
+          </a:prstGeom>
+        </p:spPr>
+      </p:pic>
+      <p:sp>
+        <p:nvSpPr>
+          <p:cNvPr id="5" name="ZoneTexte 4"/>
+          <p:cNvSpPr txBox="1"/>
+          <p:nvPr/>
+        </p:nvSpPr>
+        <p:spPr>
+          <a:xfrm>
+            <a:off x="256999" y="6008238"/>
+            <a:ext cx="1807867" cy="369332"/>
+          </a:xfrm>
+          <a:prstGeom prst="rect">
+            <a:avLst/>
+          </a:prstGeom>
+          <a:noFill/>
+        </p:spPr>
+        <p:txBody>
+          <a:bodyPr wrap="none" rtlCol="0">
+            <a:spAutoFit/>
+          </a:bodyPr>
+          <a:lstStyle/>
+          <a:p>
+            <a:r>
+              <a:rPr lang="fr-FR" dirty="0" smtClean="0"/>
+              <a:t>5ESPE 2021-2022</a:t>
+            </a:r>
+            <a:endParaRPr lang="fr-FR" dirty="0"/>
+          </a:p>
+        </p:txBody>
+      </p:sp>
     </p:spTree>
     <p:extLst>
       <p:ext uri="{BB962C8B-B14F-4D97-AF65-F5344CB8AC3E}">
-        <p14:creationId xmlns:p14="http://schemas.microsoft.com/office/powerpoint/2010/main" val="3851582015"/>
+        <p14:creationId xmlns:p14="http://schemas.microsoft.com/office/powerpoint/2010/main" val="1802963951"/>
       </p:ext>
     </p:extLst>
   </p:cSld>
   <p:clrMapOvr>
     <a:masterClrMapping/>
   </p:clrMapOvr>
+  <mc:AlternateContent xmlns:mc="http://schemas.openxmlformats.org/markup-compatibility/2006">
+    <mc:Choice xmlns:p14="http://schemas.microsoft.com/office/powerpoint/2010/main" Requires="p14">
+      <p:transition p14:dur="10"/>
+    </mc:Choice>
+    <mc:Fallback>
+      <p:transition/>
+    </mc:Fallback>
+  </mc:AlternateContent>
+  <p:timing>
+    <p:tnLst>
+      <p:par>
+        <p:cTn id="1" dur="indefinite" restart="never" nodeType="tmRoot"/>
+      </p:par>
+    </p:tnLst>
+  </p:timing>
+</p:sld>
+</file>
+
+<file path=ppt/slides/slide10.xml><?xml version="1.0" encoding="utf-8"?>
+<p:sld xmlns:a="http://schemas.openxmlformats.org/drawingml/2006/main" xmlns:r="http://schemas.openxmlformats.org/officeDocument/2006/relationships" xmlns:p="http://schemas.openxmlformats.org/presentationml/2006/main">
+  <p:cSld>
+    <p:spTree>
+      <p:nvGrpSpPr>
+        <p:cNvPr id="1" name=""/>
+        <p:cNvGrpSpPr/>
+        <p:nvPr/>
+      </p:nvGrpSpPr>
+      <p:grpSpPr>
+        <a:xfrm>
+          <a:off x="0" y="0"/>
+          <a:ext cx="0" cy="0"/>
+          <a:chOff x="0" y="0"/>
+          <a:chExt cx="0" cy="0"/>
+        </a:xfrm>
+      </p:grpSpPr>
+      <p:sp>
+        <p:nvSpPr>
+          <p:cNvPr id="3" name="Titre 2"/>
+          <p:cNvSpPr>
+            <a:spLocks noGrp="1"/>
+          </p:cNvSpPr>
+          <p:nvPr>
+            <p:ph type="title"/>
+          </p:nvPr>
+        </p:nvSpPr>
+        <p:spPr/>
+        <p:txBody>
+          <a:bodyPr/>
+          <a:lstStyle/>
+          <a:p>
+            <a:r>
+              <a:rPr lang="fr-FR" dirty="0">
+                <a:solidFill>
+                  <a:schemeClr val="tx1"/>
+                </a:solidFill>
+              </a:rPr>
+              <a:t>3 - </a:t>
+            </a:r>
+            <a:r>
+              <a:rPr lang="fr-FR" dirty="0" smtClean="0">
+                <a:solidFill>
+                  <a:schemeClr val="tx1"/>
+                </a:solidFill>
+              </a:rPr>
+              <a:t>Conception</a:t>
+            </a:r>
+            <a:endParaRPr lang="fr-FR" dirty="0">
+              <a:solidFill>
+                <a:schemeClr val="tx1"/>
+              </a:solidFill>
+            </a:endParaRPr>
+          </a:p>
+        </p:txBody>
+      </p:sp>
+      <p:sp>
+        <p:nvSpPr>
+          <p:cNvPr id="4" name="Espace réservé du texte 3"/>
+          <p:cNvSpPr>
+            <a:spLocks noGrp="1"/>
+          </p:cNvSpPr>
+          <p:nvPr>
+            <p:ph type="body" sz="quarter" idx="13"/>
+          </p:nvPr>
+        </p:nvSpPr>
+        <p:spPr>
+          <a:xfrm>
+            <a:off x="1691680" y="188640"/>
+            <a:ext cx="4608512" cy="423109"/>
+          </a:xfrm>
+        </p:spPr>
+        <p:txBody>
+          <a:bodyPr/>
+          <a:lstStyle/>
+          <a:p>
+            <a:pPr algn="l"/>
+            <a:r>
+              <a:rPr lang="fr-FR" sz="2000" dirty="0" smtClean="0"/>
+              <a:t>Cahier des charges</a:t>
+            </a:r>
+            <a:endParaRPr lang="fr-FR" sz="2000" dirty="0"/>
+          </a:p>
+        </p:txBody>
+      </p:sp>
+      <p:graphicFrame>
+        <p:nvGraphicFramePr>
+          <p:cNvPr id="5" name="Tableau 4"/>
+          <p:cNvGraphicFramePr>
+            <a:graphicFrameLocks noGrp="1"/>
+          </p:cNvGraphicFramePr>
+          <p:nvPr>
+            <p:extLst>
+              <p:ext uri="{D42A27DB-BD31-4B8C-83A1-F6EECF244321}">
+                <p14:modId xmlns:p14="http://schemas.microsoft.com/office/powerpoint/2010/main" val="2660817370"/>
+              </p:ext>
+            </p:extLst>
+          </p:nvPr>
+        </p:nvGraphicFramePr>
+        <p:xfrm>
+          <a:off x="611560" y="1628801"/>
+          <a:ext cx="7903790" cy="4366068"/>
+        </p:xfrm>
+        <a:graphic>
+          <a:graphicData uri="http://schemas.openxmlformats.org/drawingml/2006/table">
+            <a:tbl>
+              <a:tblPr firstRow="1" firstCol="1" bandRow="1">
+                <a:tableStyleId>{073A0DAA-6AF3-43AB-8588-CEC1D06C72B9}</a:tableStyleId>
+              </a:tblPr>
+              <a:tblGrid>
+                <a:gridCol w="3951895">
+                  <a:extLst>
+                    <a:ext uri="{9D8B030D-6E8A-4147-A177-3AD203B41FA5}">
+                      <a16:colId xmlns:a16="http://schemas.microsoft.com/office/drawing/2014/main" val="777404770"/>
+                    </a:ext>
+                  </a:extLst>
+                </a:gridCol>
+                <a:gridCol w="3951895">
+                  <a:extLst>
+                    <a:ext uri="{9D8B030D-6E8A-4147-A177-3AD203B41FA5}">
+                      <a16:colId xmlns:a16="http://schemas.microsoft.com/office/drawing/2014/main" val="1513188839"/>
+                    </a:ext>
+                  </a:extLst>
+                </a:gridCol>
+              </a:tblGrid>
+              <a:tr h="236276">
+                <a:tc>
+                  <a:txBody>
+                    <a:bodyPr/>
+                    <a:lstStyle/>
+                    <a:p>
+                      <a:pPr algn="l">
+                        <a:lnSpc>
+                          <a:spcPts val="1800"/>
+                        </a:lnSpc>
+                        <a:spcAft>
+                          <a:spcPts val="300"/>
+                        </a:spcAft>
+                      </a:pPr>
+                      <a:r>
+                        <a:rPr lang="fr-FR" sz="1200" dirty="0">
+                          <a:effectLst/>
+                        </a:rPr>
+                        <a:t>Tension différentielle de sortie aux bornes de la charge</a:t>
+                      </a:r>
+                      <a:endParaRPr lang="fr-FR" sz="1200" dirty="0">
+                        <a:effectLst/>
+                        <a:latin typeface="Calibri" panose="020F0502020204030204" pitchFamily="34" charset="0"/>
+                        <a:ea typeface="Times New Roman" panose="02020603050405020304" pitchFamily="18" charset="0"/>
+                        <a:cs typeface="Times New Roman" panose="02020603050405020304" pitchFamily="18" charset="0"/>
+                      </a:endParaRPr>
+                    </a:p>
+                  </a:txBody>
+                  <a:tcPr marL="0" marR="0" marT="0" marB="0" anchor="ctr"/>
+                </a:tc>
+                <a:tc>
+                  <a:txBody>
+                    <a:bodyPr/>
+                    <a:lstStyle/>
+                    <a:p>
+                      <a:pPr algn="l">
+                        <a:lnSpc>
+                          <a:spcPts val="1800"/>
+                        </a:lnSpc>
+                        <a:spcAft>
+                          <a:spcPts val="300"/>
+                        </a:spcAft>
+                      </a:pPr>
+                      <a:r>
+                        <a:rPr lang="fr-FR" sz="1200" dirty="0">
+                          <a:effectLst/>
+                        </a:rPr>
+                        <a:t>   7.0+-0.7V RMS</a:t>
+                      </a:r>
+                      <a:endParaRPr lang="fr-FR" sz="1200" dirty="0">
+                        <a:effectLst/>
+                        <a:latin typeface="Calibri" panose="020F0502020204030204" pitchFamily="34" charset="0"/>
+                        <a:ea typeface="Times New Roman" panose="02020603050405020304" pitchFamily="18" charset="0"/>
+                        <a:cs typeface="Times New Roman" panose="02020603050405020304" pitchFamily="18" charset="0"/>
+                      </a:endParaRPr>
+                    </a:p>
+                  </a:txBody>
+                  <a:tcPr marL="0" marR="0" marT="0" marB="0" anchor="ctr"/>
+                </a:tc>
+                <a:extLst>
+                  <a:ext uri="{0D108BD9-81ED-4DB2-BD59-A6C34878D82A}">
+                    <a16:rowId xmlns:a16="http://schemas.microsoft.com/office/drawing/2014/main" val="1279101838"/>
+                  </a:ext>
+                </a:extLst>
+              </a:tr>
+              <a:tr h="236276">
+                <a:tc>
+                  <a:txBody>
+                    <a:bodyPr/>
+                    <a:lstStyle/>
+                    <a:p>
+                      <a:pPr algn="l">
+                        <a:lnSpc>
+                          <a:spcPts val="1800"/>
+                        </a:lnSpc>
+                        <a:spcAft>
+                          <a:spcPts val="300"/>
+                        </a:spcAft>
+                      </a:pPr>
+                      <a:r>
+                        <a:rPr lang="fr-FR" sz="1200">
+                          <a:effectLst/>
+                        </a:rPr>
+                        <a:t>Forme du signal de sortie</a:t>
+                      </a:r>
+                      <a:endParaRPr lang="fr-FR" sz="1200">
+                        <a:effectLst/>
+                        <a:latin typeface="Calibri" panose="020F0502020204030204" pitchFamily="34" charset="0"/>
+                        <a:ea typeface="Times New Roman" panose="02020603050405020304" pitchFamily="18" charset="0"/>
+                        <a:cs typeface="Times New Roman" panose="02020603050405020304" pitchFamily="18" charset="0"/>
+                      </a:endParaRPr>
+                    </a:p>
+                  </a:txBody>
+                  <a:tcPr marL="0" marR="0" marT="0" marB="0" anchor="ctr"/>
+                </a:tc>
+                <a:tc>
+                  <a:txBody>
+                    <a:bodyPr/>
+                    <a:lstStyle/>
+                    <a:p>
+                      <a:pPr algn="l">
+                        <a:lnSpc>
+                          <a:spcPts val="1800"/>
+                        </a:lnSpc>
+                        <a:spcAft>
+                          <a:spcPts val="300"/>
+                        </a:spcAft>
+                      </a:pPr>
+                      <a:r>
+                        <a:rPr lang="fr-FR" sz="1200" dirty="0">
+                          <a:effectLst/>
+                        </a:rPr>
+                        <a:t>   Sinusoïde</a:t>
+                      </a:r>
+                      <a:endParaRPr lang="fr-FR" sz="1200" dirty="0">
+                        <a:effectLst/>
+                        <a:latin typeface="Calibri" panose="020F0502020204030204" pitchFamily="34" charset="0"/>
+                        <a:ea typeface="Times New Roman" panose="02020603050405020304" pitchFamily="18" charset="0"/>
+                        <a:cs typeface="Times New Roman" panose="02020603050405020304" pitchFamily="18" charset="0"/>
+                      </a:endParaRPr>
+                    </a:p>
+                  </a:txBody>
+                  <a:tcPr marL="0" marR="0" marT="0" marB="0" anchor="ctr"/>
+                </a:tc>
+                <a:extLst>
+                  <a:ext uri="{0D108BD9-81ED-4DB2-BD59-A6C34878D82A}">
+                    <a16:rowId xmlns:a16="http://schemas.microsoft.com/office/drawing/2014/main" val="3990151457"/>
+                  </a:ext>
+                </a:extLst>
+              </a:tr>
+              <a:tr h="236276">
+                <a:tc>
+                  <a:txBody>
+                    <a:bodyPr/>
+                    <a:lstStyle/>
+                    <a:p>
+                      <a:pPr algn="l">
+                        <a:lnSpc>
+                          <a:spcPts val="1800"/>
+                        </a:lnSpc>
+                        <a:spcAft>
+                          <a:spcPts val="300"/>
+                        </a:spcAft>
+                      </a:pPr>
+                      <a:r>
+                        <a:rPr lang="fr-FR" sz="1200" dirty="0" smtClean="0">
+                          <a:effectLst/>
+                          <a:latin typeface="Calibri" panose="020F0502020204030204" pitchFamily="34" charset="0"/>
+                          <a:ea typeface="Times New Roman" panose="02020603050405020304" pitchFamily="18" charset="0"/>
+                          <a:cs typeface="Times New Roman" panose="02020603050405020304" pitchFamily="18" charset="0"/>
+                        </a:rPr>
+                        <a:t>Type de sortie</a:t>
+                      </a:r>
+                      <a:endParaRPr lang="fr-FR" sz="1200" dirty="0">
+                        <a:effectLst/>
+                        <a:latin typeface="Calibri" panose="020F0502020204030204" pitchFamily="34" charset="0"/>
+                        <a:ea typeface="Times New Roman" panose="02020603050405020304" pitchFamily="18" charset="0"/>
+                        <a:cs typeface="Times New Roman" panose="02020603050405020304" pitchFamily="18" charset="0"/>
+                      </a:endParaRPr>
+                    </a:p>
+                  </a:txBody>
+                  <a:tcPr marL="0" marR="0" marT="0" marB="0" anchor="ctr"/>
+                </a:tc>
+                <a:tc>
+                  <a:txBody>
+                    <a:bodyPr/>
+                    <a:lstStyle/>
+                    <a:p>
+                      <a:pPr algn="l">
+                        <a:lnSpc>
+                          <a:spcPts val="1800"/>
+                        </a:lnSpc>
+                        <a:spcAft>
+                          <a:spcPts val="300"/>
+                        </a:spcAft>
+                      </a:pPr>
+                      <a:r>
+                        <a:rPr lang="fr-FR" sz="1200" dirty="0" smtClean="0">
+                          <a:effectLst/>
+                          <a:latin typeface="Calibri" panose="020F0502020204030204" pitchFamily="34" charset="0"/>
+                          <a:ea typeface="Times New Roman" panose="02020603050405020304" pitchFamily="18" charset="0"/>
+                          <a:cs typeface="Times New Roman" panose="02020603050405020304" pitchFamily="18" charset="0"/>
+                        </a:rPr>
+                        <a:t>   </a:t>
+                      </a:r>
+                      <a:r>
+                        <a:rPr lang="fr-FR" sz="1200" smtClean="0">
+                          <a:effectLst/>
+                          <a:latin typeface="Calibri" panose="020F0502020204030204" pitchFamily="34" charset="0"/>
+                          <a:ea typeface="Times New Roman" panose="02020603050405020304" pitchFamily="18" charset="0"/>
+                          <a:cs typeface="Times New Roman" panose="02020603050405020304" pitchFamily="18" charset="0"/>
+                        </a:rPr>
+                        <a:t>Sortie différentielle</a:t>
+                      </a:r>
+                      <a:endParaRPr lang="fr-FR" sz="1200" dirty="0">
+                        <a:effectLst/>
+                        <a:latin typeface="Calibri" panose="020F0502020204030204" pitchFamily="34" charset="0"/>
+                        <a:ea typeface="Times New Roman" panose="02020603050405020304" pitchFamily="18" charset="0"/>
+                        <a:cs typeface="Times New Roman" panose="02020603050405020304" pitchFamily="18" charset="0"/>
+                      </a:endParaRPr>
+                    </a:p>
+                  </a:txBody>
+                  <a:tcPr marL="0" marR="0" marT="0" marB="0" anchor="ctr"/>
+                </a:tc>
+                <a:extLst>
+                  <a:ext uri="{0D108BD9-81ED-4DB2-BD59-A6C34878D82A}">
+                    <a16:rowId xmlns:a16="http://schemas.microsoft.com/office/drawing/2014/main" val="3638436834"/>
+                  </a:ext>
+                </a:extLst>
+              </a:tr>
+              <a:tr h="491402">
+                <a:tc>
+                  <a:txBody>
+                    <a:bodyPr/>
+                    <a:lstStyle/>
+                    <a:p>
+                      <a:pPr algn="l">
+                        <a:lnSpc>
+                          <a:spcPts val="1800"/>
+                        </a:lnSpc>
+                        <a:spcAft>
+                          <a:spcPts val="300"/>
+                        </a:spcAft>
+                      </a:pPr>
+                      <a:r>
+                        <a:rPr lang="fr-FR" sz="1200" dirty="0">
+                          <a:effectLst/>
+                        </a:rPr>
+                        <a:t>Fréquence</a:t>
+                      </a:r>
+                      <a:endParaRPr lang="fr-FR" sz="1200" dirty="0">
+                        <a:effectLst/>
+                        <a:latin typeface="Calibri" panose="020F0502020204030204" pitchFamily="34" charset="0"/>
+                        <a:ea typeface="Times New Roman" panose="02020603050405020304" pitchFamily="18" charset="0"/>
+                        <a:cs typeface="Times New Roman" panose="02020603050405020304" pitchFamily="18" charset="0"/>
+                      </a:endParaRPr>
+                    </a:p>
+                  </a:txBody>
+                  <a:tcPr marL="0" marR="0" marT="0" marB="0" anchor="ctr"/>
+                </a:tc>
+                <a:tc>
+                  <a:txBody>
+                    <a:bodyPr/>
+                    <a:lstStyle/>
+                    <a:p>
+                      <a:pPr algn="l">
+                        <a:lnSpc>
+                          <a:spcPts val="1800"/>
+                        </a:lnSpc>
+                        <a:spcAft>
+                          <a:spcPts val="300"/>
+                        </a:spcAft>
+                      </a:pPr>
+                      <a:r>
+                        <a:rPr lang="fr-FR" sz="1200" dirty="0">
+                          <a:effectLst/>
+                        </a:rPr>
+                        <a:t>   Doit être capable de générer des sinusoïdes de     fréquence comprise entre 2kHz et 5kHz</a:t>
+                      </a:r>
+                      <a:endParaRPr lang="fr-FR" sz="1200" dirty="0">
+                        <a:effectLst/>
+                        <a:latin typeface="Calibri" panose="020F0502020204030204" pitchFamily="34" charset="0"/>
+                        <a:ea typeface="Times New Roman" panose="02020603050405020304" pitchFamily="18" charset="0"/>
+                        <a:cs typeface="Times New Roman" panose="02020603050405020304" pitchFamily="18" charset="0"/>
+                      </a:endParaRPr>
+                    </a:p>
+                  </a:txBody>
+                  <a:tcPr marL="0" marR="0" marT="0" marB="0" anchor="ctr"/>
+                </a:tc>
+                <a:extLst>
+                  <a:ext uri="{0D108BD9-81ED-4DB2-BD59-A6C34878D82A}">
+                    <a16:rowId xmlns:a16="http://schemas.microsoft.com/office/drawing/2014/main" val="3566701610"/>
+                  </a:ext>
+                </a:extLst>
+              </a:tr>
+              <a:tr h="491402">
+                <a:tc>
+                  <a:txBody>
+                    <a:bodyPr/>
+                    <a:lstStyle/>
+                    <a:p>
+                      <a:pPr algn="l">
+                        <a:lnSpc>
+                          <a:spcPts val="1800"/>
+                        </a:lnSpc>
+                        <a:spcAft>
+                          <a:spcPts val="300"/>
+                        </a:spcAft>
+                      </a:pPr>
+                      <a:r>
+                        <a:rPr lang="fr-FR" sz="1200" dirty="0">
+                          <a:effectLst/>
+                        </a:rPr>
+                        <a:t>Précision de la fréquence du sinus de sortie entre les circuits ACS</a:t>
+                      </a:r>
+                      <a:endParaRPr lang="fr-FR" sz="1200" dirty="0">
+                        <a:effectLst/>
+                        <a:latin typeface="Calibri" panose="020F0502020204030204" pitchFamily="34" charset="0"/>
+                        <a:ea typeface="Times New Roman" panose="02020603050405020304" pitchFamily="18" charset="0"/>
+                        <a:cs typeface="Times New Roman" panose="02020603050405020304" pitchFamily="18" charset="0"/>
+                      </a:endParaRPr>
+                    </a:p>
+                  </a:txBody>
+                  <a:tcPr marL="0" marR="0" marT="0" marB="0" anchor="ctr"/>
+                </a:tc>
+                <a:tc>
+                  <a:txBody>
+                    <a:bodyPr/>
+                    <a:lstStyle/>
+                    <a:p>
+                      <a:pPr algn="l">
+                        <a:lnSpc>
+                          <a:spcPts val="1800"/>
+                        </a:lnSpc>
+                        <a:spcAft>
+                          <a:spcPts val="300"/>
+                        </a:spcAft>
+                      </a:pPr>
+                      <a:r>
+                        <a:rPr lang="fr-FR" sz="1200" dirty="0">
+                          <a:effectLst/>
+                        </a:rPr>
+                        <a:t>   Inférieur à 0.1Hz </a:t>
+                      </a:r>
+                      <a:endParaRPr lang="fr-FR" sz="1200" dirty="0">
+                        <a:effectLst/>
+                        <a:latin typeface="Calibri" panose="020F0502020204030204" pitchFamily="34" charset="0"/>
+                        <a:ea typeface="Times New Roman" panose="02020603050405020304" pitchFamily="18" charset="0"/>
+                        <a:cs typeface="Times New Roman" panose="02020603050405020304" pitchFamily="18" charset="0"/>
+                      </a:endParaRPr>
+                    </a:p>
+                  </a:txBody>
+                  <a:tcPr marL="0" marR="0" marT="0" marB="0" anchor="ctr"/>
+                </a:tc>
+                <a:extLst>
+                  <a:ext uri="{0D108BD9-81ED-4DB2-BD59-A6C34878D82A}">
+                    <a16:rowId xmlns:a16="http://schemas.microsoft.com/office/drawing/2014/main" val="1199970080"/>
+                  </a:ext>
+                </a:extLst>
+              </a:tr>
+              <a:tr h="236276">
+                <a:tc>
+                  <a:txBody>
+                    <a:bodyPr/>
+                    <a:lstStyle/>
+                    <a:p>
+                      <a:pPr algn="l">
+                        <a:lnSpc>
+                          <a:spcPts val="1800"/>
+                        </a:lnSpc>
+                        <a:spcAft>
+                          <a:spcPts val="300"/>
+                        </a:spcAft>
+                      </a:pPr>
+                      <a:r>
+                        <a:rPr lang="fr-FR" sz="1200" dirty="0">
+                          <a:effectLst/>
+                        </a:rPr>
+                        <a:t>Courant dans la charge</a:t>
+                      </a:r>
+                      <a:endParaRPr lang="fr-FR" sz="1200" dirty="0">
+                        <a:effectLst/>
+                        <a:latin typeface="Calibri" panose="020F0502020204030204" pitchFamily="34" charset="0"/>
+                        <a:ea typeface="Times New Roman" panose="02020603050405020304" pitchFamily="18" charset="0"/>
+                        <a:cs typeface="Times New Roman" panose="02020603050405020304" pitchFamily="18" charset="0"/>
+                      </a:endParaRPr>
+                    </a:p>
+                  </a:txBody>
+                  <a:tcPr marL="0" marR="0" marT="0" marB="0" anchor="ctr"/>
+                </a:tc>
+                <a:tc>
+                  <a:txBody>
+                    <a:bodyPr/>
+                    <a:lstStyle/>
+                    <a:p>
+                      <a:pPr algn="l">
+                        <a:lnSpc>
+                          <a:spcPts val="1800"/>
+                        </a:lnSpc>
+                        <a:spcAft>
+                          <a:spcPts val="300"/>
+                        </a:spcAft>
+                      </a:pPr>
+                      <a:r>
+                        <a:rPr lang="fr-FR" sz="1200" dirty="0">
+                          <a:effectLst/>
+                        </a:rPr>
+                        <a:t>   Entre 10mA et 40mA RMS</a:t>
+                      </a:r>
+                      <a:endParaRPr lang="fr-FR" sz="1200" dirty="0">
+                        <a:effectLst/>
+                        <a:latin typeface="Calibri" panose="020F0502020204030204" pitchFamily="34" charset="0"/>
+                        <a:ea typeface="Times New Roman" panose="02020603050405020304" pitchFamily="18" charset="0"/>
+                        <a:cs typeface="Times New Roman" panose="02020603050405020304" pitchFamily="18" charset="0"/>
+                      </a:endParaRPr>
+                    </a:p>
+                  </a:txBody>
+                  <a:tcPr marL="0" marR="0" marT="0" marB="0" anchor="ctr"/>
+                </a:tc>
+                <a:extLst>
+                  <a:ext uri="{0D108BD9-81ED-4DB2-BD59-A6C34878D82A}">
+                    <a16:rowId xmlns:a16="http://schemas.microsoft.com/office/drawing/2014/main" val="2781408452"/>
+                  </a:ext>
+                </a:extLst>
+              </a:tr>
+              <a:tr h="491402">
+                <a:tc>
+                  <a:txBody>
+                    <a:bodyPr/>
+                    <a:lstStyle/>
+                    <a:p>
+                      <a:pPr algn="l">
+                        <a:lnSpc>
+                          <a:spcPts val="1800"/>
+                        </a:lnSpc>
+                        <a:spcAft>
+                          <a:spcPts val="300"/>
+                        </a:spcAft>
+                      </a:pPr>
+                      <a:r>
+                        <a:rPr lang="fr-FR" sz="1200">
+                          <a:effectLst/>
+                        </a:rPr>
+                        <a:t>Caractéristique de la charge</a:t>
+                      </a:r>
+                      <a:endParaRPr lang="fr-FR" sz="1200">
+                        <a:effectLst/>
+                        <a:latin typeface="Calibri" panose="020F0502020204030204" pitchFamily="34" charset="0"/>
+                        <a:ea typeface="Times New Roman" panose="02020603050405020304" pitchFamily="18" charset="0"/>
+                        <a:cs typeface="Times New Roman" panose="02020603050405020304" pitchFamily="18" charset="0"/>
+                      </a:endParaRPr>
+                    </a:p>
+                  </a:txBody>
+                  <a:tcPr marL="0" marR="0" marT="0" marB="0" anchor="ctr"/>
+                </a:tc>
+                <a:tc>
+                  <a:txBody>
+                    <a:bodyPr/>
+                    <a:lstStyle/>
+                    <a:p>
+                      <a:pPr algn="l">
+                        <a:lnSpc>
+                          <a:spcPts val="1800"/>
+                        </a:lnSpc>
+                        <a:spcAft>
+                          <a:spcPts val="300"/>
+                        </a:spcAft>
+                      </a:pPr>
+                      <a:r>
+                        <a:rPr lang="fr-FR" sz="1200" dirty="0">
+                          <a:effectLst/>
+                        </a:rPr>
+                        <a:t>   Charge inductive avec résistance parasite ayant pour facteur de puissance cos(ϕ) = 0.2079 soit ϕ=78°</a:t>
+                      </a:r>
+                      <a:endParaRPr lang="fr-FR" sz="1200" dirty="0">
+                        <a:effectLst/>
+                        <a:latin typeface="Calibri" panose="020F0502020204030204" pitchFamily="34" charset="0"/>
+                        <a:ea typeface="Times New Roman" panose="02020603050405020304" pitchFamily="18" charset="0"/>
+                        <a:cs typeface="Times New Roman" panose="02020603050405020304" pitchFamily="18" charset="0"/>
+                      </a:endParaRPr>
+                    </a:p>
+                  </a:txBody>
+                  <a:tcPr marL="0" marR="0" marT="0" marB="0" anchor="ctr"/>
+                </a:tc>
+                <a:extLst>
+                  <a:ext uri="{0D108BD9-81ED-4DB2-BD59-A6C34878D82A}">
+                    <a16:rowId xmlns:a16="http://schemas.microsoft.com/office/drawing/2014/main" val="2614508049"/>
+                  </a:ext>
+                </a:extLst>
+              </a:tr>
+              <a:tr h="491402">
+                <a:tc>
+                  <a:txBody>
+                    <a:bodyPr/>
+                    <a:lstStyle/>
+                    <a:p>
+                      <a:pPr algn="l">
+                        <a:lnSpc>
+                          <a:spcPts val="1800"/>
+                        </a:lnSpc>
+                        <a:spcAft>
+                          <a:spcPts val="300"/>
+                        </a:spcAft>
+                      </a:pPr>
+                      <a:r>
+                        <a:rPr lang="fr-FR" sz="1200">
+                          <a:effectLst/>
+                        </a:rPr>
+                        <a:t>Surface</a:t>
+                      </a:r>
+                      <a:endParaRPr lang="fr-FR" sz="1200">
+                        <a:effectLst/>
+                        <a:latin typeface="Calibri" panose="020F0502020204030204" pitchFamily="34" charset="0"/>
+                        <a:ea typeface="Times New Roman" panose="02020603050405020304" pitchFamily="18" charset="0"/>
+                        <a:cs typeface="Times New Roman" panose="02020603050405020304" pitchFamily="18" charset="0"/>
+                      </a:endParaRPr>
+                    </a:p>
+                  </a:txBody>
+                  <a:tcPr marL="0" marR="0" marT="0" marB="0" anchor="ctr"/>
+                </a:tc>
+                <a:tc>
+                  <a:txBody>
+                    <a:bodyPr/>
+                    <a:lstStyle/>
+                    <a:p>
+                      <a:pPr algn="l">
+                        <a:lnSpc>
+                          <a:spcPts val="1800"/>
+                        </a:lnSpc>
+                        <a:spcAft>
+                          <a:spcPts val="300"/>
+                        </a:spcAft>
+                      </a:pPr>
+                      <a:r>
+                        <a:rPr lang="fr-FR" sz="1200" dirty="0">
+                          <a:effectLst/>
+                        </a:rPr>
+                        <a:t>   La surface actuelle pour un ACS ELAC est de 740mm2, il faut donc faire moins</a:t>
+                      </a:r>
+                      <a:endParaRPr lang="fr-FR" sz="1200" dirty="0">
+                        <a:effectLst/>
+                        <a:latin typeface="Calibri" panose="020F0502020204030204" pitchFamily="34" charset="0"/>
+                        <a:ea typeface="Times New Roman" panose="02020603050405020304" pitchFamily="18" charset="0"/>
+                        <a:cs typeface="Times New Roman" panose="02020603050405020304" pitchFamily="18" charset="0"/>
+                      </a:endParaRPr>
+                    </a:p>
+                  </a:txBody>
+                  <a:tcPr marL="0" marR="0" marT="0" marB="0" anchor="ctr"/>
+                </a:tc>
+                <a:extLst>
+                  <a:ext uri="{0D108BD9-81ED-4DB2-BD59-A6C34878D82A}">
+                    <a16:rowId xmlns:a16="http://schemas.microsoft.com/office/drawing/2014/main" val="90202601"/>
+                  </a:ext>
+                </a:extLst>
+              </a:tr>
+              <a:tr h="491402">
+                <a:tc>
+                  <a:txBody>
+                    <a:bodyPr/>
+                    <a:lstStyle/>
+                    <a:p>
+                      <a:pPr algn="l">
+                        <a:lnSpc>
+                          <a:spcPts val="1800"/>
+                        </a:lnSpc>
+                        <a:spcAft>
+                          <a:spcPts val="300"/>
+                        </a:spcAft>
+                      </a:pPr>
+                      <a:r>
+                        <a:rPr lang="fr-FR" sz="1200">
+                          <a:effectLst/>
+                        </a:rPr>
+                        <a:t>Rendement</a:t>
+                      </a:r>
+                      <a:endParaRPr lang="fr-FR" sz="1200">
+                        <a:effectLst/>
+                        <a:latin typeface="Calibri" panose="020F0502020204030204" pitchFamily="34" charset="0"/>
+                        <a:ea typeface="Times New Roman" panose="02020603050405020304" pitchFamily="18" charset="0"/>
+                        <a:cs typeface="Times New Roman" panose="02020603050405020304" pitchFamily="18" charset="0"/>
+                      </a:endParaRPr>
+                    </a:p>
+                  </a:txBody>
+                  <a:tcPr marL="0" marR="0" marT="0" marB="0" anchor="ctr"/>
+                </a:tc>
+                <a:tc>
+                  <a:txBody>
+                    <a:bodyPr/>
+                    <a:lstStyle/>
+                    <a:p>
+                      <a:pPr algn="l">
+                        <a:lnSpc>
+                          <a:spcPts val="1800"/>
+                        </a:lnSpc>
+                        <a:spcAft>
+                          <a:spcPts val="300"/>
+                        </a:spcAft>
+                      </a:pPr>
+                      <a:r>
+                        <a:rPr lang="fr-FR" sz="1200">
+                          <a:effectLst/>
+                        </a:rPr>
+                        <a:t>   Un ACS ELAC a un rendement inférieur à 10%, il faut donc être supérieur à ce rendement et l’optimiser au maximum.</a:t>
+                      </a:r>
+                      <a:endParaRPr lang="fr-FR" sz="1200">
+                        <a:effectLst/>
+                        <a:latin typeface="Calibri" panose="020F0502020204030204" pitchFamily="34" charset="0"/>
+                        <a:ea typeface="Times New Roman" panose="02020603050405020304" pitchFamily="18" charset="0"/>
+                        <a:cs typeface="Times New Roman" panose="02020603050405020304" pitchFamily="18" charset="0"/>
+                      </a:endParaRPr>
+                    </a:p>
+                  </a:txBody>
+                  <a:tcPr marL="0" marR="0" marT="0" marB="0" anchor="ctr"/>
+                </a:tc>
+                <a:extLst>
+                  <a:ext uri="{0D108BD9-81ED-4DB2-BD59-A6C34878D82A}">
+                    <a16:rowId xmlns:a16="http://schemas.microsoft.com/office/drawing/2014/main" val="560541717"/>
+                  </a:ext>
+                </a:extLst>
+              </a:tr>
+              <a:tr h="236276">
+                <a:tc>
+                  <a:txBody>
+                    <a:bodyPr/>
+                    <a:lstStyle/>
+                    <a:p>
+                      <a:pPr algn="l">
+                        <a:lnSpc>
+                          <a:spcPts val="1800"/>
+                        </a:lnSpc>
+                        <a:spcAft>
+                          <a:spcPts val="300"/>
+                        </a:spcAft>
+                      </a:pPr>
+                      <a:r>
+                        <a:rPr lang="fr-FR" sz="1200">
+                          <a:effectLst/>
+                        </a:rPr>
+                        <a:t>Ondulation sur le signal et stabilité</a:t>
+                      </a:r>
+                      <a:endParaRPr lang="fr-FR" sz="1200">
+                        <a:effectLst/>
+                        <a:latin typeface="Calibri" panose="020F0502020204030204" pitchFamily="34" charset="0"/>
+                        <a:ea typeface="Times New Roman" panose="02020603050405020304" pitchFamily="18" charset="0"/>
+                        <a:cs typeface="Times New Roman" panose="02020603050405020304" pitchFamily="18" charset="0"/>
+                      </a:endParaRPr>
+                    </a:p>
+                  </a:txBody>
+                  <a:tcPr marL="0" marR="0" marT="0" marB="0" anchor="ctr"/>
+                </a:tc>
+                <a:tc>
+                  <a:txBody>
+                    <a:bodyPr/>
+                    <a:lstStyle/>
+                    <a:p>
+                      <a:pPr algn="l">
+                        <a:lnSpc>
+                          <a:spcPts val="1800"/>
+                        </a:lnSpc>
+                        <a:spcAft>
+                          <a:spcPts val="300"/>
+                        </a:spcAft>
+                      </a:pPr>
+                      <a:r>
+                        <a:rPr lang="fr-FR" sz="1200">
+                          <a:effectLst/>
+                        </a:rPr>
+                        <a:t>   Inférieur à 100mV</a:t>
+                      </a:r>
+                      <a:endParaRPr lang="fr-FR" sz="1200">
+                        <a:effectLst/>
+                        <a:latin typeface="Calibri" panose="020F0502020204030204" pitchFamily="34" charset="0"/>
+                        <a:ea typeface="Times New Roman" panose="02020603050405020304" pitchFamily="18" charset="0"/>
+                        <a:cs typeface="Times New Roman" panose="02020603050405020304" pitchFamily="18" charset="0"/>
+                      </a:endParaRPr>
+                    </a:p>
+                  </a:txBody>
+                  <a:tcPr marL="0" marR="0" marT="0" marB="0" anchor="ctr"/>
+                </a:tc>
+                <a:extLst>
+                  <a:ext uri="{0D108BD9-81ED-4DB2-BD59-A6C34878D82A}">
+                    <a16:rowId xmlns:a16="http://schemas.microsoft.com/office/drawing/2014/main" val="1876908056"/>
+                  </a:ext>
+                </a:extLst>
+              </a:tr>
+              <a:tr h="236276">
+                <a:tc>
+                  <a:txBody>
+                    <a:bodyPr/>
+                    <a:lstStyle/>
+                    <a:p>
+                      <a:pPr algn="l">
+                        <a:lnSpc>
+                          <a:spcPts val="1800"/>
+                        </a:lnSpc>
+                        <a:spcAft>
+                          <a:spcPts val="300"/>
+                        </a:spcAft>
+                      </a:pPr>
+                      <a:r>
+                        <a:rPr lang="fr-FR" sz="1200">
+                          <a:effectLst/>
+                        </a:rPr>
+                        <a:t>THD du sinus de sortie</a:t>
+                      </a:r>
+                      <a:endParaRPr lang="fr-FR" sz="1200">
+                        <a:effectLst/>
+                        <a:latin typeface="Calibri" panose="020F0502020204030204" pitchFamily="34" charset="0"/>
+                        <a:ea typeface="Times New Roman" panose="02020603050405020304" pitchFamily="18" charset="0"/>
+                        <a:cs typeface="Times New Roman" panose="02020603050405020304" pitchFamily="18" charset="0"/>
+                      </a:endParaRPr>
+                    </a:p>
+                  </a:txBody>
+                  <a:tcPr marL="0" marR="0" marT="0" marB="0" anchor="ctr"/>
+                </a:tc>
+                <a:tc>
+                  <a:txBody>
+                    <a:bodyPr/>
+                    <a:lstStyle/>
+                    <a:p>
+                      <a:pPr algn="l">
+                        <a:lnSpc>
+                          <a:spcPts val="1800"/>
+                        </a:lnSpc>
+                        <a:spcAft>
+                          <a:spcPts val="300"/>
+                        </a:spcAft>
+                      </a:pPr>
+                      <a:r>
+                        <a:rPr lang="fr-FR" sz="1200">
+                          <a:effectLst/>
+                        </a:rPr>
+                        <a:t>   Inférieur à 1%</a:t>
+                      </a:r>
+                      <a:endParaRPr lang="fr-FR" sz="1200">
+                        <a:effectLst/>
+                        <a:latin typeface="Calibri" panose="020F0502020204030204" pitchFamily="34" charset="0"/>
+                        <a:ea typeface="Times New Roman" panose="02020603050405020304" pitchFamily="18" charset="0"/>
+                        <a:cs typeface="Times New Roman" panose="02020603050405020304" pitchFamily="18" charset="0"/>
+                      </a:endParaRPr>
+                    </a:p>
+                  </a:txBody>
+                  <a:tcPr marL="0" marR="0" marT="0" marB="0" anchor="ctr"/>
+                </a:tc>
+                <a:extLst>
+                  <a:ext uri="{0D108BD9-81ED-4DB2-BD59-A6C34878D82A}">
+                    <a16:rowId xmlns:a16="http://schemas.microsoft.com/office/drawing/2014/main" val="1350333995"/>
+                  </a:ext>
+                </a:extLst>
+              </a:tr>
+              <a:tr h="491402">
+                <a:tc>
+                  <a:txBody>
+                    <a:bodyPr/>
+                    <a:lstStyle/>
+                    <a:p>
+                      <a:pPr algn="l">
+                        <a:lnSpc>
+                          <a:spcPts val="1800"/>
+                        </a:lnSpc>
+                        <a:spcAft>
+                          <a:spcPts val="300"/>
+                        </a:spcAft>
+                      </a:pPr>
+                      <a:r>
+                        <a:rPr lang="fr-FR" sz="1200">
+                          <a:effectLst/>
+                        </a:rPr>
+                        <a:t>Coût</a:t>
+                      </a:r>
+                      <a:endParaRPr lang="fr-FR" sz="1200">
+                        <a:effectLst/>
+                        <a:latin typeface="Calibri" panose="020F0502020204030204" pitchFamily="34" charset="0"/>
+                        <a:ea typeface="Times New Roman" panose="02020603050405020304" pitchFamily="18" charset="0"/>
+                        <a:cs typeface="Times New Roman" panose="02020603050405020304" pitchFamily="18" charset="0"/>
+                      </a:endParaRPr>
+                    </a:p>
+                  </a:txBody>
+                  <a:tcPr marL="0" marR="0" marT="0" marB="0" anchor="ctr"/>
+                </a:tc>
+                <a:tc>
+                  <a:txBody>
+                    <a:bodyPr/>
+                    <a:lstStyle/>
+                    <a:p>
+                      <a:pPr algn="l">
+                        <a:lnSpc>
+                          <a:spcPts val="1800"/>
+                        </a:lnSpc>
+                        <a:spcAft>
+                          <a:spcPts val="300"/>
+                        </a:spcAft>
+                      </a:pPr>
+                      <a:r>
+                        <a:rPr lang="fr-FR" sz="1200" dirty="0">
+                          <a:effectLst/>
+                        </a:rPr>
+                        <a:t>   Pas de référence mais le plus bas possible tout en respectant les points ci-dessus.</a:t>
+                      </a:r>
+                      <a:endParaRPr lang="fr-FR" sz="1200" dirty="0">
+                        <a:effectLst/>
+                        <a:latin typeface="Calibri" panose="020F0502020204030204" pitchFamily="34" charset="0"/>
+                        <a:ea typeface="Times New Roman" panose="02020603050405020304" pitchFamily="18" charset="0"/>
+                        <a:cs typeface="Times New Roman" panose="02020603050405020304" pitchFamily="18" charset="0"/>
+                      </a:endParaRPr>
+                    </a:p>
+                  </a:txBody>
+                  <a:tcPr marL="0" marR="0" marT="0" marB="0" anchor="ctr"/>
+                </a:tc>
+                <a:extLst>
+                  <a:ext uri="{0D108BD9-81ED-4DB2-BD59-A6C34878D82A}">
+                    <a16:rowId xmlns:a16="http://schemas.microsoft.com/office/drawing/2014/main" val="2243829891"/>
+                  </a:ext>
+                </a:extLst>
+              </a:tr>
+            </a:tbl>
+          </a:graphicData>
+        </a:graphic>
+      </p:graphicFrame>
+      <p:sp>
+        <p:nvSpPr>
+          <p:cNvPr id="6" name="ZoneTexte 5"/>
+          <p:cNvSpPr txBox="1"/>
+          <p:nvPr/>
+        </p:nvSpPr>
+        <p:spPr>
+          <a:xfrm>
+            <a:off x="107504" y="6447133"/>
+            <a:ext cx="301686" cy="369332"/>
+          </a:xfrm>
+          <a:prstGeom prst="rect">
+            <a:avLst/>
+          </a:prstGeom>
+          <a:noFill/>
+        </p:spPr>
+        <p:txBody>
+          <a:bodyPr wrap="none" rtlCol="0">
+            <a:spAutoFit/>
+          </a:bodyPr>
+          <a:lstStyle/>
+          <a:p>
+            <a:r>
+              <a:rPr lang="fr-FR" dirty="0"/>
+              <a:t>9</a:t>
+            </a:r>
+            <a:endParaRPr lang="fr-FR" dirty="0"/>
+          </a:p>
+        </p:txBody>
+      </p:sp>
+    </p:spTree>
+    <p:extLst>
+      <p:ext uri="{BB962C8B-B14F-4D97-AF65-F5344CB8AC3E}">
+        <p14:creationId xmlns:p14="http://schemas.microsoft.com/office/powerpoint/2010/main" val="2563821984"/>
+      </p:ext>
+    </p:extLst>
+  </p:cSld>
+  <p:clrMapOvr>
+    <a:masterClrMapping/>
+  </p:clrMapOvr>
+  <mc:AlternateContent xmlns:mc="http://schemas.openxmlformats.org/markup-compatibility/2006">
+    <mc:Choice xmlns:p14="http://schemas.microsoft.com/office/powerpoint/2010/main" Requires="p14">
+      <p:transition p14:dur="0"/>
+    </mc:Choice>
+    <mc:Fallback>
+      <p:transition/>
+    </mc:Fallback>
+  </mc:AlternateContent>
+  <p:timing>
+    <p:tnLst>
+      <p:par>
+        <p:cTn id="1" dur="indefinite" restart="never" nodeType="tmRoot"/>
+      </p:par>
+    </p:tnLst>
+  </p:timing>
+</p:sld>
+</file>
+
+<file path=ppt/slides/slide11.xml><?xml version="1.0" encoding="utf-8"?>
+<p:sld xmlns:a="http://schemas.openxmlformats.org/drawingml/2006/main" xmlns:r="http://schemas.openxmlformats.org/officeDocument/2006/relationships" xmlns:p="http://schemas.openxmlformats.org/presentationml/2006/main">
+  <p:cSld>
+    <p:spTree>
+      <p:nvGrpSpPr>
+        <p:cNvPr id="1" name=""/>
+        <p:cNvGrpSpPr/>
+        <p:nvPr/>
+      </p:nvGrpSpPr>
+      <p:grpSpPr>
+        <a:xfrm>
+          <a:off x="0" y="0"/>
+          <a:ext cx="0" cy="0"/>
+          <a:chOff x="0" y="0"/>
+          <a:chExt cx="0" cy="0"/>
+        </a:xfrm>
+      </p:grpSpPr>
+      <p:sp>
+        <p:nvSpPr>
+          <p:cNvPr id="3" name="Titre 2"/>
+          <p:cNvSpPr>
+            <a:spLocks noGrp="1"/>
+          </p:cNvSpPr>
+          <p:nvPr>
+            <p:ph type="title"/>
+          </p:nvPr>
+        </p:nvSpPr>
+        <p:spPr/>
+        <p:txBody>
+          <a:bodyPr/>
+          <a:lstStyle/>
+          <a:p>
+            <a:r>
+              <a:rPr lang="fr-FR" dirty="0">
+                <a:solidFill>
+                  <a:schemeClr val="tx1"/>
+                </a:solidFill>
+              </a:rPr>
+              <a:t>3 - </a:t>
+            </a:r>
+            <a:r>
+              <a:rPr lang="fr-FR" dirty="0" smtClean="0">
+                <a:solidFill>
+                  <a:schemeClr val="tx1"/>
+                </a:solidFill>
+              </a:rPr>
+              <a:t>Conception</a:t>
+            </a:r>
+            <a:endParaRPr lang="fr-FR" dirty="0">
+              <a:solidFill>
+                <a:schemeClr val="tx1"/>
+              </a:solidFill>
+            </a:endParaRPr>
+          </a:p>
+        </p:txBody>
+      </p:sp>
+      <p:sp>
+        <p:nvSpPr>
+          <p:cNvPr id="4" name="Espace réservé du texte 3"/>
+          <p:cNvSpPr>
+            <a:spLocks noGrp="1"/>
+          </p:cNvSpPr>
+          <p:nvPr>
+            <p:ph type="body" sz="quarter" idx="13"/>
+          </p:nvPr>
+        </p:nvSpPr>
+        <p:spPr>
+          <a:xfrm>
+            <a:off x="1763688" y="188640"/>
+            <a:ext cx="4608512" cy="423109"/>
+          </a:xfrm>
+        </p:spPr>
+        <p:txBody>
+          <a:bodyPr/>
+          <a:lstStyle/>
+          <a:p>
+            <a:pPr algn="l"/>
+            <a:r>
+              <a:rPr lang="fr-FR" sz="2000" dirty="0" smtClean="0"/>
+              <a:t>Choix de l’architecture</a:t>
+            </a:r>
+            <a:endParaRPr lang="fr-FR" sz="2000" dirty="0"/>
+          </a:p>
+        </p:txBody>
+      </p:sp>
+      <p:graphicFrame>
+        <p:nvGraphicFramePr>
+          <p:cNvPr id="13" name="Tableau 12"/>
+          <p:cNvGraphicFramePr>
+            <a:graphicFrameLocks noGrp="1"/>
+          </p:cNvGraphicFramePr>
+          <p:nvPr/>
+        </p:nvGraphicFramePr>
+        <p:xfrm>
+          <a:off x="1907704" y="1268760"/>
+          <a:ext cx="5281504" cy="4495354"/>
+        </p:xfrm>
+        <a:graphic>
+          <a:graphicData uri="http://schemas.openxmlformats.org/drawingml/2006/table">
+            <a:tbl>
+              <a:tblPr firstRow="1" firstCol="1" bandRow="1">
+                <a:tableStyleId>{073A0DAA-6AF3-43AB-8588-CEC1D06C72B9}</a:tableStyleId>
+              </a:tblPr>
+              <a:tblGrid>
+                <a:gridCol w="1158485">
+                  <a:extLst>
+                    <a:ext uri="{9D8B030D-6E8A-4147-A177-3AD203B41FA5}">
+                      <a16:colId xmlns:a16="http://schemas.microsoft.com/office/drawing/2014/main" val="1289205732"/>
+                    </a:ext>
+                  </a:extLst>
+                </a:gridCol>
+                <a:gridCol w="1446951">
+                  <a:extLst>
+                    <a:ext uri="{9D8B030D-6E8A-4147-A177-3AD203B41FA5}">
+                      <a16:colId xmlns:a16="http://schemas.microsoft.com/office/drawing/2014/main" val="2964269228"/>
+                    </a:ext>
+                  </a:extLst>
+                </a:gridCol>
+                <a:gridCol w="1338034">
+                  <a:extLst>
+                    <a:ext uri="{9D8B030D-6E8A-4147-A177-3AD203B41FA5}">
+                      <a16:colId xmlns:a16="http://schemas.microsoft.com/office/drawing/2014/main" val="4041495667"/>
+                    </a:ext>
+                  </a:extLst>
+                </a:gridCol>
+                <a:gridCol w="1338034">
+                  <a:extLst>
+                    <a:ext uri="{9D8B030D-6E8A-4147-A177-3AD203B41FA5}">
+                      <a16:colId xmlns:a16="http://schemas.microsoft.com/office/drawing/2014/main" val="3790033679"/>
+                    </a:ext>
+                  </a:extLst>
+                </a:gridCol>
+              </a:tblGrid>
+              <a:tr h="706385">
+                <a:tc>
+                  <a:txBody>
+                    <a:bodyPr/>
+                    <a:lstStyle/>
+                    <a:p>
+                      <a:pPr algn="l">
+                        <a:lnSpc>
+                          <a:spcPct val="115000"/>
+                        </a:lnSpc>
+                      </a:pPr>
+                      <a:endParaRPr lang="fr-FR" sz="1100" dirty="0">
+                        <a:effectLst/>
+                        <a:latin typeface="Calibri" panose="020F0502020204030204" pitchFamily="34" charset="0"/>
+                        <a:cs typeface="Times New Roman" panose="02020603050405020304" pitchFamily="18" charset="0"/>
+                      </a:endParaRPr>
+                    </a:p>
+                  </a:txBody>
+                  <a:tcPr marL="0" marR="0" marT="0" marB="0"/>
+                </a:tc>
+                <a:tc>
+                  <a:txBody>
+                    <a:bodyPr/>
+                    <a:lstStyle/>
+                    <a:p>
+                      <a:pPr algn="ctr" fontAlgn="base">
+                        <a:lnSpc>
+                          <a:spcPts val="1800"/>
+                        </a:lnSpc>
+                        <a:spcAft>
+                          <a:spcPts val="0"/>
+                        </a:spcAft>
+                      </a:pPr>
+                      <a:r>
+                        <a:rPr lang="fr-FR" sz="1400" dirty="0">
+                          <a:effectLst/>
+                        </a:rPr>
+                        <a:t>Composant COTS avec entrée analogique</a:t>
+                      </a:r>
+                      <a:endParaRPr lang="fr-FR" sz="1200" dirty="0">
+                        <a:effectLst/>
+                        <a:latin typeface="Calibri" panose="020F0502020204030204" pitchFamily="34" charset="0"/>
+                        <a:ea typeface="Times New Roman" panose="02020603050405020304" pitchFamily="18" charset="0"/>
+                        <a:cs typeface="Times New Roman" panose="02020603050405020304" pitchFamily="18" charset="0"/>
+                      </a:endParaRPr>
+                    </a:p>
+                  </a:txBody>
+                  <a:tcPr marL="0" marR="0" marT="0" marB="0" anchor="ctr"/>
+                </a:tc>
+                <a:tc>
+                  <a:txBody>
+                    <a:bodyPr/>
+                    <a:lstStyle/>
+                    <a:p>
+                      <a:pPr algn="ctr" fontAlgn="base">
+                        <a:lnSpc>
+                          <a:spcPts val="1800"/>
+                        </a:lnSpc>
+                        <a:spcAft>
+                          <a:spcPts val="0"/>
+                        </a:spcAft>
+                      </a:pPr>
+                      <a:r>
+                        <a:rPr lang="fr-FR" sz="1400" dirty="0">
+                          <a:effectLst/>
+                        </a:rPr>
+                        <a:t>Composant COTS avec entrée PWM</a:t>
+                      </a:r>
+                      <a:endParaRPr lang="fr-FR" sz="1200" dirty="0">
+                        <a:effectLst/>
+                        <a:latin typeface="Calibri" panose="020F0502020204030204" pitchFamily="34" charset="0"/>
+                        <a:ea typeface="Times New Roman" panose="02020603050405020304" pitchFamily="18" charset="0"/>
+                        <a:cs typeface="Times New Roman" panose="02020603050405020304" pitchFamily="18" charset="0"/>
+                      </a:endParaRPr>
+                    </a:p>
+                  </a:txBody>
+                  <a:tcPr marL="0" marR="0" marT="0" marB="0" anchor="ctr"/>
+                </a:tc>
+                <a:tc>
+                  <a:txBody>
+                    <a:bodyPr/>
+                    <a:lstStyle/>
+                    <a:p>
+                      <a:pPr algn="ctr" fontAlgn="base">
+                        <a:lnSpc>
+                          <a:spcPts val="1800"/>
+                        </a:lnSpc>
+                        <a:spcAft>
+                          <a:spcPts val="0"/>
+                        </a:spcAft>
+                      </a:pPr>
+                      <a:r>
+                        <a:rPr lang="fr-FR" sz="1400" dirty="0">
+                          <a:effectLst/>
+                        </a:rPr>
+                        <a:t>MOSFET driver + étage d’amplification </a:t>
+                      </a:r>
+                      <a:endParaRPr lang="fr-FR" sz="1200" dirty="0">
+                        <a:effectLst/>
+                        <a:latin typeface="Calibri" panose="020F0502020204030204" pitchFamily="34" charset="0"/>
+                        <a:ea typeface="Times New Roman" panose="02020603050405020304" pitchFamily="18" charset="0"/>
+                        <a:cs typeface="Times New Roman" panose="02020603050405020304" pitchFamily="18" charset="0"/>
+                      </a:endParaRPr>
+                    </a:p>
+                  </a:txBody>
+                  <a:tcPr marL="0" marR="0" marT="0" marB="0" anchor="ctr"/>
+                </a:tc>
+                <a:extLst>
+                  <a:ext uri="{0D108BD9-81ED-4DB2-BD59-A6C34878D82A}">
+                    <a16:rowId xmlns:a16="http://schemas.microsoft.com/office/drawing/2014/main" val="129942126"/>
+                  </a:ext>
+                </a:extLst>
+              </a:tr>
+              <a:tr h="727969">
+                <a:tc>
+                  <a:txBody>
+                    <a:bodyPr/>
+                    <a:lstStyle/>
+                    <a:p>
+                      <a:pPr algn="ctr" fontAlgn="base">
+                        <a:lnSpc>
+                          <a:spcPts val="1800"/>
+                        </a:lnSpc>
+                        <a:spcAft>
+                          <a:spcPts val="0"/>
+                        </a:spcAft>
+                      </a:pPr>
+                      <a:r>
+                        <a:rPr lang="fr-FR" sz="1400" dirty="0">
+                          <a:effectLst/>
+                        </a:rPr>
+                        <a:t>Consommation</a:t>
+                      </a:r>
+                      <a:endParaRPr lang="fr-FR" sz="1200" dirty="0">
+                        <a:effectLst/>
+                        <a:latin typeface="Calibri" panose="020F0502020204030204" pitchFamily="34" charset="0"/>
+                        <a:ea typeface="Times New Roman" panose="02020603050405020304" pitchFamily="18" charset="0"/>
+                        <a:cs typeface="Times New Roman" panose="02020603050405020304" pitchFamily="18" charset="0"/>
+                      </a:endParaRPr>
+                    </a:p>
+                  </a:txBody>
+                  <a:tcPr marL="0" marR="0" marT="0" marB="0" anchor="ctr"/>
+                </a:tc>
+                <a:tc>
+                  <a:txBody>
+                    <a:bodyPr/>
+                    <a:lstStyle/>
+                    <a:p>
+                      <a:pPr algn="ctr" fontAlgn="base">
+                        <a:lnSpc>
+                          <a:spcPts val="1800"/>
+                        </a:lnSpc>
+                        <a:spcAft>
+                          <a:spcPts val="0"/>
+                        </a:spcAft>
+                      </a:pPr>
+                      <a:r>
+                        <a:rPr lang="fr-FR" sz="1200" dirty="0">
+                          <a:effectLst/>
+                        </a:rPr>
+                        <a:t>35mA + courant tiré par la charge</a:t>
+                      </a:r>
+                      <a:endParaRPr lang="fr-FR" sz="1200" dirty="0">
+                        <a:effectLst/>
+                        <a:latin typeface="Calibri" panose="020F0502020204030204" pitchFamily="34" charset="0"/>
+                        <a:ea typeface="Times New Roman" panose="02020603050405020304" pitchFamily="18" charset="0"/>
+                        <a:cs typeface="Times New Roman" panose="02020603050405020304" pitchFamily="18" charset="0"/>
+                      </a:endParaRPr>
+                    </a:p>
+                  </a:txBody>
+                  <a:tcPr marL="0" marR="0" marT="0" marB="0" anchor="ctr">
+                    <a:solidFill>
+                      <a:srgbClr val="FFC000"/>
+                    </a:solidFill>
+                  </a:tcPr>
+                </a:tc>
+                <a:tc>
+                  <a:txBody>
+                    <a:bodyPr/>
+                    <a:lstStyle/>
+                    <a:p>
+                      <a:pPr algn="ctr" fontAlgn="base">
+                        <a:lnSpc>
+                          <a:spcPts val="1800"/>
+                        </a:lnSpc>
+                        <a:spcAft>
+                          <a:spcPts val="0"/>
+                        </a:spcAft>
+                      </a:pPr>
+                      <a:r>
+                        <a:rPr lang="fr-FR" sz="1200" dirty="0">
+                          <a:effectLst/>
+                        </a:rPr>
+                        <a:t>7.3mA + courant tiré par la charge</a:t>
+                      </a:r>
+                      <a:endParaRPr lang="fr-FR" sz="1200" dirty="0">
+                        <a:effectLst/>
+                        <a:latin typeface="Calibri" panose="020F0502020204030204" pitchFamily="34" charset="0"/>
+                        <a:ea typeface="Times New Roman" panose="02020603050405020304" pitchFamily="18" charset="0"/>
+                        <a:cs typeface="Times New Roman" panose="02020603050405020304" pitchFamily="18" charset="0"/>
+                      </a:endParaRPr>
+                    </a:p>
+                  </a:txBody>
+                  <a:tcPr marL="0" marR="0" marT="0" marB="0" anchor="ctr">
+                    <a:solidFill>
+                      <a:srgbClr val="FFFF00"/>
+                    </a:solidFill>
+                  </a:tcPr>
+                </a:tc>
+                <a:tc>
+                  <a:txBody>
+                    <a:bodyPr/>
+                    <a:lstStyle/>
+                    <a:p>
+                      <a:pPr algn="ctr" fontAlgn="base">
+                        <a:lnSpc>
+                          <a:spcPts val="1800"/>
+                        </a:lnSpc>
+                        <a:spcAft>
+                          <a:spcPts val="0"/>
+                        </a:spcAft>
+                      </a:pPr>
+                      <a:r>
+                        <a:rPr lang="fr-FR" sz="1200" dirty="0">
+                          <a:effectLst/>
+                        </a:rPr>
+                        <a:t>Moins de 1mA + courant tiré par la charge</a:t>
+                      </a:r>
+                      <a:endParaRPr lang="fr-FR" sz="1200" dirty="0">
+                        <a:effectLst/>
+                        <a:latin typeface="Calibri" panose="020F0502020204030204" pitchFamily="34" charset="0"/>
+                        <a:ea typeface="Times New Roman" panose="02020603050405020304" pitchFamily="18" charset="0"/>
+                        <a:cs typeface="Times New Roman" panose="02020603050405020304" pitchFamily="18" charset="0"/>
+                      </a:endParaRPr>
+                    </a:p>
+                  </a:txBody>
+                  <a:tcPr marL="0" marR="0" marT="0" marB="0" anchor="ctr">
+                    <a:solidFill>
+                      <a:srgbClr val="92D050"/>
+                    </a:solidFill>
+                  </a:tcPr>
+                </a:tc>
+                <a:extLst>
+                  <a:ext uri="{0D108BD9-81ED-4DB2-BD59-A6C34878D82A}">
+                    <a16:rowId xmlns:a16="http://schemas.microsoft.com/office/drawing/2014/main" val="3175399155"/>
+                  </a:ext>
+                </a:extLst>
+              </a:tr>
+              <a:tr h="1648231">
+                <a:tc>
+                  <a:txBody>
+                    <a:bodyPr/>
+                    <a:lstStyle/>
+                    <a:p>
+                      <a:pPr algn="ctr" fontAlgn="base">
+                        <a:lnSpc>
+                          <a:spcPts val="1800"/>
+                        </a:lnSpc>
+                        <a:spcAft>
+                          <a:spcPts val="0"/>
+                        </a:spcAft>
+                      </a:pPr>
+                      <a:r>
+                        <a:rPr lang="fr-FR" sz="1400" dirty="0">
+                          <a:effectLst/>
+                        </a:rPr>
+                        <a:t>Surface</a:t>
+                      </a:r>
+                      <a:endParaRPr lang="fr-FR" sz="1200" dirty="0">
+                        <a:effectLst/>
+                        <a:latin typeface="Calibri" panose="020F0502020204030204" pitchFamily="34" charset="0"/>
+                        <a:ea typeface="Times New Roman" panose="02020603050405020304" pitchFamily="18" charset="0"/>
+                        <a:cs typeface="Times New Roman" panose="02020603050405020304" pitchFamily="18" charset="0"/>
+                      </a:endParaRPr>
+                    </a:p>
+                  </a:txBody>
+                  <a:tcPr marL="0" marR="0" marT="0" marB="0" anchor="ctr"/>
+                </a:tc>
+                <a:tc>
+                  <a:txBody>
+                    <a:bodyPr/>
+                    <a:lstStyle/>
+                    <a:p>
+                      <a:pPr algn="ctr" fontAlgn="base">
+                        <a:lnSpc>
+                          <a:spcPts val="1800"/>
+                        </a:lnSpc>
+                        <a:spcAft>
+                          <a:spcPts val="0"/>
+                        </a:spcAft>
+                      </a:pPr>
+                      <a:r>
+                        <a:rPr lang="fr-FR" sz="1200" dirty="0">
+                          <a:effectLst/>
+                        </a:rPr>
+                        <a:t> </a:t>
+                      </a:r>
+                    </a:p>
+                    <a:p>
+                      <a:pPr algn="ctr" fontAlgn="base">
+                        <a:lnSpc>
+                          <a:spcPts val="1800"/>
+                        </a:lnSpc>
+                        <a:spcAft>
+                          <a:spcPts val="0"/>
+                        </a:spcAft>
+                      </a:pPr>
+                      <a:r>
+                        <a:rPr lang="fr-FR" sz="1200" dirty="0">
+                          <a:effectLst/>
+                        </a:rPr>
+                        <a:t>Sans le filtre, entre 50 et 70mm2</a:t>
+                      </a:r>
+                      <a:endParaRPr lang="fr-FR" sz="1200" dirty="0">
+                        <a:effectLst/>
+                        <a:latin typeface="Calibri" panose="020F0502020204030204" pitchFamily="34" charset="0"/>
+                        <a:ea typeface="Times New Roman" panose="02020603050405020304" pitchFamily="18" charset="0"/>
+                        <a:cs typeface="Times New Roman" panose="02020603050405020304" pitchFamily="18" charset="0"/>
+                      </a:endParaRPr>
+                    </a:p>
+                  </a:txBody>
+                  <a:tcPr marL="0" marR="0" marT="0" marB="0" anchor="ctr">
+                    <a:solidFill>
+                      <a:srgbClr val="92D050"/>
+                    </a:solidFill>
+                  </a:tcPr>
+                </a:tc>
+                <a:tc>
+                  <a:txBody>
+                    <a:bodyPr/>
+                    <a:lstStyle/>
+                    <a:p>
+                      <a:pPr algn="ctr" fontAlgn="base">
+                        <a:lnSpc>
+                          <a:spcPts val="1800"/>
+                        </a:lnSpc>
+                        <a:spcAft>
+                          <a:spcPts val="0"/>
+                        </a:spcAft>
+                      </a:pPr>
+                      <a:r>
+                        <a:rPr lang="fr-FR" sz="1200" dirty="0">
+                          <a:effectLst/>
+                        </a:rPr>
+                        <a:t>Sans le filtre, entre 60 et 90mm2</a:t>
+                      </a:r>
+                      <a:endParaRPr lang="fr-FR" sz="1200" dirty="0">
+                        <a:effectLst/>
+                        <a:latin typeface="Calibri" panose="020F0502020204030204" pitchFamily="34" charset="0"/>
+                        <a:ea typeface="Times New Roman" panose="02020603050405020304" pitchFamily="18" charset="0"/>
+                        <a:cs typeface="Times New Roman" panose="02020603050405020304" pitchFamily="18" charset="0"/>
+                      </a:endParaRPr>
+                    </a:p>
+                  </a:txBody>
+                  <a:tcPr marL="0" marR="0" marT="0" marB="0" anchor="ctr">
+                    <a:solidFill>
+                      <a:srgbClr val="FFFF00"/>
+                    </a:solidFill>
+                  </a:tcPr>
+                </a:tc>
+                <a:tc>
+                  <a:txBody>
+                    <a:bodyPr/>
+                    <a:lstStyle/>
+                    <a:p>
+                      <a:pPr algn="ctr" fontAlgn="base">
+                        <a:lnSpc>
+                          <a:spcPts val="1800"/>
+                        </a:lnSpc>
+                        <a:spcAft>
+                          <a:spcPts val="0"/>
+                        </a:spcAft>
+                      </a:pPr>
+                      <a:r>
+                        <a:rPr lang="fr-FR" sz="1200" dirty="0">
+                          <a:effectLst/>
+                        </a:rPr>
+                        <a:t>4 double NMOS: 4*4.2=17.2mm2</a:t>
+                      </a:r>
+                    </a:p>
+                    <a:p>
+                      <a:pPr algn="ctr" fontAlgn="base">
+                        <a:lnSpc>
+                          <a:spcPts val="1800"/>
+                        </a:lnSpc>
+                        <a:spcAft>
+                          <a:spcPts val="0"/>
+                        </a:spcAft>
+                      </a:pPr>
+                      <a:r>
+                        <a:rPr lang="fr-FR" sz="1200" dirty="0">
+                          <a:effectLst/>
+                        </a:rPr>
+                        <a:t> </a:t>
+                      </a:r>
+                    </a:p>
+                    <a:p>
+                      <a:pPr algn="ctr" fontAlgn="base">
+                        <a:lnSpc>
+                          <a:spcPts val="1800"/>
+                        </a:lnSpc>
+                        <a:spcAft>
+                          <a:spcPts val="0"/>
+                        </a:spcAft>
+                      </a:pPr>
+                      <a:r>
+                        <a:rPr lang="fr-FR" sz="1200" dirty="0">
+                          <a:effectLst/>
+                        </a:rPr>
+                        <a:t>4 </a:t>
+                      </a:r>
+                      <a:r>
+                        <a:rPr lang="fr-FR" sz="1200" dirty="0" err="1">
+                          <a:effectLst/>
+                        </a:rPr>
+                        <a:t>gate</a:t>
+                      </a:r>
+                      <a:r>
+                        <a:rPr lang="fr-FR" sz="1200" dirty="0">
+                          <a:effectLst/>
+                        </a:rPr>
+                        <a:t> drivers:</a:t>
+                      </a:r>
+                    </a:p>
+                    <a:p>
+                      <a:pPr algn="ctr" fontAlgn="base">
+                        <a:lnSpc>
+                          <a:spcPts val="1800"/>
+                        </a:lnSpc>
+                        <a:spcAft>
+                          <a:spcPts val="0"/>
+                        </a:spcAft>
+                      </a:pPr>
+                      <a:r>
+                        <a:rPr lang="fr-FR" sz="1200" dirty="0">
+                          <a:effectLst/>
+                        </a:rPr>
+                        <a:t>4*9=36mm2</a:t>
+                      </a:r>
+                    </a:p>
+                    <a:p>
+                      <a:pPr algn="ctr" fontAlgn="base">
+                        <a:lnSpc>
+                          <a:spcPts val="1800"/>
+                        </a:lnSpc>
+                        <a:spcAft>
+                          <a:spcPts val="0"/>
+                        </a:spcAft>
+                      </a:pPr>
+                      <a:r>
+                        <a:rPr lang="fr-FR" sz="1200" dirty="0">
+                          <a:effectLst/>
+                        </a:rPr>
+                        <a:t> </a:t>
+                      </a:r>
+                    </a:p>
+                    <a:p>
+                      <a:pPr algn="ctr" fontAlgn="base">
+                        <a:lnSpc>
+                          <a:spcPts val="1800"/>
+                        </a:lnSpc>
+                        <a:spcAft>
+                          <a:spcPts val="0"/>
+                        </a:spcAft>
+                      </a:pPr>
+                      <a:r>
+                        <a:rPr lang="fr-FR" sz="1200" dirty="0">
+                          <a:effectLst/>
+                        </a:rPr>
+                        <a:t>Total: 53.2mm2</a:t>
+                      </a:r>
+                      <a:endParaRPr lang="fr-FR" sz="1200" dirty="0">
+                        <a:effectLst/>
+                        <a:latin typeface="Calibri" panose="020F0502020204030204" pitchFamily="34" charset="0"/>
+                        <a:ea typeface="Times New Roman" panose="02020603050405020304" pitchFamily="18" charset="0"/>
+                        <a:cs typeface="Times New Roman" panose="02020603050405020304" pitchFamily="18" charset="0"/>
+                      </a:endParaRPr>
+                    </a:p>
+                  </a:txBody>
+                  <a:tcPr marL="0" marR="0" marT="0" marB="0" anchor="ctr">
+                    <a:solidFill>
+                      <a:srgbClr val="92D050"/>
+                    </a:solidFill>
+                  </a:tcPr>
+                </a:tc>
+                <a:extLst>
+                  <a:ext uri="{0D108BD9-81ED-4DB2-BD59-A6C34878D82A}">
+                    <a16:rowId xmlns:a16="http://schemas.microsoft.com/office/drawing/2014/main" val="2287675172"/>
+                  </a:ext>
+                </a:extLst>
+              </a:tr>
+              <a:tr h="1177308">
+                <a:tc>
+                  <a:txBody>
+                    <a:bodyPr/>
+                    <a:lstStyle/>
+                    <a:p>
+                      <a:pPr algn="ctr" fontAlgn="base">
+                        <a:lnSpc>
+                          <a:spcPts val="1800"/>
+                        </a:lnSpc>
+                        <a:spcAft>
+                          <a:spcPts val="0"/>
+                        </a:spcAft>
+                      </a:pPr>
+                      <a:r>
+                        <a:rPr lang="fr-FR" sz="1400" dirty="0">
+                          <a:effectLst/>
+                        </a:rPr>
+                        <a:t>Prix (pour 500 unités)</a:t>
+                      </a:r>
+                      <a:endParaRPr lang="fr-FR" sz="1200" dirty="0">
+                        <a:effectLst/>
+                        <a:latin typeface="Calibri" panose="020F0502020204030204" pitchFamily="34" charset="0"/>
+                        <a:ea typeface="Times New Roman" panose="02020603050405020304" pitchFamily="18" charset="0"/>
+                        <a:cs typeface="Times New Roman" panose="02020603050405020304" pitchFamily="18" charset="0"/>
+                      </a:endParaRPr>
+                    </a:p>
+                  </a:txBody>
+                  <a:tcPr marL="0" marR="0" marT="0" marB="0" anchor="ctr"/>
+                </a:tc>
+                <a:tc>
+                  <a:txBody>
+                    <a:bodyPr/>
+                    <a:lstStyle/>
+                    <a:p>
+                      <a:pPr algn="ctr" fontAlgn="base">
+                        <a:lnSpc>
+                          <a:spcPts val="1800"/>
+                        </a:lnSpc>
+                        <a:spcAft>
+                          <a:spcPts val="0"/>
+                        </a:spcAft>
+                      </a:pPr>
+                      <a:r>
+                        <a:rPr lang="fr-FR" sz="1200" dirty="0">
+                          <a:effectLst/>
+                        </a:rPr>
+                        <a:t>Entre 1 et 2€ le composant</a:t>
+                      </a:r>
+                      <a:endParaRPr lang="fr-FR" sz="1200" dirty="0">
+                        <a:effectLst/>
+                        <a:latin typeface="Calibri" panose="020F0502020204030204" pitchFamily="34" charset="0"/>
+                        <a:ea typeface="Times New Roman" panose="02020603050405020304" pitchFamily="18" charset="0"/>
+                        <a:cs typeface="Times New Roman" panose="02020603050405020304" pitchFamily="18" charset="0"/>
+                      </a:endParaRPr>
+                    </a:p>
+                  </a:txBody>
+                  <a:tcPr marL="0" marR="0" marT="0" marB="0" anchor="ctr">
+                    <a:solidFill>
+                      <a:srgbClr val="92D050"/>
+                    </a:solidFill>
+                  </a:tcPr>
+                </a:tc>
+                <a:tc>
+                  <a:txBody>
+                    <a:bodyPr/>
+                    <a:lstStyle/>
+                    <a:p>
+                      <a:pPr algn="ctr" fontAlgn="base">
+                        <a:lnSpc>
+                          <a:spcPts val="1800"/>
+                        </a:lnSpc>
+                        <a:spcAft>
+                          <a:spcPts val="0"/>
+                        </a:spcAft>
+                      </a:pPr>
+                      <a:r>
+                        <a:rPr lang="fr-FR" sz="1200" dirty="0">
+                          <a:effectLst/>
+                        </a:rPr>
+                        <a:t>Plus de 3€</a:t>
+                      </a:r>
+                      <a:endParaRPr lang="fr-FR" sz="1200" dirty="0">
+                        <a:effectLst/>
+                        <a:latin typeface="Calibri" panose="020F0502020204030204" pitchFamily="34" charset="0"/>
+                        <a:ea typeface="Times New Roman" panose="02020603050405020304" pitchFamily="18" charset="0"/>
+                        <a:cs typeface="Times New Roman" panose="02020603050405020304" pitchFamily="18" charset="0"/>
+                      </a:endParaRPr>
+                    </a:p>
+                  </a:txBody>
+                  <a:tcPr marL="0" marR="0" marT="0" marB="0" anchor="ctr">
+                    <a:solidFill>
+                      <a:srgbClr val="FFC000"/>
+                    </a:solidFill>
+                  </a:tcPr>
+                </a:tc>
+                <a:tc>
+                  <a:txBody>
+                    <a:bodyPr/>
+                    <a:lstStyle/>
+                    <a:p>
+                      <a:pPr algn="ctr" fontAlgn="base">
+                        <a:lnSpc>
+                          <a:spcPts val="1800"/>
+                        </a:lnSpc>
+                        <a:spcAft>
+                          <a:spcPts val="0"/>
+                        </a:spcAft>
+                      </a:pPr>
+                      <a:r>
+                        <a:rPr lang="fr-FR" sz="1200" dirty="0">
+                          <a:effectLst/>
+                        </a:rPr>
+                        <a:t>NMOS : 4*0.266€</a:t>
+                      </a:r>
+                    </a:p>
+                    <a:p>
+                      <a:pPr algn="ctr" fontAlgn="base">
+                        <a:lnSpc>
+                          <a:spcPts val="1800"/>
+                        </a:lnSpc>
+                        <a:spcAft>
+                          <a:spcPts val="0"/>
+                        </a:spcAft>
+                      </a:pPr>
+                      <a:r>
+                        <a:rPr lang="fr-FR" sz="1200" dirty="0">
+                          <a:effectLst/>
+                        </a:rPr>
+                        <a:t> </a:t>
+                      </a:r>
+                    </a:p>
+                    <a:p>
+                      <a:pPr algn="ctr" fontAlgn="base">
+                        <a:lnSpc>
+                          <a:spcPts val="1800"/>
+                        </a:lnSpc>
+                        <a:spcAft>
+                          <a:spcPts val="0"/>
+                        </a:spcAft>
+                      </a:pPr>
+                      <a:r>
+                        <a:rPr lang="fr-FR" sz="1200" dirty="0">
+                          <a:effectLst/>
+                        </a:rPr>
+                        <a:t>Driver: 4*0.243€</a:t>
+                      </a:r>
+                    </a:p>
+                    <a:p>
+                      <a:pPr algn="ctr" fontAlgn="base">
+                        <a:lnSpc>
+                          <a:spcPts val="1800"/>
+                        </a:lnSpc>
+                        <a:spcAft>
+                          <a:spcPts val="0"/>
+                        </a:spcAft>
+                      </a:pPr>
+                      <a:r>
+                        <a:rPr lang="fr-FR" sz="1200" dirty="0">
+                          <a:effectLst/>
+                        </a:rPr>
+                        <a:t> </a:t>
+                      </a:r>
+                    </a:p>
+                    <a:p>
+                      <a:pPr algn="ctr" fontAlgn="base">
+                        <a:lnSpc>
+                          <a:spcPts val="1800"/>
+                        </a:lnSpc>
+                        <a:spcAft>
+                          <a:spcPts val="0"/>
+                        </a:spcAft>
+                      </a:pPr>
+                      <a:r>
+                        <a:rPr lang="fr-FR" sz="1200" dirty="0">
+                          <a:effectLst/>
+                        </a:rPr>
+                        <a:t>Total=2.036€</a:t>
+                      </a:r>
+                      <a:endParaRPr lang="fr-FR" sz="1200" dirty="0">
+                        <a:effectLst/>
+                        <a:latin typeface="Calibri" panose="020F0502020204030204" pitchFamily="34" charset="0"/>
+                        <a:ea typeface="Times New Roman" panose="02020603050405020304" pitchFamily="18" charset="0"/>
+                        <a:cs typeface="Times New Roman" panose="02020603050405020304" pitchFamily="18" charset="0"/>
+                      </a:endParaRPr>
+                    </a:p>
+                  </a:txBody>
+                  <a:tcPr marL="0" marR="0" marT="0" marB="0" anchor="ctr">
+                    <a:solidFill>
+                      <a:srgbClr val="FFFF00"/>
+                    </a:solidFill>
+                  </a:tcPr>
+                </a:tc>
+                <a:extLst>
+                  <a:ext uri="{0D108BD9-81ED-4DB2-BD59-A6C34878D82A}">
+                    <a16:rowId xmlns:a16="http://schemas.microsoft.com/office/drawing/2014/main" val="1933834363"/>
+                  </a:ext>
+                </a:extLst>
+              </a:tr>
+              <a:tr h="235461">
+                <a:tc>
+                  <a:txBody>
+                    <a:bodyPr/>
+                    <a:lstStyle/>
+                    <a:p>
+                      <a:pPr algn="ctr" fontAlgn="base">
+                        <a:lnSpc>
+                          <a:spcPts val="1800"/>
+                        </a:lnSpc>
+                        <a:spcAft>
+                          <a:spcPts val="0"/>
+                        </a:spcAft>
+                      </a:pPr>
+                      <a:r>
+                        <a:rPr lang="fr-FR" sz="1400" dirty="0">
+                          <a:effectLst/>
+                        </a:rPr>
+                        <a:t>Disponibilité</a:t>
+                      </a:r>
+                      <a:endParaRPr lang="fr-FR" sz="1200" dirty="0">
+                        <a:effectLst/>
+                        <a:latin typeface="Calibri" panose="020F0502020204030204" pitchFamily="34" charset="0"/>
+                        <a:ea typeface="Times New Roman" panose="02020603050405020304" pitchFamily="18" charset="0"/>
+                        <a:cs typeface="Times New Roman" panose="02020603050405020304" pitchFamily="18" charset="0"/>
+                      </a:endParaRPr>
+                    </a:p>
+                  </a:txBody>
+                  <a:tcPr marL="0" marR="0" marT="0" marB="0" anchor="ctr"/>
+                </a:tc>
+                <a:tc>
+                  <a:txBody>
+                    <a:bodyPr/>
+                    <a:lstStyle/>
+                    <a:p>
+                      <a:pPr algn="l">
+                        <a:lnSpc>
+                          <a:spcPct val="115000"/>
+                        </a:lnSpc>
+                      </a:pPr>
+                      <a:endParaRPr lang="fr-FR" sz="1100" dirty="0">
+                        <a:effectLst/>
+                        <a:latin typeface="Calibri" panose="020F0502020204030204" pitchFamily="34" charset="0"/>
+                        <a:cs typeface="Times New Roman" panose="02020603050405020304" pitchFamily="18" charset="0"/>
+                      </a:endParaRPr>
+                    </a:p>
+                  </a:txBody>
+                  <a:tcPr marL="0" marR="0" marT="0" marB="0" anchor="ctr">
+                    <a:solidFill>
+                      <a:srgbClr val="FFFF00"/>
+                    </a:solidFill>
+                  </a:tcPr>
+                </a:tc>
+                <a:tc>
+                  <a:txBody>
+                    <a:bodyPr/>
+                    <a:lstStyle/>
+                    <a:p>
+                      <a:pPr algn="ctr" fontAlgn="base">
+                        <a:lnSpc>
+                          <a:spcPts val="1800"/>
+                        </a:lnSpc>
+                        <a:spcAft>
+                          <a:spcPts val="0"/>
+                        </a:spcAft>
+                      </a:pPr>
+                      <a:r>
+                        <a:rPr lang="fr-FR" sz="1200" dirty="0">
+                          <a:effectLst/>
+                        </a:rPr>
+                        <a:t> </a:t>
+                      </a:r>
+                      <a:endParaRPr lang="fr-FR" sz="1200" dirty="0">
+                        <a:effectLst/>
+                        <a:latin typeface="Calibri" panose="020F0502020204030204" pitchFamily="34" charset="0"/>
+                        <a:ea typeface="Times New Roman" panose="02020603050405020304" pitchFamily="18" charset="0"/>
+                        <a:cs typeface="Times New Roman" panose="02020603050405020304" pitchFamily="18" charset="0"/>
+                      </a:endParaRPr>
+                    </a:p>
+                  </a:txBody>
+                  <a:tcPr marL="0" marR="0" marT="0" marB="0" anchor="ctr">
+                    <a:solidFill>
+                      <a:srgbClr val="FFC000"/>
+                    </a:solidFill>
+                  </a:tcPr>
+                </a:tc>
+                <a:tc>
+                  <a:txBody>
+                    <a:bodyPr/>
+                    <a:lstStyle/>
+                    <a:p>
+                      <a:pPr algn="l">
+                        <a:lnSpc>
+                          <a:spcPct val="115000"/>
+                        </a:lnSpc>
+                      </a:pPr>
+                      <a:endParaRPr lang="fr-FR" sz="1100" dirty="0">
+                        <a:effectLst/>
+                        <a:latin typeface="Calibri" panose="020F0502020204030204" pitchFamily="34" charset="0"/>
+                        <a:cs typeface="Times New Roman" panose="02020603050405020304" pitchFamily="18" charset="0"/>
+                      </a:endParaRPr>
+                    </a:p>
+                  </a:txBody>
+                  <a:tcPr marL="0" marR="0" marT="0" marB="0" anchor="ctr">
+                    <a:solidFill>
+                      <a:srgbClr val="92D050"/>
+                    </a:solidFill>
+                  </a:tcPr>
+                </a:tc>
+                <a:extLst>
+                  <a:ext uri="{0D108BD9-81ED-4DB2-BD59-A6C34878D82A}">
+                    <a16:rowId xmlns:a16="http://schemas.microsoft.com/office/drawing/2014/main" val="502034831"/>
+                  </a:ext>
+                </a:extLst>
+              </a:tr>
+            </a:tbl>
+          </a:graphicData>
+        </a:graphic>
+      </p:graphicFrame>
+      <p:sp>
+        <p:nvSpPr>
+          <p:cNvPr id="6" name="ZoneTexte 5"/>
+          <p:cNvSpPr txBox="1"/>
+          <p:nvPr/>
+        </p:nvSpPr>
+        <p:spPr>
+          <a:xfrm>
+            <a:off x="107504" y="6447133"/>
+            <a:ext cx="418704" cy="369332"/>
+          </a:xfrm>
+          <a:prstGeom prst="rect">
+            <a:avLst/>
+          </a:prstGeom>
+          <a:noFill/>
+        </p:spPr>
+        <p:txBody>
+          <a:bodyPr wrap="none" rtlCol="0">
+            <a:spAutoFit/>
+          </a:bodyPr>
+          <a:lstStyle/>
+          <a:p>
+            <a:r>
+              <a:rPr lang="fr-FR" dirty="0" smtClean="0"/>
+              <a:t>10</a:t>
+            </a:r>
+            <a:endParaRPr lang="fr-FR" dirty="0"/>
+          </a:p>
+        </p:txBody>
+      </p:sp>
+    </p:spTree>
+    <p:extLst>
+      <p:ext uri="{BB962C8B-B14F-4D97-AF65-F5344CB8AC3E}">
+        <p14:creationId xmlns:p14="http://schemas.microsoft.com/office/powerpoint/2010/main" val="649920105"/>
+      </p:ext>
+    </p:extLst>
+  </p:cSld>
+  <p:clrMapOvr>
+    <a:masterClrMapping/>
+  </p:clrMapOvr>
+  <mc:AlternateContent xmlns:mc="http://schemas.openxmlformats.org/markup-compatibility/2006">
+    <mc:Choice xmlns:p14="http://schemas.microsoft.com/office/powerpoint/2010/main" Requires="p14">
+      <p:transition p14:dur="10"/>
+    </mc:Choice>
+    <mc:Fallback>
+      <p:transition/>
+    </mc:Fallback>
+  </mc:AlternateContent>
+  <p:timing>
+    <p:tnLst>
+      <p:par>
+        <p:cTn id="1" dur="indefinite" restart="never" nodeType="tmRoot"/>
+      </p:par>
+    </p:tnLst>
+  </p:timing>
+</p:sld>
+</file>
+
+<file path=ppt/slides/slide12.xml><?xml version="1.0" encoding="utf-8"?>
+<p:sld xmlns:a="http://schemas.openxmlformats.org/drawingml/2006/main" xmlns:r="http://schemas.openxmlformats.org/officeDocument/2006/relationships" xmlns:p="http://schemas.openxmlformats.org/presentationml/2006/main">
+  <p:cSld>
+    <p:spTree>
+      <p:nvGrpSpPr>
+        <p:cNvPr id="1" name=""/>
+        <p:cNvGrpSpPr/>
+        <p:nvPr/>
+      </p:nvGrpSpPr>
+      <p:grpSpPr>
+        <a:xfrm>
+          <a:off x="0" y="0"/>
+          <a:ext cx="0" cy="0"/>
+          <a:chOff x="0" y="0"/>
+          <a:chExt cx="0" cy="0"/>
+        </a:xfrm>
+      </p:grpSpPr>
+      <p:sp>
+        <p:nvSpPr>
+          <p:cNvPr id="3" name="Titre 2"/>
+          <p:cNvSpPr>
+            <a:spLocks noGrp="1"/>
+          </p:cNvSpPr>
+          <p:nvPr>
+            <p:ph type="title"/>
+          </p:nvPr>
+        </p:nvSpPr>
+        <p:spPr/>
+        <p:txBody>
+          <a:bodyPr/>
+          <a:lstStyle/>
+          <a:p>
+            <a:r>
+              <a:rPr lang="fr-FR" dirty="0">
+                <a:solidFill>
+                  <a:schemeClr val="tx1"/>
+                </a:solidFill>
+              </a:rPr>
+              <a:t>3 - </a:t>
+            </a:r>
+            <a:r>
+              <a:rPr lang="fr-FR" dirty="0" smtClean="0">
+                <a:solidFill>
+                  <a:schemeClr val="tx1"/>
+                </a:solidFill>
+              </a:rPr>
+              <a:t>Conception</a:t>
+            </a:r>
+            <a:endParaRPr lang="fr-FR" dirty="0">
+              <a:solidFill>
+                <a:schemeClr val="tx1"/>
+              </a:solidFill>
+            </a:endParaRPr>
+          </a:p>
+        </p:txBody>
+      </p:sp>
+      <p:sp>
+        <p:nvSpPr>
+          <p:cNvPr id="4" name="Espace réservé du texte 3"/>
+          <p:cNvSpPr>
+            <a:spLocks noGrp="1"/>
+          </p:cNvSpPr>
+          <p:nvPr>
+            <p:ph type="body" sz="quarter" idx="13"/>
+          </p:nvPr>
+        </p:nvSpPr>
+        <p:spPr>
+          <a:xfrm>
+            <a:off x="1691680" y="188640"/>
+            <a:ext cx="4608512" cy="423109"/>
+          </a:xfrm>
+        </p:spPr>
+        <p:txBody>
+          <a:bodyPr/>
+          <a:lstStyle/>
+          <a:p>
+            <a:pPr algn="l"/>
+            <a:r>
+              <a:rPr lang="fr-FR" sz="2000" dirty="0" smtClean="0"/>
+              <a:t>Architecture détaillée</a:t>
+            </a:r>
+            <a:endParaRPr lang="fr-FR" sz="2000" dirty="0"/>
+          </a:p>
+        </p:txBody>
+      </p:sp>
+      <p:pic>
+        <p:nvPicPr>
+          <p:cNvPr id="6" name="Image 5"/>
+          <p:cNvPicPr/>
+          <p:nvPr/>
+        </p:nvPicPr>
+        <p:blipFill>
+          <a:blip r:embed="rId2">
+            <a:extLst>
+              <a:ext uri="{28A0092B-C50C-407E-A947-70E740481C1C}">
+                <a14:useLocalDpi xmlns:a14="http://schemas.microsoft.com/office/drawing/2010/main" val="0"/>
+              </a:ext>
+            </a:extLst>
+          </a:blip>
+          <a:stretch>
+            <a:fillRect/>
+          </a:stretch>
+        </p:blipFill>
+        <p:spPr>
+          <a:xfrm>
+            <a:off x="179512" y="1196752"/>
+            <a:ext cx="8856984" cy="4464496"/>
+          </a:xfrm>
+          <a:prstGeom prst="rect">
+            <a:avLst/>
+          </a:prstGeom>
+        </p:spPr>
+      </p:pic>
+      <p:sp>
+        <p:nvSpPr>
+          <p:cNvPr id="5" name="ZoneTexte 4"/>
+          <p:cNvSpPr txBox="1"/>
+          <p:nvPr/>
+        </p:nvSpPr>
+        <p:spPr>
+          <a:xfrm>
+            <a:off x="107504" y="6447133"/>
+            <a:ext cx="418704" cy="369332"/>
+          </a:xfrm>
+          <a:prstGeom prst="rect">
+            <a:avLst/>
+          </a:prstGeom>
+          <a:noFill/>
+        </p:spPr>
+        <p:txBody>
+          <a:bodyPr wrap="none" rtlCol="0">
+            <a:spAutoFit/>
+          </a:bodyPr>
+          <a:lstStyle/>
+          <a:p>
+            <a:r>
+              <a:rPr lang="fr-FR" dirty="0" smtClean="0"/>
+              <a:t>11</a:t>
+            </a:r>
+            <a:endParaRPr lang="fr-FR" dirty="0"/>
+          </a:p>
+        </p:txBody>
+      </p:sp>
+    </p:spTree>
+    <p:extLst>
+      <p:ext uri="{BB962C8B-B14F-4D97-AF65-F5344CB8AC3E}">
+        <p14:creationId xmlns:p14="http://schemas.microsoft.com/office/powerpoint/2010/main" val="3061719771"/>
+      </p:ext>
+    </p:extLst>
+  </p:cSld>
+  <p:clrMapOvr>
+    <a:masterClrMapping/>
+  </p:clrMapOvr>
+  <mc:AlternateContent xmlns:mc="http://schemas.openxmlformats.org/markup-compatibility/2006">
+    <mc:Choice xmlns:p14="http://schemas.microsoft.com/office/powerpoint/2010/main" Requires="p14">
+      <p:transition p14:dur="0"/>
+    </mc:Choice>
+    <mc:Fallback>
+      <p:transition/>
+    </mc:Fallback>
+  </mc:AlternateContent>
+  <p:timing>
+    <p:tnLst>
+      <p:par>
+        <p:cTn id="1" dur="indefinite" restart="never" nodeType="tmRoot"/>
+      </p:par>
+    </p:tnLst>
+  </p:timing>
+</p:sld>
+</file>
+
+<file path=ppt/slides/slide13.xml><?xml version="1.0" encoding="utf-8"?>
+<p:sld xmlns:a="http://schemas.openxmlformats.org/drawingml/2006/main" xmlns:r="http://schemas.openxmlformats.org/officeDocument/2006/relationships" xmlns:p="http://schemas.openxmlformats.org/presentationml/2006/main">
+  <p:cSld>
+    <p:spTree>
+      <p:nvGrpSpPr>
+        <p:cNvPr id="1" name=""/>
+        <p:cNvGrpSpPr/>
+        <p:nvPr/>
+      </p:nvGrpSpPr>
+      <p:grpSpPr>
+        <a:xfrm>
+          <a:off x="0" y="0"/>
+          <a:ext cx="0" cy="0"/>
+          <a:chOff x="0" y="0"/>
+          <a:chExt cx="0" cy="0"/>
+        </a:xfrm>
+      </p:grpSpPr>
+      <p:pic>
+        <p:nvPicPr>
+          <p:cNvPr id="7" name="Image 6"/>
+          <p:cNvPicPr>
+            <a:picLocks noChangeAspect="1"/>
+          </p:cNvPicPr>
+          <p:nvPr/>
+        </p:nvPicPr>
+        <p:blipFill>
+          <a:blip r:embed="rId2"/>
+          <a:stretch>
+            <a:fillRect/>
+          </a:stretch>
+        </p:blipFill>
+        <p:spPr>
+          <a:xfrm>
+            <a:off x="93742" y="1412639"/>
+            <a:ext cx="8852636" cy="4032585"/>
+          </a:xfrm>
+          <a:prstGeom prst="rect">
+            <a:avLst/>
+          </a:prstGeom>
+        </p:spPr>
+      </p:pic>
+      <p:sp>
+        <p:nvSpPr>
+          <p:cNvPr id="3" name="Titre 2"/>
+          <p:cNvSpPr>
+            <a:spLocks noGrp="1"/>
+          </p:cNvSpPr>
+          <p:nvPr>
+            <p:ph type="title"/>
+          </p:nvPr>
+        </p:nvSpPr>
+        <p:spPr/>
+        <p:txBody>
+          <a:bodyPr/>
+          <a:lstStyle/>
+          <a:p>
+            <a:r>
+              <a:rPr lang="fr-FR" dirty="0">
+                <a:solidFill>
+                  <a:schemeClr val="tx1"/>
+                </a:solidFill>
+              </a:rPr>
+              <a:t>3 - </a:t>
+            </a:r>
+            <a:r>
+              <a:rPr lang="fr-FR" dirty="0" smtClean="0">
+                <a:solidFill>
+                  <a:schemeClr val="tx1"/>
+                </a:solidFill>
+              </a:rPr>
+              <a:t>Conception</a:t>
+            </a:r>
+            <a:endParaRPr lang="fr-FR" dirty="0">
+              <a:solidFill>
+                <a:schemeClr val="tx1"/>
+              </a:solidFill>
+            </a:endParaRPr>
+          </a:p>
+        </p:txBody>
+      </p:sp>
+      <p:sp>
+        <p:nvSpPr>
+          <p:cNvPr id="4" name="Espace réservé du texte 3"/>
+          <p:cNvSpPr>
+            <a:spLocks noGrp="1"/>
+          </p:cNvSpPr>
+          <p:nvPr>
+            <p:ph type="body" sz="quarter" idx="13"/>
+          </p:nvPr>
+        </p:nvSpPr>
+        <p:spPr>
+          <a:xfrm>
+            <a:off x="1763688" y="188640"/>
+            <a:ext cx="4608512" cy="423109"/>
+          </a:xfrm>
+        </p:spPr>
+        <p:txBody>
+          <a:bodyPr/>
+          <a:lstStyle/>
+          <a:p>
+            <a:pPr algn="l"/>
+            <a:r>
+              <a:rPr lang="fr-FR" sz="2000" dirty="0" smtClean="0"/>
+              <a:t>Schéma </a:t>
+            </a:r>
+            <a:r>
+              <a:rPr lang="fr-FR" sz="2000" dirty="0" err="1" smtClean="0"/>
+              <a:t>LTspice</a:t>
+            </a:r>
+            <a:r>
+              <a:rPr lang="fr-FR" sz="2000" dirty="0" smtClean="0"/>
+              <a:t> final</a:t>
+            </a:r>
+            <a:endParaRPr lang="fr-FR" sz="2000" dirty="0"/>
+          </a:p>
+        </p:txBody>
+      </p:sp>
+      <p:sp>
+        <p:nvSpPr>
+          <p:cNvPr id="5" name="ZoneTexte 4"/>
+          <p:cNvSpPr txBox="1"/>
+          <p:nvPr/>
+        </p:nvSpPr>
+        <p:spPr>
+          <a:xfrm>
+            <a:off x="107504" y="6447133"/>
+            <a:ext cx="418704" cy="369332"/>
+          </a:xfrm>
+          <a:prstGeom prst="rect">
+            <a:avLst/>
+          </a:prstGeom>
+          <a:noFill/>
+        </p:spPr>
+        <p:txBody>
+          <a:bodyPr wrap="none" rtlCol="0">
+            <a:spAutoFit/>
+          </a:bodyPr>
+          <a:lstStyle/>
+          <a:p>
+            <a:r>
+              <a:rPr lang="fr-FR" dirty="0" smtClean="0"/>
+              <a:t>12</a:t>
+            </a:r>
+            <a:endParaRPr lang="fr-FR" dirty="0"/>
+          </a:p>
+        </p:txBody>
+      </p:sp>
+    </p:spTree>
+    <p:extLst>
+      <p:ext uri="{BB962C8B-B14F-4D97-AF65-F5344CB8AC3E}">
+        <p14:creationId xmlns:p14="http://schemas.microsoft.com/office/powerpoint/2010/main" val="441464487"/>
+      </p:ext>
+    </p:extLst>
+  </p:cSld>
+  <p:clrMapOvr>
+    <a:masterClrMapping/>
+  </p:clrMapOvr>
+  <mc:AlternateContent xmlns:mc="http://schemas.openxmlformats.org/markup-compatibility/2006">
+    <mc:Choice xmlns:p14="http://schemas.microsoft.com/office/powerpoint/2010/main" Requires="p14">
+      <p:transition p14:dur="0"/>
+    </mc:Choice>
+    <mc:Fallback>
+      <p:transition/>
+    </mc:Fallback>
+  </mc:AlternateContent>
+  <p:timing>
+    <p:tnLst>
+      <p:par>
+        <p:cTn id="1" dur="indefinite" restart="never" nodeType="tmRoot"/>
+      </p:par>
+    </p:tnLst>
+  </p:timing>
+</p:sld>
+</file>
+
+<file path=ppt/slides/slide14.xml><?xml version="1.0" encoding="utf-8"?>
+<p:sld xmlns:a="http://schemas.openxmlformats.org/drawingml/2006/main" xmlns:r="http://schemas.openxmlformats.org/officeDocument/2006/relationships" xmlns:p="http://schemas.openxmlformats.org/presentationml/2006/main">
+  <p:cSld>
+    <p:spTree>
+      <p:nvGrpSpPr>
+        <p:cNvPr id="1" name=""/>
+        <p:cNvGrpSpPr/>
+        <p:nvPr/>
+      </p:nvGrpSpPr>
+      <p:grpSpPr>
+        <a:xfrm>
+          <a:off x="0" y="0"/>
+          <a:ext cx="0" cy="0"/>
+          <a:chOff x="0" y="0"/>
+          <a:chExt cx="0" cy="0"/>
+        </a:xfrm>
+      </p:grpSpPr>
+      <p:sp>
+        <p:nvSpPr>
+          <p:cNvPr id="3" name="Titre 2"/>
+          <p:cNvSpPr>
+            <a:spLocks noGrp="1"/>
+          </p:cNvSpPr>
+          <p:nvPr>
+            <p:ph type="title"/>
+          </p:nvPr>
+        </p:nvSpPr>
+        <p:spPr/>
+        <p:txBody>
+          <a:bodyPr/>
+          <a:lstStyle/>
+          <a:p>
+            <a:r>
+              <a:rPr lang="fr-FR" dirty="0">
+                <a:solidFill>
+                  <a:schemeClr val="tx1"/>
+                </a:solidFill>
+              </a:rPr>
+              <a:t>3 - </a:t>
+            </a:r>
+            <a:r>
+              <a:rPr lang="fr-FR" dirty="0" smtClean="0">
+                <a:solidFill>
+                  <a:schemeClr val="tx1"/>
+                </a:solidFill>
+              </a:rPr>
+              <a:t>Conception</a:t>
+            </a:r>
+            <a:endParaRPr lang="fr-FR" dirty="0">
+              <a:solidFill>
+                <a:schemeClr val="tx1"/>
+              </a:solidFill>
+            </a:endParaRPr>
+          </a:p>
+        </p:txBody>
+      </p:sp>
+      <p:sp>
+        <p:nvSpPr>
+          <p:cNvPr id="4" name="Espace réservé du texte 3"/>
+          <p:cNvSpPr>
+            <a:spLocks noGrp="1"/>
+          </p:cNvSpPr>
+          <p:nvPr>
+            <p:ph type="body" sz="quarter" idx="13"/>
+          </p:nvPr>
+        </p:nvSpPr>
+        <p:spPr>
+          <a:xfrm>
+            <a:off x="1691680" y="188640"/>
+            <a:ext cx="4608512" cy="423109"/>
+          </a:xfrm>
+        </p:spPr>
+        <p:txBody>
+          <a:bodyPr/>
+          <a:lstStyle/>
+          <a:p>
+            <a:pPr algn="l"/>
+            <a:r>
+              <a:rPr lang="fr-FR" sz="2000" dirty="0" smtClean="0"/>
+              <a:t>Résultats des simulations</a:t>
+            </a:r>
+            <a:endParaRPr lang="fr-FR" sz="2000" dirty="0"/>
+          </a:p>
+        </p:txBody>
+      </p:sp>
+      <p:pic>
+        <p:nvPicPr>
+          <p:cNvPr id="6" name="Image 5"/>
+          <p:cNvPicPr>
+            <a:picLocks noChangeAspect="1"/>
+          </p:cNvPicPr>
+          <p:nvPr/>
+        </p:nvPicPr>
+        <p:blipFill>
+          <a:blip r:embed="rId2"/>
+          <a:stretch>
+            <a:fillRect/>
+          </a:stretch>
+        </p:blipFill>
+        <p:spPr>
+          <a:xfrm>
+            <a:off x="467544" y="1700808"/>
+            <a:ext cx="8280920" cy="3639385"/>
+          </a:xfrm>
+          <a:prstGeom prst="rect">
+            <a:avLst/>
+          </a:prstGeom>
+        </p:spPr>
+      </p:pic>
+      <p:sp>
+        <p:nvSpPr>
+          <p:cNvPr id="10" name="ZoneTexte 9"/>
+          <p:cNvSpPr txBox="1"/>
+          <p:nvPr/>
+        </p:nvSpPr>
+        <p:spPr>
+          <a:xfrm>
+            <a:off x="107504" y="6447133"/>
+            <a:ext cx="418704" cy="369332"/>
+          </a:xfrm>
+          <a:prstGeom prst="rect">
+            <a:avLst/>
+          </a:prstGeom>
+          <a:noFill/>
+        </p:spPr>
+        <p:txBody>
+          <a:bodyPr wrap="none" rtlCol="0">
+            <a:spAutoFit/>
+          </a:bodyPr>
+          <a:lstStyle/>
+          <a:p>
+            <a:r>
+              <a:rPr lang="fr-FR" dirty="0" smtClean="0"/>
+              <a:t>13</a:t>
+            </a:r>
+            <a:endParaRPr lang="fr-FR" dirty="0"/>
+          </a:p>
+        </p:txBody>
+      </p:sp>
+    </p:spTree>
+    <p:extLst>
+      <p:ext uri="{BB962C8B-B14F-4D97-AF65-F5344CB8AC3E}">
+        <p14:creationId xmlns:p14="http://schemas.microsoft.com/office/powerpoint/2010/main" val="1991035755"/>
+      </p:ext>
+    </p:extLst>
+  </p:cSld>
+  <p:clrMapOvr>
+    <a:masterClrMapping/>
+  </p:clrMapOvr>
+  <mc:AlternateContent xmlns:mc="http://schemas.openxmlformats.org/markup-compatibility/2006">
+    <mc:Choice xmlns:p14="http://schemas.microsoft.com/office/powerpoint/2010/main" Requires="p14">
+      <p:transition p14:dur="0"/>
+    </mc:Choice>
+    <mc:Fallback>
+      <p:transition/>
+    </mc:Fallback>
+  </mc:AlternateContent>
+  <p:timing>
+    <p:tnLst>
+      <p:par>
+        <p:cTn id="1" dur="indefinite" restart="never" nodeType="tmRoot"/>
+      </p:par>
+    </p:tnLst>
+  </p:timing>
+</p:sld>
+</file>
+
+<file path=ppt/slides/slide15.xml><?xml version="1.0" encoding="utf-8"?>
+<p:sld xmlns:a="http://schemas.openxmlformats.org/drawingml/2006/main" xmlns:r="http://schemas.openxmlformats.org/officeDocument/2006/relationships" xmlns:p="http://schemas.openxmlformats.org/presentationml/2006/main">
+  <p:cSld>
+    <p:spTree>
+      <p:nvGrpSpPr>
+        <p:cNvPr id="1" name=""/>
+        <p:cNvGrpSpPr/>
+        <p:nvPr/>
+      </p:nvGrpSpPr>
+      <p:grpSpPr>
+        <a:xfrm>
+          <a:off x="0" y="0"/>
+          <a:ext cx="0" cy="0"/>
+          <a:chOff x="0" y="0"/>
+          <a:chExt cx="0" cy="0"/>
+        </a:xfrm>
+      </p:grpSpPr>
+      <p:sp>
+        <p:nvSpPr>
+          <p:cNvPr id="3" name="Titre 2"/>
+          <p:cNvSpPr>
+            <a:spLocks noGrp="1"/>
+          </p:cNvSpPr>
+          <p:nvPr>
+            <p:ph type="title"/>
+          </p:nvPr>
+        </p:nvSpPr>
+        <p:spPr/>
+        <p:txBody>
+          <a:bodyPr/>
+          <a:lstStyle/>
+          <a:p>
+            <a:r>
+              <a:rPr lang="fr-FR" dirty="0">
+                <a:solidFill>
+                  <a:schemeClr val="tx1"/>
+                </a:solidFill>
+              </a:rPr>
+              <a:t>3 - </a:t>
+            </a:r>
+            <a:r>
+              <a:rPr lang="fr-FR" dirty="0" smtClean="0">
+                <a:solidFill>
+                  <a:schemeClr val="tx1"/>
+                </a:solidFill>
+              </a:rPr>
+              <a:t>Conception</a:t>
+            </a:r>
+            <a:endParaRPr lang="fr-FR" dirty="0">
+              <a:solidFill>
+                <a:schemeClr val="tx1"/>
+              </a:solidFill>
+            </a:endParaRPr>
+          </a:p>
+        </p:txBody>
+      </p:sp>
+      <p:sp>
+        <p:nvSpPr>
+          <p:cNvPr id="4" name="Espace réservé du texte 3"/>
+          <p:cNvSpPr>
+            <a:spLocks noGrp="1"/>
+          </p:cNvSpPr>
+          <p:nvPr>
+            <p:ph type="body" sz="quarter" idx="13"/>
+          </p:nvPr>
+        </p:nvSpPr>
+        <p:spPr>
+          <a:xfrm>
+            <a:off x="1719466" y="182255"/>
+            <a:ext cx="4608512" cy="423109"/>
+          </a:xfrm>
+        </p:spPr>
+        <p:txBody>
+          <a:bodyPr/>
+          <a:lstStyle/>
+          <a:p>
+            <a:pPr algn="l"/>
+            <a:r>
+              <a:rPr lang="fr-FR" sz="2000" dirty="0" smtClean="0"/>
+              <a:t>Résultats des simulations</a:t>
+            </a:r>
+            <a:endParaRPr lang="fr-FR" sz="2000" dirty="0"/>
+          </a:p>
+        </p:txBody>
+      </p:sp>
+      <p:pic>
+        <p:nvPicPr>
+          <p:cNvPr id="6" name="Image 5"/>
+          <p:cNvPicPr>
+            <a:picLocks noChangeAspect="1"/>
+          </p:cNvPicPr>
+          <p:nvPr/>
+        </p:nvPicPr>
+        <p:blipFill>
+          <a:blip r:embed="rId2"/>
+          <a:stretch>
+            <a:fillRect/>
+          </a:stretch>
+        </p:blipFill>
+        <p:spPr>
+          <a:xfrm>
+            <a:off x="467544" y="1700808"/>
+            <a:ext cx="4464496" cy="1962103"/>
+          </a:xfrm>
+          <a:prstGeom prst="rect">
+            <a:avLst/>
+          </a:prstGeom>
+        </p:spPr>
+      </p:pic>
+      <p:pic>
+        <p:nvPicPr>
+          <p:cNvPr id="8" name="Image 7"/>
+          <p:cNvPicPr/>
+          <p:nvPr/>
+        </p:nvPicPr>
+        <p:blipFill>
+          <a:blip r:embed="rId3"/>
+          <a:stretch>
+            <a:fillRect/>
+          </a:stretch>
+        </p:blipFill>
+        <p:spPr>
+          <a:xfrm>
+            <a:off x="4283968" y="2060848"/>
+            <a:ext cx="4608512" cy="4052928"/>
+          </a:xfrm>
+          <a:prstGeom prst="rect">
+            <a:avLst/>
+          </a:prstGeom>
+        </p:spPr>
+      </p:pic>
+      <p:sp>
+        <p:nvSpPr>
+          <p:cNvPr id="9" name="ZoneTexte 8"/>
+          <p:cNvSpPr txBox="1"/>
+          <p:nvPr/>
+        </p:nvSpPr>
+        <p:spPr>
+          <a:xfrm>
+            <a:off x="1115616" y="4643400"/>
+            <a:ext cx="1140056" cy="369332"/>
+          </a:xfrm>
+          <a:prstGeom prst="rect">
+            <a:avLst/>
+          </a:prstGeom>
+          <a:noFill/>
+        </p:spPr>
+        <p:txBody>
+          <a:bodyPr wrap="none" rtlCol="0">
+            <a:spAutoFit/>
+          </a:bodyPr>
+          <a:lstStyle/>
+          <a:p>
+            <a:r>
+              <a:rPr lang="fr-FR" dirty="0" smtClean="0"/>
+              <a:t>THD &lt; 1% </a:t>
+            </a:r>
+            <a:endParaRPr lang="fr-FR" dirty="0"/>
+          </a:p>
+        </p:txBody>
+      </p:sp>
+      <p:pic>
+        <p:nvPicPr>
+          <p:cNvPr id="12" name="Image 11"/>
+          <p:cNvPicPr>
+            <a:picLocks noChangeAspect="1"/>
+          </p:cNvPicPr>
+          <p:nvPr/>
+        </p:nvPicPr>
+        <p:blipFill>
+          <a:blip r:embed="rId4" cstate="print">
+            <a:extLst>
+              <a:ext uri="{28A0092B-C50C-407E-A947-70E740481C1C}">
+                <a14:useLocalDpi xmlns:a14="http://schemas.microsoft.com/office/drawing/2010/main" val="0"/>
+              </a:ext>
+            </a:extLst>
+          </a:blip>
+          <a:stretch>
+            <a:fillRect/>
+          </a:stretch>
+        </p:blipFill>
+        <p:spPr>
+          <a:xfrm>
+            <a:off x="2699792" y="4570948"/>
+            <a:ext cx="514236" cy="514236"/>
+          </a:xfrm>
+          <a:prstGeom prst="rect">
+            <a:avLst/>
+          </a:prstGeom>
+        </p:spPr>
+      </p:pic>
+      <p:sp>
+        <p:nvSpPr>
+          <p:cNvPr id="10" name="ZoneTexte 9"/>
+          <p:cNvSpPr txBox="1"/>
+          <p:nvPr/>
+        </p:nvSpPr>
+        <p:spPr>
+          <a:xfrm>
+            <a:off x="107504" y="6447133"/>
+            <a:ext cx="418704" cy="369332"/>
+          </a:xfrm>
+          <a:prstGeom prst="rect">
+            <a:avLst/>
+          </a:prstGeom>
+          <a:noFill/>
+        </p:spPr>
+        <p:txBody>
+          <a:bodyPr wrap="none" rtlCol="0">
+            <a:spAutoFit/>
+          </a:bodyPr>
+          <a:lstStyle/>
+          <a:p>
+            <a:r>
+              <a:rPr lang="fr-FR" dirty="0" smtClean="0"/>
+              <a:t>14</a:t>
+            </a:r>
+            <a:endParaRPr lang="fr-FR" dirty="0"/>
+          </a:p>
+        </p:txBody>
+      </p:sp>
+    </p:spTree>
+    <p:extLst>
+      <p:ext uri="{BB962C8B-B14F-4D97-AF65-F5344CB8AC3E}">
+        <p14:creationId xmlns:p14="http://schemas.microsoft.com/office/powerpoint/2010/main" val="3786283787"/>
+      </p:ext>
+    </p:extLst>
+  </p:cSld>
+  <p:clrMapOvr>
+    <a:masterClrMapping/>
+  </p:clrMapOvr>
+  <mc:AlternateContent xmlns:mc="http://schemas.openxmlformats.org/markup-compatibility/2006">
+    <mc:Choice xmlns:p14="http://schemas.microsoft.com/office/powerpoint/2010/main" Requires="p14">
+      <p:transition p14:dur="0"/>
+    </mc:Choice>
+    <mc:Fallback>
+      <p:transition/>
+    </mc:Fallback>
+  </mc:AlternateContent>
+  <p:timing>
+    <p:tnLst>
+      <p:par>
+        <p:cTn id="1" dur="indefinite" restart="never" nodeType="tmRoot"/>
+      </p:par>
+    </p:tnLst>
+  </p:timing>
+</p:sld>
+</file>
+
+<file path=ppt/slides/slide16.xml><?xml version="1.0" encoding="utf-8"?>
+<p:sld xmlns:a="http://schemas.openxmlformats.org/drawingml/2006/main" xmlns:r="http://schemas.openxmlformats.org/officeDocument/2006/relationships" xmlns:p="http://schemas.openxmlformats.org/presentationml/2006/main">
+  <p:cSld>
+    <p:spTree>
+      <p:nvGrpSpPr>
+        <p:cNvPr id="1" name=""/>
+        <p:cNvGrpSpPr/>
+        <p:nvPr/>
+      </p:nvGrpSpPr>
+      <p:grpSpPr>
+        <a:xfrm>
+          <a:off x="0" y="0"/>
+          <a:ext cx="0" cy="0"/>
+          <a:chOff x="0" y="0"/>
+          <a:chExt cx="0" cy="0"/>
+        </a:xfrm>
+      </p:grpSpPr>
+      <p:sp>
+        <p:nvSpPr>
+          <p:cNvPr id="3" name="Titre 2"/>
+          <p:cNvSpPr>
+            <a:spLocks noGrp="1"/>
+          </p:cNvSpPr>
+          <p:nvPr>
+            <p:ph type="title"/>
+          </p:nvPr>
+        </p:nvSpPr>
+        <p:spPr/>
+        <p:txBody>
+          <a:bodyPr/>
+          <a:lstStyle/>
+          <a:p>
+            <a:r>
+              <a:rPr lang="fr-FR" dirty="0">
+                <a:solidFill>
+                  <a:schemeClr val="tx1"/>
+                </a:solidFill>
+              </a:rPr>
+              <a:t>3 - </a:t>
+            </a:r>
+            <a:r>
+              <a:rPr lang="fr-FR" dirty="0" smtClean="0">
+                <a:solidFill>
+                  <a:schemeClr val="tx1"/>
+                </a:solidFill>
+              </a:rPr>
+              <a:t>Conception</a:t>
+            </a:r>
+            <a:endParaRPr lang="fr-FR" dirty="0">
+              <a:solidFill>
+                <a:schemeClr val="tx1"/>
+              </a:solidFill>
+            </a:endParaRPr>
+          </a:p>
+        </p:txBody>
+      </p:sp>
+      <p:sp>
+        <p:nvSpPr>
+          <p:cNvPr id="4" name="Espace réservé du texte 3"/>
+          <p:cNvSpPr>
+            <a:spLocks noGrp="1"/>
+          </p:cNvSpPr>
+          <p:nvPr>
+            <p:ph type="body" sz="quarter" idx="13"/>
+          </p:nvPr>
+        </p:nvSpPr>
+        <p:spPr>
+          <a:xfrm>
+            <a:off x="1691680" y="204847"/>
+            <a:ext cx="4608512" cy="423109"/>
+          </a:xfrm>
+        </p:spPr>
+        <p:txBody>
+          <a:bodyPr/>
+          <a:lstStyle/>
+          <a:p>
+            <a:pPr algn="l"/>
+            <a:r>
+              <a:rPr lang="fr-FR" sz="2000" dirty="0" smtClean="0"/>
+              <a:t>Génération des PWM</a:t>
+            </a:r>
+            <a:endParaRPr lang="fr-FR" sz="2000" dirty="0"/>
+          </a:p>
+        </p:txBody>
+      </p:sp>
+      <p:pic>
+        <p:nvPicPr>
+          <p:cNvPr id="6" name="Image 5"/>
+          <p:cNvPicPr>
+            <a:picLocks noChangeAspect="1"/>
+          </p:cNvPicPr>
+          <p:nvPr/>
+        </p:nvPicPr>
+        <p:blipFill rotWithShape="1">
+          <a:blip r:embed="rId2">
+            <a:extLst>
+              <a:ext uri="{28A0092B-C50C-407E-A947-70E740481C1C}">
+                <a14:useLocalDpi xmlns:a14="http://schemas.microsoft.com/office/drawing/2010/main" val="0"/>
+              </a:ext>
+            </a:extLst>
+          </a:blip>
+          <a:srcRect l="16881" r="-8441"/>
+          <a:stretch/>
+        </p:blipFill>
+        <p:spPr>
+          <a:xfrm>
+            <a:off x="323528" y="1124744"/>
+            <a:ext cx="3124458" cy="5118735"/>
+          </a:xfrm>
+          <a:prstGeom prst="rect">
+            <a:avLst/>
+          </a:prstGeom>
+        </p:spPr>
+      </p:pic>
+      <p:pic>
+        <p:nvPicPr>
+          <p:cNvPr id="7" name="Image 6"/>
+          <p:cNvPicPr/>
+          <p:nvPr/>
+        </p:nvPicPr>
+        <p:blipFill>
+          <a:blip r:embed="rId3"/>
+          <a:stretch>
+            <a:fillRect/>
+          </a:stretch>
+        </p:blipFill>
+        <p:spPr>
+          <a:xfrm>
+            <a:off x="2915816" y="1916832"/>
+            <a:ext cx="6057532" cy="3240360"/>
+          </a:xfrm>
+          <a:prstGeom prst="rect">
+            <a:avLst/>
+          </a:prstGeom>
+        </p:spPr>
+      </p:pic>
+      <p:sp>
+        <p:nvSpPr>
+          <p:cNvPr id="8" name="ZoneTexte 7"/>
+          <p:cNvSpPr txBox="1"/>
+          <p:nvPr/>
+        </p:nvSpPr>
+        <p:spPr>
+          <a:xfrm>
+            <a:off x="107504" y="6447133"/>
+            <a:ext cx="418704" cy="369332"/>
+          </a:xfrm>
+          <a:prstGeom prst="rect">
+            <a:avLst/>
+          </a:prstGeom>
+          <a:noFill/>
+        </p:spPr>
+        <p:txBody>
+          <a:bodyPr wrap="none" rtlCol="0">
+            <a:spAutoFit/>
+          </a:bodyPr>
+          <a:lstStyle/>
+          <a:p>
+            <a:r>
+              <a:rPr lang="fr-FR" dirty="0" smtClean="0"/>
+              <a:t>15</a:t>
+            </a:r>
+            <a:endParaRPr lang="fr-FR" dirty="0"/>
+          </a:p>
+        </p:txBody>
+      </p:sp>
+    </p:spTree>
+    <p:extLst>
+      <p:ext uri="{BB962C8B-B14F-4D97-AF65-F5344CB8AC3E}">
+        <p14:creationId xmlns:p14="http://schemas.microsoft.com/office/powerpoint/2010/main" val="4695646"/>
+      </p:ext>
+    </p:extLst>
+  </p:cSld>
+  <p:clrMapOvr>
+    <a:masterClrMapping/>
+  </p:clrMapOvr>
+  <mc:AlternateContent xmlns:mc="http://schemas.openxmlformats.org/markup-compatibility/2006">
+    <mc:Choice xmlns:p14="http://schemas.microsoft.com/office/powerpoint/2010/main" Requires="p14">
+      <p:transition p14:dur="0"/>
+    </mc:Choice>
+    <mc:Fallback>
+      <p:transition/>
+    </mc:Fallback>
+  </mc:AlternateContent>
+  <p:timing>
+    <p:tnLst>
+      <p:par>
+        <p:cTn id="1" dur="indefinite" restart="never" nodeType="tmRoot"/>
+      </p:par>
+    </p:tnLst>
+  </p:timing>
+</p:sld>
+</file>
+
+<file path=ppt/slides/slide17.xml><?xml version="1.0" encoding="utf-8"?>
+<p:sld xmlns:a="http://schemas.openxmlformats.org/drawingml/2006/main" xmlns:r="http://schemas.openxmlformats.org/officeDocument/2006/relationships" xmlns:p="http://schemas.openxmlformats.org/presentationml/2006/main">
+  <p:cSld>
+    <p:spTree>
+      <p:nvGrpSpPr>
+        <p:cNvPr id="1" name=""/>
+        <p:cNvGrpSpPr/>
+        <p:nvPr/>
+      </p:nvGrpSpPr>
+      <p:grpSpPr>
+        <a:xfrm>
+          <a:off x="0" y="0"/>
+          <a:ext cx="0" cy="0"/>
+          <a:chOff x="0" y="0"/>
+          <a:chExt cx="0" cy="0"/>
+        </a:xfrm>
+      </p:grpSpPr>
+      <p:sp>
+        <p:nvSpPr>
+          <p:cNvPr id="3" name="Titre 2"/>
+          <p:cNvSpPr>
+            <a:spLocks noGrp="1"/>
+          </p:cNvSpPr>
+          <p:nvPr>
+            <p:ph type="title"/>
+          </p:nvPr>
+        </p:nvSpPr>
+        <p:spPr/>
+        <p:txBody>
+          <a:bodyPr/>
+          <a:lstStyle/>
+          <a:p>
+            <a:r>
+              <a:rPr lang="fr-FR" dirty="0">
+                <a:solidFill>
+                  <a:schemeClr val="tx1"/>
+                </a:solidFill>
+              </a:rPr>
+              <a:t>3 - </a:t>
+            </a:r>
+            <a:r>
+              <a:rPr lang="fr-FR" dirty="0" smtClean="0">
+                <a:solidFill>
+                  <a:schemeClr val="tx1"/>
+                </a:solidFill>
+              </a:rPr>
+              <a:t>Conception</a:t>
+            </a:r>
+            <a:endParaRPr lang="fr-FR" dirty="0">
+              <a:solidFill>
+                <a:schemeClr val="tx1"/>
+              </a:solidFill>
+            </a:endParaRPr>
+          </a:p>
+        </p:txBody>
+      </p:sp>
+      <p:sp>
+        <p:nvSpPr>
+          <p:cNvPr id="4" name="Espace réservé du texte 3"/>
+          <p:cNvSpPr>
+            <a:spLocks noGrp="1"/>
+          </p:cNvSpPr>
+          <p:nvPr>
+            <p:ph type="body" sz="quarter" idx="13"/>
+          </p:nvPr>
+        </p:nvSpPr>
+        <p:spPr>
+          <a:xfrm>
+            <a:off x="1763688" y="188640"/>
+            <a:ext cx="5258658" cy="423109"/>
+          </a:xfrm>
+        </p:spPr>
+        <p:txBody>
+          <a:bodyPr/>
+          <a:lstStyle/>
+          <a:p>
+            <a:pPr algn="l"/>
+            <a:r>
+              <a:rPr lang="fr-FR" sz="2000" dirty="0" smtClean="0"/>
+              <a:t>Asservissement de la tension de sortie</a:t>
+            </a:r>
+            <a:endParaRPr lang="fr-FR" sz="2000" dirty="0"/>
+          </a:p>
+        </p:txBody>
+      </p:sp>
+      <p:pic>
+        <p:nvPicPr>
+          <p:cNvPr id="5" name="Image 4"/>
+          <p:cNvPicPr/>
+          <p:nvPr/>
+        </p:nvPicPr>
+        <p:blipFill rotWithShape="1">
+          <a:blip r:embed="rId2"/>
+          <a:srcRect t="13084"/>
+          <a:stretch/>
+        </p:blipFill>
+        <p:spPr bwMode="auto">
+          <a:xfrm>
+            <a:off x="251520" y="2348880"/>
+            <a:ext cx="8748464" cy="2160240"/>
+          </a:xfrm>
+          <a:prstGeom prst="rect">
+            <a:avLst/>
+          </a:prstGeom>
+          <a:ln>
+            <a:noFill/>
+          </a:ln>
+          <a:extLst>
+            <a:ext uri="{53640926-AAD7-44D8-BBD7-CCE9431645EC}">
+              <a14:shadowObscured xmlns:a14="http://schemas.microsoft.com/office/drawing/2010/main"/>
+            </a:ext>
+          </a:extLst>
+        </p:spPr>
+      </p:pic>
+      <p:sp>
+        <p:nvSpPr>
+          <p:cNvPr id="6" name="ZoneTexte 5"/>
+          <p:cNvSpPr txBox="1"/>
+          <p:nvPr/>
+        </p:nvSpPr>
+        <p:spPr>
+          <a:xfrm>
+            <a:off x="107504" y="6447133"/>
+            <a:ext cx="418704" cy="369332"/>
+          </a:xfrm>
+          <a:prstGeom prst="rect">
+            <a:avLst/>
+          </a:prstGeom>
+          <a:noFill/>
+        </p:spPr>
+        <p:txBody>
+          <a:bodyPr wrap="none" rtlCol="0">
+            <a:spAutoFit/>
+          </a:bodyPr>
+          <a:lstStyle/>
+          <a:p>
+            <a:r>
+              <a:rPr lang="fr-FR" dirty="0" smtClean="0"/>
+              <a:t>16</a:t>
+            </a:r>
+            <a:endParaRPr lang="fr-FR" dirty="0"/>
+          </a:p>
+        </p:txBody>
+      </p:sp>
+    </p:spTree>
+    <p:extLst>
+      <p:ext uri="{BB962C8B-B14F-4D97-AF65-F5344CB8AC3E}">
+        <p14:creationId xmlns:p14="http://schemas.microsoft.com/office/powerpoint/2010/main" val="997931492"/>
+      </p:ext>
+    </p:extLst>
+  </p:cSld>
+  <p:clrMapOvr>
+    <a:masterClrMapping/>
+  </p:clrMapOvr>
+  <mc:AlternateContent xmlns:mc="http://schemas.openxmlformats.org/markup-compatibility/2006">
+    <mc:Choice xmlns:p14="http://schemas.microsoft.com/office/powerpoint/2010/main" Requires="p14">
+      <p:transition p14:dur="0"/>
+    </mc:Choice>
+    <mc:Fallback>
+      <p:transition/>
+    </mc:Fallback>
+  </mc:AlternateContent>
+  <p:timing>
+    <p:tnLst>
+      <p:par>
+        <p:cTn id="1" dur="indefinite" restart="never" nodeType="tmRoot"/>
+      </p:par>
+    </p:tnLst>
+  </p:timing>
+</p:sld>
+</file>
+
+<file path=ppt/slides/slide18.xml><?xml version="1.0" encoding="utf-8"?>
+<p:sld xmlns:a="http://schemas.openxmlformats.org/drawingml/2006/main" xmlns:r="http://schemas.openxmlformats.org/officeDocument/2006/relationships" xmlns:p="http://schemas.openxmlformats.org/presentationml/2006/main">
+  <p:cSld>
+    <p:spTree>
+      <p:nvGrpSpPr>
+        <p:cNvPr id="1" name=""/>
+        <p:cNvGrpSpPr/>
+        <p:nvPr/>
+      </p:nvGrpSpPr>
+      <p:grpSpPr>
+        <a:xfrm>
+          <a:off x="0" y="0"/>
+          <a:ext cx="0" cy="0"/>
+          <a:chOff x="0" y="0"/>
+          <a:chExt cx="0" cy="0"/>
+        </a:xfrm>
+      </p:grpSpPr>
+      <p:sp>
+        <p:nvSpPr>
+          <p:cNvPr id="3" name="Titre 2"/>
+          <p:cNvSpPr>
+            <a:spLocks noGrp="1"/>
+          </p:cNvSpPr>
+          <p:nvPr>
+            <p:ph type="title"/>
+          </p:nvPr>
+        </p:nvSpPr>
+        <p:spPr/>
+        <p:txBody>
+          <a:bodyPr/>
+          <a:lstStyle/>
+          <a:p>
+            <a:r>
+              <a:rPr lang="fr-FR" dirty="0">
+                <a:solidFill>
+                  <a:schemeClr val="tx1"/>
+                </a:solidFill>
+              </a:rPr>
+              <a:t>3 - </a:t>
+            </a:r>
+            <a:r>
+              <a:rPr lang="fr-FR" dirty="0" smtClean="0">
+                <a:solidFill>
+                  <a:schemeClr val="tx1"/>
+                </a:solidFill>
+              </a:rPr>
+              <a:t>Conception</a:t>
+            </a:r>
+            <a:endParaRPr lang="fr-FR" dirty="0">
+              <a:solidFill>
+                <a:schemeClr val="tx1"/>
+              </a:solidFill>
+            </a:endParaRPr>
+          </a:p>
+        </p:txBody>
+      </p:sp>
+      <p:sp>
+        <p:nvSpPr>
+          <p:cNvPr id="4" name="Espace réservé du texte 3"/>
+          <p:cNvSpPr>
+            <a:spLocks noGrp="1"/>
+          </p:cNvSpPr>
+          <p:nvPr>
+            <p:ph type="body" sz="quarter" idx="13"/>
+          </p:nvPr>
+        </p:nvSpPr>
+        <p:spPr>
+          <a:xfrm>
+            <a:off x="1691680" y="188640"/>
+            <a:ext cx="5258658" cy="423109"/>
+          </a:xfrm>
+        </p:spPr>
+        <p:txBody>
+          <a:bodyPr/>
+          <a:lstStyle/>
+          <a:p>
+            <a:pPr algn="l"/>
+            <a:r>
+              <a:rPr lang="fr-FR" sz="2000" dirty="0" smtClean="0"/>
+              <a:t>Asservissement de la tension de sortie</a:t>
+            </a:r>
+            <a:endParaRPr lang="fr-FR" sz="2000" dirty="0"/>
+          </a:p>
+        </p:txBody>
+      </p:sp>
+      <p:pic>
+        <p:nvPicPr>
+          <p:cNvPr id="5121" name="Picture 1" descr="29460b566beda6f9bc8afcaee52cf15b@insa-toulouse"/>
+          <p:cNvPicPr>
+            <a:picLocks noChangeAspect="1" noChangeArrowheads="1"/>
+          </p:cNvPicPr>
+          <p:nvPr/>
+        </p:nvPicPr>
+        <p:blipFill>
+          <a:blip r:embed="rId2">
+            <a:extLst>
+              <a:ext uri="{28A0092B-C50C-407E-A947-70E740481C1C}">
+                <a14:useLocalDpi xmlns:a14="http://schemas.microsoft.com/office/drawing/2010/main" val="0"/>
+              </a:ext>
+            </a:extLst>
+          </a:blip>
+          <a:srcRect/>
+          <a:stretch>
+            <a:fillRect/>
+          </a:stretch>
+        </p:blipFill>
+        <p:spPr bwMode="auto">
+          <a:xfrm>
+            <a:off x="2411760" y="1268760"/>
+            <a:ext cx="4320480" cy="5073126"/>
+          </a:xfrm>
+          <a:prstGeom prst="rect">
+            <a:avLst/>
+          </a:prstGeom>
+          <a:noFill/>
+          <a:ln>
+            <a:noFill/>
+          </a:ln>
+          <a:extLst>
+            <a:ext uri="{909E8E84-426E-40DD-AFC4-6F175D3DCCD1}">
+              <a14:hiddenFill xmlns:a14="http://schemas.microsoft.com/office/drawing/2010/main">
+                <a:solidFill>
+                  <a:srgbClr val="FFFFFF"/>
+                </a:solidFill>
+              </a14:hiddenFill>
+            </a:ext>
+            <a:ext uri="{91240B29-F687-4F45-9708-019B960494DF}">
+              <a14:hiddenLine xmlns:a14="http://schemas.microsoft.com/office/drawing/2010/main" w="9525">
+                <a:solidFill>
+                  <a:srgbClr val="000000"/>
+                </a:solidFill>
+                <a:miter lim="800000"/>
+                <a:headEnd/>
+                <a:tailEnd/>
+              </a14:hiddenLine>
+            </a:ext>
+          </a:extLst>
+        </p:spPr>
+      </p:pic>
+      <p:sp>
+        <p:nvSpPr>
+          <p:cNvPr id="6" name="ZoneTexte 5"/>
+          <p:cNvSpPr txBox="1"/>
+          <p:nvPr/>
+        </p:nvSpPr>
+        <p:spPr>
+          <a:xfrm>
+            <a:off x="107504" y="6447133"/>
+            <a:ext cx="418704" cy="369332"/>
+          </a:xfrm>
+          <a:prstGeom prst="rect">
+            <a:avLst/>
+          </a:prstGeom>
+          <a:noFill/>
+        </p:spPr>
+        <p:txBody>
+          <a:bodyPr wrap="none" rtlCol="0">
+            <a:spAutoFit/>
+          </a:bodyPr>
+          <a:lstStyle/>
+          <a:p>
+            <a:r>
+              <a:rPr lang="fr-FR" dirty="0" smtClean="0"/>
+              <a:t>17</a:t>
+            </a:r>
+            <a:endParaRPr lang="fr-FR" dirty="0"/>
+          </a:p>
+        </p:txBody>
+      </p:sp>
+    </p:spTree>
+    <p:extLst>
+      <p:ext uri="{BB962C8B-B14F-4D97-AF65-F5344CB8AC3E}">
+        <p14:creationId xmlns:p14="http://schemas.microsoft.com/office/powerpoint/2010/main" val="1273349928"/>
+      </p:ext>
+    </p:extLst>
+  </p:cSld>
+  <p:clrMapOvr>
+    <a:masterClrMapping/>
+  </p:clrMapOvr>
+  <mc:AlternateContent xmlns:mc="http://schemas.openxmlformats.org/markup-compatibility/2006">
+    <mc:Choice xmlns:p14="http://schemas.microsoft.com/office/powerpoint/2010/main" Requires="p14">
+      <p:transition p14:dur="0"/>
+    </mc:Choice>
+    <mc:Fallback>
+      <p:transition/>
+    </mc:Fallback>
+  </mc:AlternateContent>
+  <p:timing>
+    <p:tnLst>
+      <p:par>
+        <p:cTn id="1" dur="indefinite" restart="never" nodeType="tmRoot"/>
+      </p:par>
+    </p:tnLst>
+  </p:timing>
+</p:sld>
+</file>
+
+<file path=ppt/slides/slide19.xml><?xml version="1.0" encoding="utf-8"?>
+<p:sld xmlns:a="http://schemas.openxmlformats.org/drawingml/2006/main" xmlns:r="http://schemas.openxmlformats.org/officeDocument/2006/relationships" xmlns:p="http://schemas.openxmlformats.org/presentationml/2006/main">
+  <p:cSld>
+    <p:spTree>
+      <p:nvGrpSpPr>
+        <p:cNvPr id="1" name=""/>
+        <p:cNvGrpSpPr/>
+        <p:nvPr/>
+      </p:nvGrpSpPr>
+      <p:grpSpPr>
+        <a:xfrm>
+          <a:off x="0" y="0"/>
+          <a:ext cx="0" cy="0"/>
+          <a:chOff x="0" y="0"/>
+          <a:chExt cx="0" cy="0"/>
+        </a:xfrm>
+      </p:grpSpPr>
+      <p:sp>
+        <p:nvSpPr>
+          <p:cNvPr id="3" name="Titre 2"/>
+          <p:cNvSpPr>
+            <a:spLocks noGrp="1"/>
+          </p:cNvSpPr>
+          <p:nvPr>
+            <p:ph type="title"/>
+          </p:nvPr>
+        </p:nvSpPr>
+        <p:spPr/>
+        <p:txBody>
+          <a:bodyPr/>
+          <a:lstStyle/>
+          <a:p>
+            <a:endParaRPr lang="fr-FR"/>
+          </a:p>
+        </p:txBody>
+      </p:sp>
+      <p:sp>
+        <p:nvSpPr>
+          <p:cNvPr id="5" name="ZoneTexte 4"/>
+          <p:cNvSpPr txBox="1"/>
+          <p:nvPr/>
+        </p:nvSpPr>
+        <p:spPr>
+          <a:xfrm>
+            <a:off x="0" y="2564904"/>
+            <a:ext cx="9144000" cy="1200329"/>
+          </a:xfrm>
+          <a:prstGeom prst="rect">
+            <a:avLst/>
+          </a:prstGeom>
+          <a:noFill/>
+        </p:spPr>
+        <p:txBody>
+          <a:bodyPr wrap="square" rtlCol="0">
+            <a:spAutoFit/>
+          </a:bodyPr>
+          <a:lstStyle/>
+          <a:p>
+            <a:pPr algn="ctr"/>
+            <a:r>
+              <a:rPr lang="fr-FR" sz="5400" b="1" u="sng" dirty="0" smtClean="0"/>
+              <a:t>4 – Réalisation et tests</a:t>
+            </a:r>
+            <a:endParaRPr lang="fr-FR" sz="5400" b="1" u="sng" dirty="0"/>
+          </a:p>
+          <a:p>
+            <a:pPr algn="ctr"/>
+            <a:endParaRPr lang="fr-FR" dirty="0"/>
+          </a:p>
+        </p:txBody>
+      </p:sp>
+      <p:sp>
+        <p:nvSpPr>
+          <p:cNvPr id="4" name="ZoneTexte 3"/>
+          <p:cNvSpPr txBox="1"/>
+          <p:nvPr/>
+        </p:nvSpPr>
+        <p:spPr>
+          <a:xfrm>
+            <a:off x="107504" y="6447133"/>
+            <a:ext cx="418704" cy="369332"/>
+          </a:xfrm>
+          <a:prstGeom prst="rect">
+            <a:avLst/>
+          </a:prstGeom>
+          <a:noFill/>
+        </p:spPr>
+        <p:txBody>
+          <a:bodyPr wrap="none" rtlCol="0">
+            <a:spAutoFit/>
+          </a:bodyPr>
+          <a:lstStyle/>
+          <a:p>
+            <a:r>
+              <a:rPr lang="fr-FR" dirty="0" smtClean="0"/>
+              <a:t>18</a:t>
+            </a:r>
+            <a:endParaRPr lang="fr-FR" dirty="0"/>
+          </a:p>
+        </p:txBody>
+      </p:sp>
+    </p:spTree>
+    <p:extLst>
+      <p:ext uri="{BB962C8B-B14F-4D97-AF65-F5344CB8AC3E}">
+        <p14:creationId xmlns:p14="http://schemas.microsoft.com/office/powerpoint/2010/main" val="3597521064"/>
+      </p:ext>
+    </p:extLst>
+  </p:cSld>
+  <p:clrMapOvr>
+    <a:masterClrMapping/>
+  </p:clrMapOvr>
+  <mc:AlternateContent xmlns:mc="http://schemas.openxmlformats.org/markup-compatibility/2006">
+    <mc:Choice xmlns:p14="http://schemas.microsoft.com/office/powerpoint/2010/main" Requires="p14">
+      <p:transition p14:dur="0"/>
+    </mc:Choice>
+    <mc:Fallback>
+      <p:transition/>
+    </mc:Fallback>
+  </mc:AlternateContent>
   <p:timing>
     <p:tnLst>
       <p:par>
@@ -5579,6 +9315,36 @@
           </p:txBody>
         </p:sp>
       </p:grpSp>
+      <p:sp>
+        <p:nvSpPr>
+          <p:cNvPr id="43" name="ZoneTexte 42"/>
+          <p:cNvSpPr txBox="1"/>
+          <p:nvPr/>
+        </p:nvSpPr>
+        <p:spPr>
+          <a:xfrm>
+            <a:off x="107504" y="6447133"/>
+            <a:ext cx="301686" cy="369332"/>
+          </a:xfrm>
+          <a:prstGeom prst="rect">
+            <a:avLst/>
+          </a:prstGeom>
+          <a:noFill/>
+        </p:spPr>
+        <p:txBody>
+          <a:bodyPr wrap="none" rtlCol="0">
+            <a:spAutoFit/>
+          </a:bodyPr>
+          <a:lstStyle/>
+          <a:p>
+            <a:r>
+              <a:rPr lang="fr-FR" dirty="0" smtClean="0"/>
+              <a:t>1</a:t>
+            </a:r>
+            <a:endParaRPr lang="fr-FR" dirty="0"/>
+          </a:p>
+        </p:txBody>
+      </p:sp>
     </p:spTree>
     <p:extLst>
       <p:ext uri="{BB962C8B-B14F-4D97-AF65-F5344CB8AC3E}">
@@ -5589,6 +9355,1666 @@
   <p:clrMapOvr>
     <a:masterClrMapping/>
   </p:clrMapOvr>
+  <p:timing>
+    <p:tnLst>
+      <p:par>
+        <p:cTn id="1" dur="indefinite" restart="never" nodeType="tmRoot"/>
+      </p:par>
+    </p:tnLst>
+  </p:timing>
+</p:sld>
+</file>
+
+<file path=ppt/slides/slide20.xml><?xml version="1.0" encoding="utf-8"?>
+<p:sld xmlns:a="http://schemas.openxmlformats.org/drawingml/2006/main" xmlns:r="http://schemas.openxmlformats.org/officeDocument/2006/relationships" xmlns:p="http://schemas.openxmlformats.org/presentationml/2006/main">
+  <p:cSld>
+    <p:spTree>
+      <p:nvGrpSpPr>
+        <p:cNvPr id="1" name=""/>
+        <p:cNvGrpSpPr/>
+        <p:nvPr/>
+      </p:nvGrpSpPr>
+      <p:grpSpPr>
+        <a:xfrm>
+          <a:off x="0" y="0"/>
+          <a:ext cx="0" cy="0"/>
+          <a:chOff x="0" y="0"/>
+          <a:chExt cx="0" cy="0"/>
+        </a:xfrm>
+      </p:grpSpPr>
+      <p:sp>
+        <p:nvSpPr>
+          <p:cNvPr id="3" name="Titre 2"/>
+          <p:cNvSpPr>
+            <a:spLocks noGrp="1"/>
+          </p:cNvSpPr>
+          <p:nvPr>
+            <p:ph type="title"/>
+          </p:nvPr>
+        </p:nvSpPr>
+        <p:spPr/>
+        <p:txBody>
+          <a:bodyPr/>
+          <a:lstStyle/>
+          <a:p>
+            <a:r>
+              <a:rPr lang="fr-FR" dirty="0">
+                <a:solidFill>
+                  <a:schemeClr val="tx1"/>
+                </a:solidFill>
+              </a:rPr>
+              <a:t>4 – Réalisation et </a:t>
+            </a:r>
+            <a:r>
+              <a:rPr lang="fr-FR" dirty="0" smtClean="0">
+                <a:solidFill>
+                  <a:schemeClr val="tx1"/>
+                </a:solidFill>
+              </a:rPr>
+              <a:t>tests</a:t>
+            </a:r>
+            <a:endParaRPr lang="fr-FR" dirty="0">
+              <a:solidFill>
+                <a:schemeClr val="tx1"/>
+              </a:solidFill>
+            </a:endParaRPr>
+          </a:p>
+        </p:txBody>
+      </p:sp>
+      <p:sp>
+        <p:nvSpPr>
+          <p:cNvPr id="4" name="Espace réservé du texte 3"/>
+          <p:cNvSpPr>
+            <a:spLocks noGrp="1"/>
+          </p:cNvSpPr>
+          <p:nvPr>
+            <p:ph type="body" sz="quarter" idx="13"/>
+          </p:nvPr>
+        </p:nvSpPr>
+        <p:spPr>
+          <a:xfrm>
+            <a:off x="1763688" y="188640"/>
+            <a:ext cx="4608512" cy="423109"/>
+          </a:xfrm>
+        </p:spPr>
+        <p:txBody>
+          <a:bodyPr/>
+          <a:lstStyle/>
+          <a:p>
+            <a:pPr algn="l"/>
+            <a:r>
+              <a:rPr lang="fr-FR" sz="2000" dirty="0" smtClean="0"/>
+              <a:t>Schématique</a:t>
+            </a:r>
+            <a:endParaRPr lang="fr-FR" sz="2000" dirty="0"/>
+          </a:p>
+        </p:txBody>
+      </p:sp>
+      <p:pic>
+        <p:nvPicPr>
+          <p:cNvPr id="7" name="Image 6"/>
+          <p:cNvPicPr/>
+          <p:nvPr/>
+        </p:nvPicPr>
+        <p:blipFill>
+          <a:blip r:embed="rId2">
+            <a:extLst>
+              <a:ext uri="{28A0092B-C50C-407E-A947-70E740481C1C}">
+                <a14:useLocalDpi xmlns:a14="http://schemas.microsoft.com/office/drawing/2010/main" val="0"/>
+              </a:ext>
+            </a:extLst>
+          </a:blip>
+          <a:stretch>
+            <a:fillRect/>
+          </a:stretch>
+        </p:blipFill>
+        <p:spPr>
+          <a:xfrm>
+            <a:off x="1187624" y="1412776"/>
+            <a:ext cx="6826436" cy="4463806"/>
+          </a:xfrm>
+          <a:prstGeom prst="rect">
+            <a:avLst/>
+          </a:prstGeom>
+        </p:spPr>
+      </p:pic>
+      <p:sp>
+        <p:nvSpPr>
+          <p:cNvPr id="11" name="ZoneTexte 10"/>
+          <p:cNvSpPr txBox="1"/>
+          <p:nvPr/>
+        </p:nvSpPr>
+        <p:spPr>
+          <a:xfrm>
+            <a:off x="107504" y="6447133"/>
+            <a:ext cx="418704" cy="369332"/>
+          </a:xfrm>
+          <a:prstGeom prst="rect">
+            <a:avLst/>
+          </a:prstGeom>
+          <a:noFill/>
+        </p:spPr>
+        <p:txBody>
+          <a:bodyPr wrap="none" rtlCol="0">
+            <a:spAutoFit/>
+          </a:bodyPr>
+          <a:lstStyle/>
+          <a:p>
+            <a:r>
+              <a:rPr lang="fr-FR" dirty="0" smtClean="0"/>
+              <a:t>19</a:t>
+            </a:r>
+            <a:endParaRPr lang="fr-FR" dirty="0"/>
+          </a:p>
+        </p:txBody>
+      </p:sp>
+    </p:spTree>
+    <p:extLst>
+      <p:ext uri="{BB962C8B-B14F-4D97-AF65-F5344CB8AC3E}">
+        <p14:creationId xmlns:p14="http://schemas.microsoft.com/office/powerpoint/2010/main" val="2453349484"/>
+      </p:ext>
+    </p:extLst>
+  </p:cSld>
+  <p:clrMapOvr>
+    <a:masterClrMapping/>
+  </p:clrMapOvr>
+  <mc:AlternateContent xmlns:mc="http://schemas.openxmlformats.org/markup-compatibility/2006">
+    <mc:Choice xmlns:p14="http://schemas.microsoft.com/office/powerpoint/2010/main" Requires="p14">
+      <p:transition p14:dur="0"/>
+    </mc:Choice>
+    <mc:Fallback>
+      <p:transition/>
+    </mc:Fallback>
+  </mc:AlternateContent>
+  <p:timing>
+    <p:tnLst>
+      <p:par>
+        <p:cTn id="1" dur="indefinite" restart="never" nodeType="tmRoot"/>
+      </p:par>
+    </p:tnLst>
+  </p:timing>
+</p:sld>
+</file>
+
+<file path=ppt/slides/slide21.xml><?xml version="1.0" encoding="utf-8"?>
+<p:sld xmlns:a="http://schemas.openxmlformats.org/drawingml/2006/main" xmlns:r="http://schemas.openxmlformats.org/officeDocument/2006/relationships" xmlns:p="http://schemas.openxmlformats.org/presentationml/2006/main">
+  <p:cSld>
+    <p:spTree>
+      <p:nvGrpSpPr>
+        <p:cNvPr id="1" name=""/>
+        <p:cNvGrpSpPr/>
+        <p:nvPr/>
+      </p:nvGrpSpPr>
+      <p:grpSpPr>
+        <a:xfrm>
+          <a:off x="0" y="0"/>
+          <a:ext cx="0" cy="0"/>
+          <a:chOff x="0" y="0"/>
+          <a:chExt cx="0" cy="0"/>
+        </a:xfrm>
+      </p:grpSpPr>
+      <p:sp>
+        <p:nvSpPr>
+          <p:cNvPr id="3" name="Titre 2"/>
+          <p:cNvSpPr>
+            <a:spLocks noGrp="1"/>
+          </p:cNvSpPr>
+          <p:nvPr>
+            <p:ph type="title"/>
+          </p:nvPr>
+        </p:nvSpPr>
+        <p:spPr/>
+        <p:txBody>
+          <a:bodyPr/>
+          <a:lstStyle/>
+          <a:p>
+            <a:r>
+              <a:rPr lang="fr-FR" dirty="0">
+                <a:solidFill>
+                  <a:schemeClr val="tx1"/>
+                </a:solidFill>
+              </a:rPr>
+              <a:t>4 – Réalisation et </a:t>
+            </a:r>
+            <a:r>
+              <a:rPr lang="fr-FR" dirty="0" smtClean="0">
+                <a:solidFill>
+                  <a:schemeClr val="tx1"/>
+                </a:solidFill>
+              </a:rPr>
+              <a:t>tests</a:t>
+            </a:r>
+            <a:endParaRPr lang="fr-FR" dirty="0">
+              <a:solidFill>
+                <a:schemeClr val="tx1"/>
+              </a:solidFill>
+            </a:endParaRPr>
+          </a:p>
+        </p:txBody>
+      </p:sp>
+      <p:sp>
+        <p:nvSpPr>
+          <p:cNvPr id="4" name="Espace réservé du texte 3"/>
+          <p:cNvSpPr>
+            <a:spLocks noGrp="1"/>
+          </p:cNvSpPr>
+          <p:nvPr>
+            <p:ph type="body" sz="quarter" idx="13"/>
+          </p:nvPr>
+        </p:nvSpPr>
+        <p:spPr>
+          <a:xfrm>
+            <a:off x="1835696" y="204222"/>
+            <a:ext cx="4608512" cy="423109"/>
+          </a:xfrm>
+        </p:spPr>
+        <p:txBody>
+          <a:bodyPr/>
+          <a:lstStyle/>
+          <a:p>
+            <a:pPr algn="l"/>
+            <a:r>
+              <a:rPr lang="fr-FR" sz="2000" dirty="0" smtClean="0"/>
+              <a:t>Routage</a:t>
+            </a:r>
+            <a:endParaRPr lang="fr-FR" sz="2000" dirty="0"/>
+          </a:p>
+        </p:txBody>
+      </p:sp>
+      <p:pic>
+        <p:nvPicPr>
+          <p:cNvPr id="8" name="Image 7"/>
+          <p:cNvPicPr/>
+          <p:nvPr/>
+        </p:nvPicPr>
+        <p:blipFill>
+          <a:blip r:embed="rId2" cstate="print">
+            <a:extLst>
+              <a:ext uri="{28A0092B-C50C-407E-A947-70E740481C1C}">
+                <a14:useLocalDpi xmlns:a14="http://schemas.microsoft.com/office/drawing/2010/main" val="0"/>
+              </a:ext>
+            </a:extLst>
+          </a:blip>
+          <a:stretch>
+            <a:fillRect/>
+          </a:stretch>
+        </p:blipFill>
+        <p:spPr>
+          <a:xfrm>
+            <a:off x="4731022" y="2435242"/>
+            <a:ext cx="4104456" cy="2410979"/>
+          </a:xfrm>
+          <a:prstGeom prst="rect">
+            <a:avLst/>
+          </a:prstGeom>
+        </p:spPr>
+      </p:pic>
+      <p:pic>
+        <p:nvPicPr>
+          <p:cNvPr id="9" name="Image 8"/>
+          <p:cNvPicPr/>
+          <p:nvPr/>
+        </p:nvPicPr>
+        <p:blipFill>
+          <a:blip r:embed="rId3" cstate="print">
+            <a:extLst>
+              <a:ext uri="{28A0092B-C50C-407E-A947-70E740481C1C}">
+                <a14:useLocalDpi xmlns:a14="http://schemas.microsoft.com/office/drawing/2010/main" val="0"/>
+              </a:ext>
+            </a:extLst>
+          </a:blip>
+          <a:stretch>
+            <a:fillRect/>
+          </a:stretch>
+        </p:blipFill>
+        <p:spPr>
+          <a:xfrm>
+            <a:off x="288914" y="2435242"/>
+            <a:ext cx="4090444" cy="2410979"/>
+          </a:xfrm>
+          <a:prstGeom prst="rect">
+            <a:avLst/>
+          </a:prstGeom>
+        </p:spPr>
+      </p:pic>
+      <p:sp>
+        <p:nvSpPr>
+          <p:cNvPr id="2" name="ZoneTexte 1"/>
+          <p:cNvSpPr txBox="1"/>
+          <p:nvPr/>
+        </p:nvSpPr>
+        <p:spPr>
+          <a:xfrm>
+            <a:off x="4716016" y="1902342"/>
+            <a:ext cx="4104456" cy="461665"/>
+          </a:xfrm>
+          <a:prstGeom prst="rect">
+            <a:avLst/>
+          </a:prstGeom>
+          <a:noFill/>
+        </p:spPr>
+        <p:txBody>
+          <a:bodyPr wrap="square" rtlCol="0">
+            <a:spAutoFit/>
+          </a:bodyPr>
+          <a:lstStyle/>
+          <a:p>
+            <a:pPr algn="ctr"/>
+            <a:r>
+              <a:rPr lang="fr-FR" sz="2400" b="1" dirty="0" smtClean="0"/>
+              <a:t>TOP</a:t>
+            </a:r>
+            <a:endParaRPr lang="fr-FR" sz="2400" b="1" dirty="0"/>
+          </a:p>
+        </p:txBody>
+      </p:sp>
+      <p:sp>
+        <p:nvSpPr>
+          <p:cNvPr id="10" name="ZoneTexte 9"/>
+          <p:cNvSpPr txBox="1"/>
+          <p:nvPr/>
+        </p:nvSpPr>
+        <p:spPr>
+          <a:xfrm>
+            <a:off x="244054" y="1877540"/>
+            <a:ext cx="4104456" cy="461665"/>
+          </a:xfrm>
+          <a:prstGeom prst="rect">
+            <a:avLst/>
+          </a:prstGeom>
+          <a:noFill/>
+        </p:spPr>
+        <p:txBody>
+          <a:bodyPr wrap="square" rtlCol="0">
+            <a:spAutoFit/>
+          </a:bodyPr>
+          <a:lstStyle/>
+          <a:p>
+            <a:pPr algn="ctr"/>
+            <a:r>
+              <a:rPr lang="fr-FR" sz="2400" b="1" dirty="0" smtClean="0"/>
+              <a:t>BOTTOM</a:t>
+            </a:r>
+            <a:endParaRPr lang="fr-FR" sz="2400" b="1" dirty="0"/>
+          </a:p>
+        </p:txBody>
+      </p:sp>
+      <p:sp>
+        <p:nvSpPr>
+          <p:cNvPr id="11" name="ZoneTexte 10"/>
+          <p:cNvSpPr txBox="1"/>
+          <p:nvPr/>
+        </p:nvSpPr>
+        <p:spPr>
+          <a:xfrm>
+            <a:off x="107504" y="6447133"/>
+            <a:ext cx="418704" cy="369332"/>
+          </a:xfrm>
+          <a:prstGeom prst="rect">
+            <a:avLst/>
+          </a:prstGeom>
+          <a:noFill/>
+        </p:spPr>
+        <p:txBody>
+          <a:bodyPr wrap="none" rtlCol="0">
+            <a:spAutoFit/>
+          </a:bodyPr>
+          <a:lstStyle/>
+          <a:p>
+            <a:r>
+              <a:rPr lang="fr-FR" dirty="0" smtClean="0"/>
+              <a:t>20</a:t>
+            </a:r>
+            <a:endParaRPr lang="fr-FR" dirty="0"/>
+          </a:p>
+        </p:txBody>
+      </p:sp>
+    </p:spTree>
+    <p:extLst>
+      <p:ext uri="{BB962C8B-B14F-4D97-AF65-F5344CB8AC3E}">
+        <p14:creationId xmlns:p14="http://schemas.microsoft.com/office/powerpoint/2010/main" val="2145111231"/>
+      </p:ext>
+    </p:extLst>
+  </p:cSld>
+  <p:clrMapOvr>
+    <a:masterClrMapping/>
+  </p:clrMapOvr>
+  <mc:AlternateContent xmlns:mc="http://schemas.openxmlformats.org/markup-compatibility/2006">
+    <mc:Choice xmlns:p14="http://schemas.microsoft.com/office/powerpoint/2010/main" Requires="p14">
+      <p:transition p14:dur="0"/>
+    </mc:Choice>
+    <mc:Fallback>
+      <p:transition/>
+    </mc:Fallback>
+  </mc:AlternateContent>
+  <p:timing>
+    <p:tnLst>
+      <p:par>
+        <p:cTn id="1" dur="indefinite" restart="never" nodeType="tmRoot"/>
+      </p:par>
+    </p:tnLst>
+  </p:timing>
+</p:sld>
+</file>
+
+<file path=ppt/slides/slide22.xml><?xml version="1.0" encoding="utf-8"?>
+<p:sld xmlns:a="http://schemas.openxmlformats.org/drawingml/2006/main" xmlns:r="http://schemas.openxmlformats.org/officeDocument/2006/relationships" xmlns:p="http://schemas.openxmlformats.org/presentationml/2006/main">
+  <p:cSld>
+    <p:spTree>
+      <p:nvGrpSpPr>
+        <p:cNvPr id="1" name=""/>
+        <p:cNvGrpSpPr/>
+        <p:nvPr/>
+      </p:nvGrpSpPr>
+      <p:grpSpPr>
+        <a:xfrm>
+          <a:off x="0" y="0"/>
+          <a:ext cx="0" cy="0"/>
+          <a:chOff x="0" y="0"/>
+          <a:chExt cx="0" cy="0"/>
+        </a:xfrm>
+      </p:grpSpPr>
+      <p:sp>
+        <p:nvSpPr>
+          <p:cNvPr id="3" name="Titre 2"/>
+          <p:cNvSpPr>
+            <a:spLocks noGrp="1"/>
+          </p:cNvSpPr>
+          <p:nvPr>
+            <p:ph type="title"/>
+          </p:nvPr>
+        </p:nvSpPr>
+        <p:spPr/>
+        <p:txBody>
+          <a:bodyPr/>
+          <a:lstStyle/>
+          <a:p>
+            <a:r>
+              <a:rPr lang="fr-FR" dirty="0">
+                <a:solidFill>
+                  <a:schemeClr val="tx1"/>
+                </a:solidFill>
+              </a:rPr>
+              <a:t>4 – Réalisation et </a:t>
+            </a:r>
+            <a:r>
+              <a:rPr lang="fr-FR" dirty="0" smtClean="0">
+                <a:solidFill>
+                  <a:schemeClr val="tx1"/>
+                </a:solidFill>
+              </a:rPr>
+              <a:t>tests</a:t>
+            </a:r>
+            <a:endParaRPr lang="fr-FR" dirty="0">
+              <a:solidFill>
+                <a:schemeClr val="tx1"/>
+              </a:solidFill>
+            </a:endParaRPr>
+          </a:p>
+        </p:txBody>
+      </p:sp>
+      <p:sp>
+        <p:nvSpPr>
+          <p:cNvPr id="4" name="Espace réservé du texte 3"/>
+          <p:cNvSpPr>
+            <a:spLocks noGrp="1"/>
+          </p:cNvSpPr>
+          <p:nvPr>
+            <p:ph type="body" sz="quarter" idx="13"/>
+          </p:nvPr>
+        </p:nvSpPr>
+        <p:spPr>
+          <a:xfrm>
+            <a:off x="1835696" y="179420"/>
+            <a:ext cx="4608512" cy="423109"/>
+          </a:xfrm>
+        </p:spPr>
+        <p:txBody>
+          <a:bodyPr/>
+          <a:lstStyle/>
+          <a:p>
+            <a:pPr algn="l"/>
+            <a:r>
+              <a:rPr lang="fr-FR" sz="2000" dirty="0" smtClean="0"/>
+              <a:t>PCB assemblé</a:t>
+            </a:r>
+            <a:endParaRPr lang="fr-FR" sz="2000" dirty="0"/>
+          </a:p>
+        </p:txBody>
+      </p:sp>
+      <p:pic>
+        <p:nvPicPr>
+          <p:cNvPr id="5" name="Image 4" descr="cid:8a01eee4-902e-4da8-92ea-75d016af1ae1@iris.infra.thales"/>
+          <p:cNvPicPr/>
+          <p:nvPr/>
+        </p:nvPicPr>
+        <p:blipFill rotWithShape="1">
+          <a:blip r:embed="rId2" r:link="rId3" cstate="print">
+            <a:extLst>
+              <a:ext uri="{28A0092B-C50C-407E-A947-70E740481C1C}">
+                <a14:useLocalDpi xmlns:a14="http://schemas.microsoft.com/office/drawing/2010/main" val="0"/>
+              </a:ext>
+            </a:extLst>
+          </a:blip>
+          <a:srcRect l="10185" t="27281" r="13733" b="9952"/>
+          <a:stretch/>
+        </p:blipFill>
+        <p:spPr bwMode="auto">
+          <a:xfrm>
+            <a:off x="4716016" y="2398001"/>
+            <a:ext cx="4104456" cy="2423418"/>
+          </a:xfrm>
+          <a:prstGeom prst="rect">
+            <a:avLst/>
+          </a:prstGeom>
+          <a:noFill/>
+          <a:ln>
+            <a:noFill/>
+          </a:ln>
+          <a:extLst>
+            <a:ext uri="{53640926-AAD7-44D8-BBD7-CCE9431645EC}">
+              <a14:shadowObscured xmlns:a14="http://schemas.microsoft.com/office/drawing/2010/main"/>
+            </a:ext>
+          </a:extLst>
+        </p:spPr>
+      </p:pic>
+      <p:pic>
+        <p:nvPicPr>
+          <p:cNvPr id="6" name="Image 5" descr="cid:6d2adbdd-4301-499b-a0af-5fe10b625414@iris.infra.thales"/>
+          <p:cNvPicPr/>
+          <p:nvPr/>
+        </p:nvPicPr>
+        <p:blipFill rotWithShape="1">
+          <a:blip r:embed="rId4" r:link="rId5" cstate="print">
+            <a:extLst>
+              <a:ext uri="{28A0092B-C50C-407E-A947-70E740481C1C}">
+                <a14:useLocalDpi xmlns:a14="http://schemas.microsoft.com/office/drawing/2010/main" val="0"/>
+              </a:ext>
+            </a:extLst>
+          </a:blip>
+          <a:srcRect t="6230" b="7234"/>
+          <a:stretch/>
+        </p:blipFill>
+        <p:spPr bwMode="auto">
+          <a:xfrm>
+            <a:off x="251520" y="2398001"/>
+            <a:ext cx="4104456" cy="2423418"/>
+          </a:xfrm>
+          <a:prstGeom prst="rect">
+            <a:avLst/>
+          </a:prstGeom>
+          <a:noFill/>
+          <a:ln>
+            <a:noFill/>
+          </a:ln>
+          <a:extLst>
+            <a:ext uri="{53640926-AAD7-44D8-BBD7-CCE9431645EC}">
+              <a14:shadowObscured xmlns:a14="http://schemas.microsoft.com/office/drawing/2010/main"/>
+            </a:ext>
+          </a:extLst>
+        </p:spPr>
+      </p:pic>
+      <p:sp>
+        <p:nvSpPr>
+          <p:cNvPr id="2" name="ZoneTexte 1"/>
+          <p:cNvSpPr txBox="1"/>
+          <p:nvPr/>
+        </p:nvSpPr>
+        <p:spPr>
+          <a:xfrm>
+            <a:off x="4716016" y="1902342"/>
+            <a:ext cx="4104456" cy="461665"/>
+          </a:xfrm>
+          <a:prstGeom prst="rect">
+            <a:avLst/>
+          </a:prstGeom>
+          <a:noFill/>
+        </p:spPr>
+        <p:txBody>
+          <a:bodyPr wrap="square" rtlCol="0">
+            <a:spAutoFit/>
+          </a:bodyPr>
+          <a:lstStyle/>
+          <a:p>
+            <a:pPr algn="ctr"/>
+            <a:r>
+              <a:rPr lang="fr-FR" sz="2400" b="1" dirty="0" smtClean="0"/>
+              <a:t>TOP</a:t>
+            </a:r>
+            <a:endParaRPr lang="fr-FR" sz="2400" b="1" dirty="0"/>
+          </a:p>
+        </p:txBody>
+      </p:sp>
+      <p:sp>
+        <p:nvSpPr>
+          <p:cNvPr id="10" name="ZoneTexte 9"/>
+          <p:cNvSpPr txBox="1"/>
+          <p:nvPr/>
+        </p:nvSpPr>
+        <p:spPr>
+          <a:xfrm>
+            <a:off x="244054" y="1877540"/>
+            <a:ext cx="4104456" cy="461665"/>
+          </a:xfrm>
+          <a:prstGeom prst="rect">
+            <a:avLst/>
+          </a:prstGeom>
+          <a:noFill/>
+        </p:spPr>
+        <p:txBody>
+          <a:bodyPr wrap="square" rtlCol="0">
+            <a:spAutoFit/>
+          </a:bodyPr>
+          <a:lstStyle/>
+          <a:p>
+            <a:pPr algn="ctr"/>
+            <a:r>
+              <a:rPr lang="fr-FR" sz="2400" b="1" dirty="0" smtClean="0"/>
+              <a:t>BOTTOM</a:t>
+            </a:r>
+            <a:endParaRPr lang="fr-FR" sz="2400" b="1" dirty="0"/>
+          </a:p>
+        </p:txBody>
+      </p:sp>
+      <p:sp>
+        <p:nvSpPr>
+          <p:cNvPr id="11" name="ZoneTexte 10"/>
+          <p:cNvSpPr txBox="1"/>
+          <p:nvPr/>
+        </p:nvSpPr>
+        <p:spPr>
+          <a:xfrm>
+            <a:off x="107504" y="6447133"/>
+            <a:ext cx="418704" cy="369332"/>
+          </a:xfrm>
+          <a:prstGeom prst="rect">
+            <a:avLst/>
+          </a:prstGeom>
+          <a:noFill/>
+        </p:spPr>
+        <p:txBody>
+          <a:bodyPr wrap="none" rtlCol="0">
+            <a:spAutoFit/>
+          </a:bodyPr>
+          <a:lstStyle/>
+          <a:p>
+            <a:r>
+              <a:rPr lang="fr-FR" dirty="0" smtClean="0"/>
+              <a:t>21</a:t>
+            </a:r>
+            <a:endParaRPr lang="fr-FR" dirty="0"/>
+          </a:p>
+        </p:txBody>
+      </p:sp>
+    </p:spTree>
+    <p:extLst>
+      <p:ext uri="{BB962C8B-B14F-4D97-AF65-F5344CB8AC3E}">
+        <p14:creationId xmlns:p14="http://schemas.microsoft.com/office/powerpoint/2010/main" val="3481022379"/>
+      </p:ext>
+    </p:extLst>
+  </p:cSld>
+  <p:clrMapOvr>
+    <a:masterClrMapping/>
+  </p:clrMapOvr>
+  <mc:AlternateContent xmlns:mc="http://schemas.openxmlformats.org/markup-compatibility/2006">
+    <mc:Choice xmlns:p14="http://schemas.microsoft.com/office/powerpoint/2010/main" Requires="p14">
+      <p:transition p14:dur="0"/>
+    </mc:Choice>
+    <mc:Fallback>
+      <p:transition/>
+    </mc:Fallback>
+  </mc:AlternateContent>
+  <p:timing>
+    <p:tnLst>
+      <p:par>
+        <p:cTn id="1" dur="indefinite" restart="never" nodeType="tmRoot"/>
+      </p:par>
+    </p:tnLst>
+  </p:timing>
+</p:sld>
+</file>
+
+<file path=ppt/slides/slide23.xml><?xml version="1.0" encoding="utf-8"?>
+<p:sld xmlns:a="http://schemas.openxmlformats.org/drawingml/2006/main" xmlns:r="http://schemas.openxmlformats.org/officeDocument/2006/relationships" xmlns:p="http://schemas.openxmlformats.org/presentationml/2006/main">
+  <p:cSld>
+    <p:spTree>
+      <p:nvGrpSpPr>
+        <p:cNvPr id="1" name=""/>
+        <p:cNvGrpSpPr/>
+        <p:nvPr/>
+      </p:nvGrpSpPr>
+      <p:grpSpPr>
+        <a:xfrm>
+          <a:off x="0" y="0"/>
+          <a:ext cx="0" cy="0"/>
+          <a:chOff x="0" y="0"/>
+          <a:chExt cx="0" cy="0"/>
+        </a:xfrm>
+      </p:grpSpPr>
+      <p:sp>
+        <p:nvSpPr>
+          <p:cNvPr id="3" name="Titre 2"/>
+          <p:cNvSpPr>
+            <a:spLocks noGrp="1"/>
+          </p:cNvSpPr>
+          <p:nvPr>
+            <p:ph type="title"/>
+          </p:nvPr>
+        </p:nvSpPr>
+        <p:spPr/>
+        <p:txBody>
+          <a:bodyPr/>
+          <a:lstStyle/>
+          <a:p>
+            <a:r>
+              <a:rPr lang="fr-FR" dirty="0">
+                <a:solidFill>
+                  <a:schemeClr val="tx1"/>
+                </a:solidFill>
+              </a:rPr>
+              <a:t>4 – Réalisation et </a:t>
+            </a:r>
+            <a:r>
+              <a:rPr lang="fr-FR" dirty="0" smtClean="0">
+                <a:solidFill>
+                  <a:schemeClr val="tx1"/>
+                </a:solidFill>
+              </a:rPr>
+              <a:t>tests</a:t>
+            </a:r>
+            <a:endParaRPr lang="fr-FR" dirty="0">
+              <a:solidFill>
+                <a:schemeClr val="tx1"/>
+              </a:solidFill>
+            </a:endParaRPr>
+          </a:p>
+        </p:txBody>
+      </p:sp>
+      <p:sp>
+        <p:nvSpPr>
+          <p:cNvPr id="4" name="Espace réservé du texte 3"/>
+          <p:cNvSpPr>
+            <a:spLocks noGrp="1"/>
+          </p:cNvSpPr>
+          <p:nvPr>
+            <p:ph type="body" sz="quarter" idx="13"/>
+          </p:nvPr>
+        </p:nvSpPr>
+        <p:spPr>
+          <a:xfrm>
+            <a:off x="1763688" y="188640"/>
+            <a:ext cx="4608512" cy="423109"/>
+          </a:xfrm>
+        </p:spPr>
+        <p:txBody>
+          <a:bodyPr/>
+          <a:lstStyle/>
+          <a:p>
+            <a:pPr algn="l"/>
+            <a:r>
+              <a:rPr lang="fr-FR" sz="2000" dirty="0" smtClean="0"/>
+              <a:t>Résultat avec le PCB</a:t>
+            </a:r>
+            <a:endParaRPr lang="fr-FR" sz="2000" dirty="0"/>
+          </a:p>
+        </p:txBody>
+      </p:sp>
+      <p:pic>
+        <p:nvPicPr>
+          <p:cNvPr id="11" name="Image 10" descr="C:\Users\t0264096\Documents\Stage Marvyn Pannetier\photo oscilloscope\photo oscilloscope\200kHz\tek00001.png"/>
+          <p:cNvPicPr/>
+          <p:nvPr/>
+        </p:nvPicPr>
+        <p:blipFill>
+          <a:blip r:embed="rId2">
+            <a:extLst>
+              <a:ext uri="{28A0092B-C50C-407E-A947-70E740481C1C}">
+                <a14:useLocalDpi xmlns:a14="http://schemas.microsoft.com/office/drawing/2010/main" val="0"/>
+              </a:ext>
+            </a:extLst>
+          </a:blip>
+          <a:srcRect/>
+          <a:stretch>
+            <a:fillRect/>
+          </a:stretch>
+        </p:blipFill>
+        <p:spPr bwMode="auto">
+          <a:xfrm>
+            <a:off x="971600" y="1340768"/>
+            <a:ext cx="7314049" cy="4477663"/>
+          </a:xfrm>
+          <a:prstGeom prst="rect">
+            <a:avLst/>
+          </a:prstGeom>
+          <a:noFill/>
+          <a:ln>
+            <a:noFill/>
+          </a:ln>
+        </p:spPr>
+      </p:pic>
+      <p:sp>
+        <p:nvSpPr>
+          <p:cNvPr id="5" name="ZoneTexte 4"/>
+          <p:cNvSpPr txBox="1"/>
+          <p:nvPr/>
+        </p:nvSpPr>
+        <p:spPr>
+          <a:xfrm>
+            <a:off x="107504" y="6447133"/>
+            <a:ext cx="418704" cy="369332"/>
+          </a:xfrm>
+          <a:prstGeom prst="rect">
+            <a:avLst/>
+          </a:prstGeom>
+          <a:noFill/>
+        </p:spPr>
+        <p:txBody>
+          <a:bodyPr wrap="none" rtlCol="0">
+            <a:spAutoFit/>
+          </a:bodyPr>
+          <a:lstStyle/>
+          <a:p>
+            <a:r>
+              <a:rPr lang="fr-FR" dirty="0" smtClean="0"/>
+              <a:t>22</a:t>
+            </a:r>
+            <a:endParaRPr lang="fr-FR" dirty="0"/>
+          </a:p>
+        </p:txBody>
+      </p:sp>
+    </p:spTree>
+    <p:extLst>
+      <p:ext uri="{BB962C8B-B14F-4D97-AF65-F5344CB8AC3E}">
+        <p14:creationId xmlns:p14="http://schemas.microsoft.com/office/powerpoint/2010/main" val="3468043897"/>
+      </p:ext>
+    </p:extLst>
+  </p:cSld>
+  <p:clrMapOvr>
+    <a:masterClrMapping/>
+  </p:clrMapOvr>
+  <mc:AlternateContent xmlns:mc="http://schemas.openxmlformats.org/markup-compatibility/2006">
+    <mc:Choice xmlns:p14="http://schemas.microsoft.com/office/powerpoint/2010/main" Requires="p14">
+      <p:transition p14:dur="0"/>
+    </mc:Choice>
+    <mc:Fallback>
+      <p:transition/>
+    </mc:Fallback>
+  </mc:AlternateContent>
+  <p:timing>
+    <p:tnLst>
+      <p:par>
+        <p:cTn id="1" dur="indefinite" restart="never" nodeType="tmRoot"/>
+      </p:par>
+    </p:tnLst>
+  </p:timing>
+</p:sld>
+</file>
+
+<file path=ppt/slides/slide24.xml><?xml version="1.0" encoding="utf-8"?>
+<p:sld xmlns:a="http://schemas.openxmlformats.org/drawingml/2006/main" xmlns:r="http://schemas.openxmlformats.org/officeDocument/2006/relationships" xmlns:p="http://schemas.openxmlformats.org/presentationml/2006/main">
+  <p:cSld>
+    <p:spTree>
+      <p:nvGrpSpPr>
+        <p:cNvPr id="1" name=""/>
+        <p:cNvGrpSpPr/>
+        <p:nvPr/>
+      </p:nvGrpSpPr>
+      <p:grpSpPr>
+        <a:xfrm>
+          <a:off x="0" y="0"/>
+          <a:ext cx="0" cy="0"/>
+          <a:chOff x="0" y="0"/>
+          <a:chExt cx="0" cy="0"/>
+        </a:xfrm>
+      </p:grpSpPr>
+      <p:sp>
+        <p:nvSpPr>
+          <p:cNvPr id="3" name="Titre 2"/>
+          <p:cNvSpPr>
+            <a:spLocks noGrp="1"/>
+          </p:cNvSpPr>
+          <p:nvPr>
+            <p:ph type="title"/>
+          </p:nvPr>
+        </p:nvSpPr>
+        <p:spPr/>
+        <p:txBody>
+          <a:bodyPr/>
+          <a:lstStyle/>
+          <a:p>
+            <a:r>
+              <a:rPr lang="fr-FR" dirty="0">
+                <a:solidFill>
+                  <a:schemeClr val="tx1"/>
+                </a:solidFill>
+              </a:rPr>
+              <a:t>4 – Réalisation et </a:t>
+            </a:r>
+            <a:r>
+              <a:rPr lang="fr-FR" dirty="0" smtClean="0">
+                <a:solidFill>
+                  <a:schemeClr val="tx1"/>
+                </a:solidFill>
+              </a:rPr>
+              <a:t>tests</a:t>
+            </a:r>
+            <a:endParaRPr lang="fr-FR" dirty="0">
+              <a:solidFill>
+                <a:schemeClr val="tx1"/>
+              </a:solidFill>
+            </a:endParaRPr>
+          </a:p>
+        </p:txBody>
+      </p:sp>
+      <p:sp>
+        <p:nvSpPr>
+          <p:cNvPr id="4" name="Espace réservé du texte 3"/>
+          <p:cNvSpPr>
+            <a:spLocks noGrp="1"/>
+          </p:cNvSpPr>
+          <p:nvPr>
+            <p:ph type="body" sz="quarter" idx="13"/>
+          </p:nvPr>
+        </p:nvSpPr>
+        <p:spPr>
+          <a:xfrm>
+            <a:off x="1835696" y="188640"/>
+            <a:ext cx="4608512" cy="423109"/>
+          </a:xfrm>
+        </p:spPr>
+        <p:txBody>
+          <a:bodyPr/>
+          <a:lstStyle/>
+          <a:p>
+            <a:pPr algn="l"/>
+            <a:r>
+              <a:rPr lang="fr-FR" sz="2000" dirty="0" smtClean="0"/>
+              <a:t>Résultats des tests</a:t>
+            </a:r>
+            <a:endParaRPr lang="fr-FR" sz="2000" dirty="0"/>
+          </a:p>
+        </p:txBody>
+      </p:sp>
+      <p:graphicFrame>
+        <p:nvGraphicFramePr>
+          <p:cNvPr id="6" name="Tableau 5"/>
+          <p:cNvGraphicFramePr>
+            <a:graphicFrameLocks noGrp="1"/>
+          </p:cNvGraphicFramePr>
+          <p:nvPr>
+            <p:extLst>
+              <p:ext uri="{D42A27DB-BD31-4B8C-83A1-F6EECF244321}">
+                <p14:modId xmlns:p14="http://schemas.microsoft.com/office/powerpoint/2010/main" val="2569002155"/>
+              </p:ext>
+            </p:extLst>
+          </p:nvPr>
+        </p:nvGraphicFramePr>
+        <p:xfrm>
+          <a:off x="467544" y="2060848"/>
+          <a:ext cx="8280920" cy="2485481"/>
+        </p:xfrm>
+        <a:graphic>
+          <a:graphicData uri="http://schemas.openxmlformats.org/drawingml/2006/table">
+            <a:tbl>
+              <a:tblPr firstRow="1" firstCol="1" bandRow="1">
+                <a:tableStyleId>{073A0DAA-6AF3-43AB-8588-CEC1D06C72B9}</a:tableStyleId>
+              </a:tblPr>
+              <a:tblGrid>
+                <a:gridCol w="1224136">
+                  <a:extLst>
+                    <a:ext uri="{9D8B030D-6E8A-4147-A177-3AD203B41FA5}">
+                      <a16:colId xmlns:a16="http://schemas.microsoft.com/office/drawing/2014/main" val="777404770"/>
+                    </a:ext>
+                  </a:extLst>
+                </a:gridCol>
+                <a:gridCol w="2232248">
+                  <a:extLst>
+                    <a:ext uri="{9D8B030D-6E8A-4147-A177-3AD203B41FA5}">
+                      <a16:colId xmlns:a16="http://schemas.microsoft.com/office/drawing/2014/main" val="1513188839"/>
+                    </a:ext>
+                  </a:extLst>
+                </a:gridCol>
+                <a:gridCol w="4824536">
+                  <a:extLst>
+                    <a:ext uri="{9D8B030D-6E8A-4147-A177-3AD203B41FA5}">
+                      <a16:colId xmlns:a16="http://schemas.microsoft.com/office/drawing/2014/main" val="3820506309"/>
+                    </a:ext>
+                  </a:extLst>
+                </a:gridCol>
+              </a:tblGrid>
+              <a:tr h="398743">
+                <a:tc>
+                  <a:txBody>
+                    <a:bodyPr/>
+                    <a:lstStyle/>
+                    <a:p>
+                      <a:pPr algn="l">
+                        <a:lnSpc>
+                          <a:spcPts val="1800"/>
+                        </a:lnSpc>
+                        <a:spcAft>
+                          <a:spcPts val="300"/>
+                        </a:spcAft>
+                      </a:pPr>
+                      <a:endParaRPr lang="fr-FR" dirty="0"/>
+                    </a:p>
+                  </a:txBody>
+                  <a:tcPr marL="0" marR="0" marT="0" marB="0" anchor="ctr">
+                    <a:noFill/>
+                  </a:tcPr>
+                </a:tc>
+                <a:tc>
+                  <a:txBody>
+                    <a:bodyPr/>
+                    <a:lstStyle/>
+                    <a:p>
+                      <a:pPr algn="ctr">
+                        <a:lnSpc>
+                          <a:spcPts val="1800"/>
+                        </a:lnSpc>
+                        <a:spcAft>
+                          <a:spcPts val="300"/>
+                        </a:spcAft>
+                      </a:pPr>
+                      <a:r>
+                        <a:rPr lang="fr-FR" dirty="0" smtClean="0"/>
+                        <a:t>ACS ELAC</a:t>
+                      </a:r>
+                      <a:endParaRPr lang="fr-FR" dirty="0"/>
+                    </a:p>
+                  </a:txBody>
+                  <a:tcPr marL="0" marR="0" marT="0" marB="0" anchor="ctr"/>
+                </a:tc>
+                <a:tc>
+                  <a:txBody>
+                    <a:bodyPr/>
+                    <a:lstStyle/>
+                    <a:p>
+                      <a:pPr algn="ctr">
+                        <a:lnSpc>
+                          <a:spcPts val="1800"/>
+                        </a:lnSpc>
+                        <a:spcAft>
+                          <a:spcPts val="300"/>
+                        </a:spcAft>
+                      </a:pPr>
+                      <a:r>
+                        <a:rPr lang="fr-FR" dirty="0" smtClean="0"/>
+                        <a:t>ACS classe D</a:t>
+                      </a:r>
+                      <a:endParaRPr lang="fr-FR" dirty="0"/>
+                    </a:p>
+                  </a:txBody>
+                  <a:tcPr marL="0" marR="0" marT="0" marB="0" anchor="ctr"/>
+                </a:tc>
+                <a:extLst>
+                  <a:ext uri="{0D108BD9-81ED-4DB2-BD59-A6C34878D82A}">
+                    <a16:rowId xmlns:a16="http://schemas.microsoft.com/office/drawing/2014/main" val="1279101838"/>
+                  </a:ext>
+                </a:extLst>
+              </a:tr>
+              <a:tr h="462946">
+                <a:tc>
+                  <a:txBody>
+                    <a:bodyPr/>
+                    <a:lstStyle/>
+                    <a:p>
+                      <a:pPr algn="ctr"/>
+                      <a:r>
+                        <a:rPr lang="fr-FR" dirty="0" smtClean="0"/>
+                        <a:t>Coût</a:t>
+                      </a:r>
+                      <a:endParaRPr lang="fr-FR" dirty="0"/>
+                    </a:p>
+                  </a:txBody>
+                  <a:tcPr marL="0" marR="0" marT="0" marB="0" anchor="ctr"/>
+                </a:tc>
+                <a:tc>
+                  <a:txBody>
+                    <a:bodyPr/>
+                    <a:lstStyle/>
+                    <a:p>
+                      <a:pPr algn="ctr"/>
+                      <a:r>
+                        <a:rPr lang="fr-FR" dirty="0" smtClean="0"/>
+                        <a:t>X</a:t>
+                      </a:r>
+                      <a:endParaRPr lang="fr-FR" dirty="0"/>
+                    </a:p>
+                  </a:txBody>
+                  <a:tcPr marL="0" marR="0" marT="0" marB="0" anchor="ctr"/>
+                </a:tc>
+                <a:tc>
+                  <a:txBody>
+                    <a:bodyPr/>
+                    <a:lstStyle/>
+                    <a:p>
+                      <a:pPr algn="ctr">
+                        <a:lnSpc>
+                          <a:spcPts val="1800"/>
+                        </a:lnSpc>
+                        <a:spcAft>
+                          <a:spcPts val="300"/>
+                        </a:spcAft>
+                      </a:pPr>
+                      <a:r>
+                        <a:rPr lang="fr-FR" dirty="0" smtClean="0"/>
+                        <a:t>&lt; 5€ pour 250 circuits</a:t>
+                      </a:r>
+                      <a:endParaRPr lang="fr-FR" dirty="0"/>
+                    </a:p>
+                  </a:txBody>
+                  <a:tcPr marL="0" marR="0" marT="0" marB="0" anchor="ctr"/>
+                </a:tc>
+                <a:extLst>
+                  <a:ext uri="{0D108BD9-81ED-4DB2-BD59-A6C34878D82A}">
+                    <a16:rowId xmlns:a16="http://schemas.microsoft.com/office/drawing/2014/main" val="3990151457"/>
+                  </a:ext>
+                </a:extLst>
+              </a:tr>
+              <a:tr h="794496">
+                <a:tc>
+                  <a:txBody>
+                    <a:bodyPr/>
+                    <a:lstStyle/>
+                    <a:p>
+                      <a:pPr algn="ctr"/>
+                      <a:r>
+                        <a:rPr lang="fr-FR" dirty="0" smtClean="0"/>
+                        <a:t>Surface </a:t>
+                      </a:r>
+                      <a:endParaRPr lang="fr-FR" dirty="0"/>
+                    </a:p>
+                  </a:txBody>
+                  <a:tcPr marL="0" marR="0" marT="0" marB="0" anchor="ctr"/>
+                </a:tc>
+                <a:tc>
+                  <a:txBody>
+                    <a:bodyPr/>
+                    <a:lstStyle/>
+                    <a:p>
+                      <a:pPr algn="ctr"/>
+                      <a:r>
+                        <a:rPr lang="fr-FR" dirty="0" smtClean="0"/>
+                        <a:t>740mm2</a:t>
+                      </a:r>
+                      <a:endParaRPr lang="fr-FR" dirty="0"/>
+                    </a:p>
+                  </a:txBody>
+                  <a:tcPr marL="0" marR="0" marT="0" marB="0" anchor="ctr"/>
+                </a:tc>
+                <a:tc>
+                  <a:txBody>
+                    <a:bodyPr/>
+                    <a:lstStyle/>
+                    <a:p>
+                      <a:pPr algn="ctr">
+                        <a:lnSpc>
+                          <a:spcPts val="1800"/>
+                        </a:lnSpc>
+                        <a:spcAft>
+                          <a:spcPts val="300"/>
+                        </a:spcAft>
+                      </a:pPr>
+                      <a:r>
+                        <a:rPr lang="fr-FR" dirty="0" smtClean="0"/>
+                        <a:t>           sans routage: environ 150mm2</a:t>
+                      </a:r>
+                      <a:br>
+                        <a:rPr lang="fr-FR" dirty="0" smtClean="0"/>
+                      </a:br>
+                      <a:r>
+                        <a:rPr lang="fr-FR" dirty="0" smtClean="0"/>
+                        <a:t/>
+                      </a:r>
+                      <a:br>
+                        <a:rPr lang="fr-FR" dirty="0" smtClean="0"/>
+                      </a:br>
+                      <a:r>
+                        <a:rPr lang="fr-FR" dirty="0" smtClean="0"/>
+                        <a:t>           avec routage: entre 300mm2 et 400mm2 </a:t>
+                      </a:r>
+                      <a:endParaRPr lang="fr-FR" dirty="0"/>
+                    </a:p>
+                  </a:txBody>
+                  <a:tcPr marL="0" marR="0" marT="0" marB="0" anchor="ctr"/>
+                </a:tc>
+                <a:extLst>
+                  <a:ext uri="{0D108BD9-81ED-4DB2-BD59-A6C34878D82A}">
+                    <a16:rowId xmlns:a16="http://schemas.microsoft.com/office/drawing/2014/main" val="3566701610"/>
+                  </a:ext>
+                </a:extLst>
+              </a:tr>
+              <a:tr h="829296">
+                <a:tc>
+                  <a:txBody>
+                    <a:bodyPr/>
+                    <a:lstStyle/>
+                    <a:p>
+                      <a:pPr algn="ctr"/>
+                      <a:r>
+                        <a:rPr lang="fr-FR" dirty="0" smtClean="0"/>
+                        <a:t>Rendement</a:t>
+                      </a:r>
+                      <a:endParaRPr lang="fr-FR" dirty="0"/>
+                    </a:p>
+                  </a:txBody>
+                  <a:tcPr marL="0" marR="0" marT="0" marB="0" anchor="ctr"/>
+                </a:tc>
+                <a:tc>
+                  <a:txBody>
+                    <a:bodyPr/>
+                    <a:lstStyle/>
+                    <a:p>
+                      <a:pPr algn="ctr"/>
+                      <a:r>
+                        <a:rPr lang="fr-FR" dirty="0" smtClean="0"/>
+                        <a:t>Entre 5 et 10%</a:t>
+                      </a:r>
+                      <a:endParaRPr lang="fr-FR" dirty="0"/>
+                    </a:p>
+                  </a:txBody>
+                  <a:tcPr marL="0" marR="0" marT="0" marB="0" anchor="ctr"/>
+                </a:tc>
+                <a:tc>
+                  <a:txBody>
+                    <a:bodyPr/>
+                    <a:lstStyle/>
+                    <a:p>
+                      <a:pPr algn="ctr">
+                        <a:lnSpc>
+                          <a:spcPts val="1800"/>
+                        </a:lnSpc>
+                        <a:spcAft>
+                          <a:spcPts val="300"/>
+                        </a:spcAft>
+                      </a:pPr>
+                      <a:r>
+                        <a:rPr lang="fr-FR" dirty="0" smtClean="0"/>
+                        <a:t>Entre 30% et 65%</a:t>
+                      </a:r>
+                      <a:endParaRPr lang="fr-FR" dirty="0"/>
+                    </a:p>
+                  </a:txBody>
+                  <a:tcPr marL="0" marR="0" marT="0" marB="0" anchor="ctr"/>
+                </a:tc>
+                <a:extLst>
+                  <a:ext uri="{0D108BD9-81ED-4DB2-BD59-A6C34878D82A}">
+                    <a16:rowId xmlns:a16="http://schemas.microsoft.com/office/drawing/2014/main" val="1199970080"/>
+                  </a:ext>
+                </a:extLst>
+              </a:tr>
+            </a:tbl>
+          </a:graphicData>
+        </a:graphic>
+      </p:graphicFrame>
+      <p:sp>
+        <p:nvSpPr>
+          <p:cNvPr id="5" name="ZoneTexte 4"/>
+          <p:cNvSpPr txBox="1"/>
+          <p:nvPr/>
+        </p:nvSpPr>
+        <p:spPr>
+          <a:xfrm>
+            <a:off x="107504" y="6447133"/>
+            <a:ext cx="418704" cy="369332"/>
+          </a:xfrm>
+          <a:prstGeom prst="rect">
+            <a:avLst/>
+          </a:prstGeom>
+          <a:noFill/>
+        </p:spPr>
+        <p:txBody>
+          <a:bodyPr wrap="none" rtlCol="0">
+            <a:spAutoFit/>
+          </a:bodyPr>
+          <a:lstStyle/>
+          <a:p>
+            <a:r>
+              <a:rPr lang="fr-FR" dirty="0" smtClean="0"/>
+              <a:t>23</a:t>
+            </a:r>
+            <a:endParaRPr lang="fr-FR" dirty="0"/>
+          </a:p>
+        </p:txBody>
+      </p:sp>
+    </p:spTree>
+    <p:extLst>
+      <p:ext uri="{BB962C8B-B14F-4D97-AF65-F5344CB8AC3E}">
+        <p14:creationId xmlns:p14="http://schemas.microsoft.com/office/powerpoint/2010/main" val="4172071724"/>
+      </p:ext>
+    </p:extLst>
+  </p:cSld>
+  <p:clrMapOvr>
+    <a:masterClrMapping/>
+  </p:clrMapOvr>
+  <mc:AlternateContent xmlns:mc="http://schemas.openxmlformats.org/markup-compatibility/2006">
+    <mc:Choice xmlns:p14="http://schemas.microsoft.com/office/powerpoint/2010/main" Requires="p14">
+      <p:transition p14:dur="0"/>
+    </mc:Choice>
+    <mc:Fallback>
+      <p:transition/>
+    </mc:Fallback>
+  </mc:AlternateContent>
+  <p:timing>
+    <p:tnLst>
+      <p:par>
+        <p:cTn id="1" dur="indefinite" restart="never" nodeType="tmRoot"/>
+      </p:par>
+    </p:tnLst>
+  </p:timing>
+</p:sld>
+</file>
+
+<file path=ppt/slides/slide25.xml><?xml version="1.0" encoding="utf-8"?>
+<p:sld xmlns:a="http://schemas.openxmlformats.org/drawingml/2006/main" xmlns:r="http://schemas.openxmlformats.org/officeDocument/2006/relationships" xmlns:p="http://schemas.openxmlformats.org/presentationml/2006/main">
+  <p:cSld>
+    <p:spTree>
+      <p:nvGrpSpPr>
+        <p:cNvPr id="1" name=""/>
+        <p:cNvGrpSpPr/>
+        <p:nvPr/>
+      </p:nvGrpSpPr>
+      <p:grpSpPr>
+        <a:xfrm>
+          <a:off x="0" y="0"/>
+          <a:ext cx="0" cy="0"/>
+          <a:chOff x="0" y="0"/>
+          <a:chExt cx="0" cy="0"/>
+        </a:xfrm>
+      </p:grpSpPr>
+      <p:sp>
+        <p:nvSpPr>
+          <p:cNvPr id="3" name="Titre 2"/>
+          <p:cNvSpPr>
+            <a:spLocks noGrp="1"/>
+          </p:cNvSpPr>
+          <p:nvPr>
+            <p:ph type="title"/>
+          </p:nvPr>
+        </p:nvSpPr>
+        <p:spPr/>
+        <p:txBody>
+          <a:bodyPr/>
+          <a:lstStyle/>
+          <a:p>
+            <a:endParaRPr lang="fr-FR"/>
+          </a:p>
+        </p:txBody>
+      </p:sp>
+      <p:sp>
+        <p:nvSpPr>
+          <p:cNvPr id="5" name="ZoneTexte 4"/>
+          <p:cNvSpPr txBox="1"/>
+          <p:nvPr/>
+        </p:nvSpPr>
+        <p:spPr>
+          <a:xfrm>
+            <a:off x="0" y="2564904"/>
+            <a:ext cx="9144000" cy="1200329"/>
+          </a:xfrm>
+          <a:prstGeom prst="rect">
+            <a:avLst/>
+          </a:prstGeom>
+          <a:noFill/>
+        </p:spPr>
+        <p:txBody>
+          <a:bodyPr wrap="square" rtlCol="0">
+            <a:spAutoFit/>
+          </a:bodyPr>
+          <a:lstStyle/>
+          <a:p>
+            <a:pPr algn="ctr"/>
+            <a:r>
+              <a:rPr lang="fr-FR" sz="5400" b="1" u="sng" dirty="0"/>
+              <a:t>5</a:t>
+            </a:r>
+            <a:r>
+              <a:rPr lang="fr-FR" sz="5400" b="1" u="sng" dirty="0" smtClean="0"/>
+              <a:t> – Conclusion</a:t>
+            </a:r>
+            <a:endParaRPr lang="fr-FR" sz="5400" b="1" u="sng" dirty="0"/>
+          </a:p>
+          <a:p>
+            <a:pPr algn="ctr"/>
+            <a:endParaRPr lang="fr-FR" dirty="0"/>
+          </a:p>
+        </p:txBody>
+      </p:sp>
+      <p:sp>
+        <p:nvSpPr>
+          <p:cNvPr id="4" name="ZoneTexte 3"/>
+          <p:cNvSpPr txBox="1"/>
+          <p:nvPr/>
+        </p:nvSpPr>
+        <p:spPr>
+          <a:xfrm>
+            <a:off x="107504" y="6447133"/>
+            <a:ext cx="418704" cy="369332"/>
+          </a:xfrm>
+          <a:prstGeom prst="rect">
+            <a:avLst/>
+          </a:prstGeom>
+          <a:noFill/>
+        </p:spPr>
+        <p:txBody>
+          <a:bodyPr wrap="none" rtlCol="0">
+            <a:spAutoFit/>
+          </a:bodyPr>
+          <a:lstStyle/>
+          <a:p>
+            <a:r>
+              <a:rPr lang="fr-FR" dirty="0" smtClean="0"/>
+              <a:t>24</a:t>
+            </a:r>
+            <a:endParaRPr lang="fr-FR" dirty="0"/>
+          </a:p>
+        </p:txBody>
+      </p:sp>
+    </p:spTree>
+    <p:extLst>
+      <p:ext uri="{BB962C8B-B14F-4D97-AF65-F5344CB8AC3E}">
+        <p14:creationId xmlns:p14="http://schemas.microsoft.com/office/powerpoint/2010/main" val="3457287575"/>
+      </p:ext>
+    </p:extLst>
+  </p:cSld>
+  <p:clrMapOvr>
+    <a:masterClrMapping/>
+  </p:clrMapOvr>
+  <mc:AlternateContent xmlns:mc="http://schemas.openxmlformats.org/markup-compatibility/2006">
+    <mc:Choice xmlns:p14="http://schemas.microsoft.com/office/powerpoint/2010/main" Requires="p14">
+      <p:transition p14:dur="0"/>
+    </mc:Choice>
+    <mc:Fallback>
+      <p:transition/>
+    </mc:Fallback>
+  </mc:AlternateContent>
+  <p:timing>
+    <p:tnLst>
+      <p:par>
+        <p:cTn id="1" dur="indefinite" restart="never" nodeType="tmRoot"/>
+      </p:par>
+    </p:tnLst>
+  </p:timing>
+</p:sld>
+</file>
+
+<file path=ppt/slides/slide26.xml><?xml version="1.0" encoding="utf-8"?>
+<p:sld xmlns:a="http://schemas.openxmlformats.org/drawingml/2006/main" xmlns:r="http://schemas.openxmlformats.org/officeDocument/2006/relationships" xmlns:p="http://schemas.openxmlformats.org/presentationml/2006/main">
+  <p:cSld>
+    <p:spTree>
+      <p:nvGrpSpPr>
+        <p:cNvPr id="1" name=""/>
+        <p:cNvGrpSpPr/>
+        <p:nvPr/>
+      </p:nvGrpSpPr>
+      <p:grpSpPr>
+        <a:xfrm>
+          <a:off x="0" y="0"/>
+          <a:ext cx="0" cy="0"/>
+          <a:chOff x="0" y="0"/>
+          <a:chExt cx="0" cy="0"/>
+        </a:xfrm>
+      </p:grpSpPr>
+      <p:sp>
+        <p:nvSpPr>
+          <p:cNvPr id="3" name="Titre 2"/>
+          <p:cNvSpPr>
+            <a:spLocks noGrp="1"/>
+          </p:cNvSpPr>
+          <p:nvPr>
+            <p:ph type="title"/>
+          </p:nvPr>
+        </p:nvSpPr>
+        <p:spPr/>
+        <p:txBody>
+          <a:bodyPr/>
+          <a:lstStyle/>
+          <a:p>
+            <a:endParaRPr lang="fr-FR"/>
+          </a:p>
+        </p:txBody>
+      </p:sp>
+      <p:pic>
+        <p:nvPicPr>
+          <p:cNvPr id="6" name="Image 5"/>
+          <p:cNvPicPr>
+            <a:picLocks noChangeAspect="1"/>
+          </p:cNvPicPr>
+          <p:nvPr/>
+        </p:nvPicPr>
+        <p:blipFill>
+          <a:blip r:embed="rId2">
+            <a:extLst>
+              <a:ext uri="{28A0092B-C50C-407E-A947-70E740481C1C}">
+                <a14:useLocalDpi xmlns:a14="http://schemas.microsoft.com/office/drawing/2010/main" val="0"/>
+              </a:ext>
+            </a:extLst>
+          </a:blip>
+          <a:stretch>
+            <a:fillRect/>
+          </a:stretch>
+        </p:blipFill>
+        <p:spPr>
+          <a:xfrm>
+            <a:off x="3851920" y="3645024"/>
+            <a:ext cx="1800200" cy="1795012"/>
+          </a:xfrm>
+          <a:prstGeom prst="rect">
+            <a:avLst/>
+          </a:prstGeom>
+        </p:spPr>
+      </p:pic>
+      <p:sp>
+        <p:nvSpPr>
+          <p:cNvPr id="7" name="ZoneTexte 6"/>
+          <p:cNvSpPr txBox="1"/>
+          <p:nvPr/>
+        </p:nvSpPr>
+        <p:spPr>
+          <a:xfrm>
+            <a:off x="0" y="1268760"/>
+            <a:ext cx="9144000" cy="830997"/>
+          </a:xfrm>
+          <a:prstGeom prst="rect">
+            <a:avLst/>
+          </a:prstGeom>
+          <a:noFill/>
+        </p:spPr>
+        <p:txBody>
+          <a:bodyPr wrap="square" rtlCol="0">
+            <a:spAutoFit/>
+          </a:bodyPr>
+          <a:lstStyle/>
+          <a:p>
+            <a:pPr algn="ctr"/>
+            <a:r>
+              <a:rPr lang="fr-FR" sz="4800" b="1" dirty="0" smtClean="0"/>
+              <a:t>Merci pour votre attention</a:t>
+            </a:r>
+            <a:endParaRPr lang="fr-FR" sz="4800" b="1" dirty="0"/>
+          </a:p>
+        </p:txBody>
+      </p:sp>
+      <p:sp>
+        <p:nvSpPr>
+          <p:cNvPr id="8" name="ZoneTexte 7"/>
+          <p:cNvSpPr txBox="1"/>
+          <p:nvPr/>
+        </p:nvSpPr>
+        <p:spPr>
+          <a:xfrm>
+            <a:off x="0" y="2814027"/>
+            <a:ext cx="9144000" cy="830997"/>
+          </a:xfrm>
+          <a:prstGeom prst="rect">
+            <a:avLst/>
+          </a:prstGeom>
+          <a:noFill/>
+        </p:spPr>
+        <p:txBody>
+          <a:bodyPr wrap="square" rtlCol="0">
+            <a:spAutoFit/>
+          </a:bodyPr>
+          <a:lstStyle/>
+          <a:p>
+            <a:pPr algn="ctr"/>
+            <a:r>
+              <a:rPr lang="fr-FR" sz="4800" b="1" dirty="0" smtClean="0"/>
+              <a:t>Des questions ?</a:t>
+            </a:r>
+            <a:endParaRPr lang="fr-FR" sz="4800" b="1" dirty="0"/>
+          </a:p>
+        </p:txBody>
+      </p:sp>
+      <p:sp>
+        <p:nvSpPr>
+          <p:cNvPr id="9" name="ZoneTexte 8"/>
+          <p:cNvSpPr txBox="1"/>
+          <p:nvPr/>
+        </p:nvSpPr>
+        <p:spPr>
+          <a:xfrm>
+            <a:off x="107504" y="6447133"/>
+            <a:ext cx="418704" cy="369332"/>
+          </a:xfrm>
+          <a:prstGeom prst="rect">
+            <a:avLst/>
+          </a:prstGeom>
+          <a:noFill/>
+        </p:spPr>
+        <p:txBody>
+          <a:bodyPr wrap="none" rtlCol="0">
+            <a:spAutoFit/>
+          </a:bodyPr>
+          <a:lstStyle/>
+          <a:p>
+            <a:r>
+              <a:rPr lang="fr-FR" dirty="0" smtClean="0"/>
+              <a:t>25</a:t>
+            </a:r>
+            <a:endParaRPr lang="fr-FR" dirty="0"/>
+          </a:p>
+        </p:txBody>
+      </p:sp>
+    </p:spTree>
+    <p:extLst>
+      <p:ext uri="{BB962C8B-B14F-4D97-AF65-F5344CB8AC3E}">
+        <p14:creationId xmlns:p14="http://schemas.microsoft.com/office/powerpoint/2010/main" val="194801025"/>
+      </p:ext>
+    </p:extLst>
+  </p:cSld>
+  <p:clrMapOvr>
+    <a:masterClrMapping/>
+  </p:clrMapOvr>
+  <mc:AlternateContent xmlns:mc="http://schemas.openxmlformats.org/markup-compatibility/2006">
+    <mc:Choice xmlns:p14="http://schemas.microsoft.com/office/powerpoint/2010/main" Requires="p14">
+      <p:transition p14:dur="0"/>
+    </mc:Choice>
+    <mc:Fallback>
+      <p:transition/>
+    </mc:Fallback>
+  </mc:AlternateContent>
   <p:timing>
     <p:tnLst>
       <p:par>
@@ -5637,103 +11063,86 @@
       </p:sp>
       <p:sp>
         <p:nvSpPr>
-          <p:cNvPr id="4" name="Espace réservé du texte 3"/>
-          <p:cNvSpPr>
-            <a:spLocks noGrp="1"/>
-          </p:cNvSpPr>
-          <p:nvPr>
-            <p:ph type="body" sz="quarter" idx="13"/>
-          </p:nvPr>
+          <p:cNvPr id="5" name="ZoneTexte 4"/>
+          <p:cNvSpPr txBox="1"/>
+          <p:nvPr/>
         </p:nvSpPr>
         <p:spPr>
           <a:xfrm>
-            <a:off x="1907704" y="430682"/>
-            <a:ext cx="4608512" cy="423109"/>
-          </a:xfrm>
-        </p:spPr>
-        <p:txBody>
-          <a:bodyPr/>
-          <a:lstStyle/>
-          <a:p>
-            <a:pPr algn="l"/>
-            <a:r>
-              <a:rPr lang="fr-FR" sz="3200" dirty="0" smtClean="0"/>
-              <a:t>1 - Introduction</a:t>
-            </a:r>
-            <a:endParaRPr lang="fr-FR" sz="3200" dirty="0"/>
-          </a:p>
-        </p:txBody>
-      </p:sp>
-      <p:pic>
-        <p:nvPicPr>
-          <p:cNvPr id="6" name="Image 5"/>
-          <p:cNvPicPr>
-            <a:picLocks noChangeAspect="1"/>
-          </p:cNvPicPr>
-          <p:nvPr/>
-        </p:nvPicPr>
-        <p:blipFill>
-          <a:blip r:embed="rId2" cstate="print">
-            <a:extLst>
-              <a:ext uri="{28A0092B-C50C-407E-A947-70E740481C1C}">
-                <a14:useLocalDpi xmlns:a14="http://schemas.microsoft.com/office/drawing/2010/main" val="0"/>
-              </a:ext>
-            </a:extLst>
-          </a:blip>
-          <a:stretch>
-            <a:fillRect/>
-          </a:stretch>
-        </p:blipFill>
-        <p:spPr>
-          <a:xfrm>
-            <a:off x="3555251" y="1478389"/>
-            <a:ext cx="2261007" cy="849762"/>
+            <a:off x="0" y="2564904"/>
+            <a:ext cx="9144000" cy="1200329"/>
           </a:xfrm>
           <a:prstGeom prst="rect">
             <a:avLst/>
           </a:prstGeom>
+          <a:noFill/>
         </p:spPr>
-      </p:pic>
-      <p:pic>
-        <p:nvPicPr>
-          <p:cNvPr id="7" name="Image 6"/>
-          <p:cNvPicPr>
-            <a:picLocks noChangeAspect="1"/>
-          </p:cNvPicPr>
+        <p:txBody>
+          <a:bodyPr wrap="square" rtlCol="0">
+            <a:spAutoFit/>
+          </a:bodyPr>
+          <a:lstStyle/>
+          <a:p>
+            <a:pPr algn="ctr"/>
+            <a:r>
+              <a:rPr lang="fr-FR" sz="5400" b="1" u="sng" dirty="0"/>
+              <a:t>1 - Introduction</a:t>
+            </a:r>
+          </a:p>
+          <a:p>
+            <a:pPr algn="ctr"/>
+            <a:endParaRPr lang="fr-FR" dirty="0"/>
+          </a:p>
+        </p:txBody>
+      </p:sp>
+      <p:sp>
+        <p:nvSpPr>
+          <p:cNvPr id="4" name="ZoneTexte 3"/>
+          <p:cNvSpPr txBox="1"/>
           <p:nvPr/>
-        </p:nvPicPr>
-        <p:blipFill>
-          <a:blip r:embed="rId3">
-            <a:extLst>
-              <a:ext uri="{28A0092B-C50C-407E-A947-70E740481C1C}">
-                <a14:useLocalDpi xmlns:a14="http://schemas.microsoft.com/office/drawing/2010/main" val="0"/>
-              </a:ext>
-            </a:extLst>
-          </a:blip>
-          <a:stretch>
-            <a:fillRect/>
-          </a:stretch>
-        </p:blipFill>
+        </p:nvSpPr>
         <p:spPr>
           <a:xfrm>
-            <a:off x="1907946" y="2924944"/>
-            <a:ext cx="5555619" cy="2392372"/>
+            <a:off x="107504" y="6447133"/>
+            <a:ext cx="301686" cy="369332"/>
           </a:xfrm>
           <a:prstGeom prst="rect">
             <a:avLst/>
           </a:prstGeom>
+          <a:noFill/>
         </p:spPr>
-      </p:pic>
+        <p:txBody>
+          <a:bodyPr wrap="none" rtlCol="0">
+            <a:spAutoFit/>
+          </a:bodyPr>
+          <a:lstStyle/>
+          <a:p>
+            <a:r>
+              <a:rPr lang="fr-FR" dirty="0"/>
+              <a:t>2</a:t>
+            </a:r>
+            <a:endParaRPr lang="fr-FR" dirty="0"/>
+          </a:p>
+        </p:txBody>
+      </p:sp>
     </p:spTree>
     <p:extLst>
       <p:ext uri="{BB962C8B-B14F-4D97-AF65-F5344CB8AC3E}">
-        <p14:creationId xmlns:p14="http://schemas.microsoft.com/office/powerpoint/2010/main" val="2283798664"/>
+        <p14:creationId xmlns:p14="http://schemas.microsoft.com/office/powerpoint/2010/main" val="3805254904"/>
       </p:ext>
     </p:extLst>
   </p:cSld>
   <p:clrMapOvr>
     <a:masterClrMapping/>
   </p:clrMapOvr>
+  <mc:AlternateContent xmlns:mc="http://schemas.openxmlformats.org/markup-compatibility/2006">
+    <mc:Choice xmlns:p14="http://schemas.microsoft.com/office/powerpoint/2010/main" Requires="p14">
+      <p:transition p14:dur="0"/>
+    </mc:Choice>
+    <mc:Fallback>
+      <p:transition/>
+    </mc:Fallback>
+  </mc:AlternateContent>
   <p:timing>
     <p:tnLst>
       <p:par>
@@ -5776,7 +11185,27 @@
           <a:bodyPr/>
           <a:lstStyle/>
           <a:p>
-            <a:endParaRPr lang="fr-FR"/>
+            <a:r>
+              <a:rPr lang="fr-FR" dirty="0">
+                <a:solidFill>
+                  <a:schemeClr val="tx1"/>
+                </a:solidFill>
+              </a:rPr>
+              <a:t>1 - </a:t>
+            </a:r>
+            <a:r>
+              <a:rPr lang="fr-FR" dirty="0" smtClean="0">
+                <a:solidFill>
+                  <a:schemeClr val="tx1"/>
+                </a:solidFill>
+              </a:rPr>
+              <a:t>Introduction</a:t>
+            </a:r>
+            <a:endParaRPr lang="fr-FR" dirty="0">
+              <a:solidFill>
+                <a:schemeClr val="tx1"/>
+              </a:solidFill>
+            </a:endParaRPr>
           </a:p>
         </p:txBody>
       </p:sp>
@@ -5792,7 +11221,7 @@
         </p:nvSpPr>
         <p:spPr>
           <a:xfrm>
-            <a:off x="1907704" y="430682"/>
+            <a:off x="1907946" y="517063"/>
             <a:ext cx="4608512" cy="423109"/>
           </a:xfrm>
         </p:spPr>
@@ -5802,10 +11231,10 @@
           <a:p>
             <a:pPr algn="l"/>
             <a:r>
-              <a:rPr lang="fr-FR" sz="3200" dirty="0" smtClean="0"/>
-              <a:t>1 - Introduction</a:t>
+              <a:rPr lang="fr-FR" sz="2000" dirty="0" smtClean="0"/>
+              <a:t>Description de THALES et du sujet</a:t>
             </a:r>
-            <a:endParaRPr lang="fr-FR" sz="3200" dirty="0"/>
+            <a:endParaRPr lang="fr-FR" sz="2000" dirty="0"/>
           </a:p>
         </p:txBody>
       </p:sp>
@@ -5818,7 +11247,7 @@
           <p:nvPr/>
         </p:nvPicPr>
         <p:blipFill>
-          <a:blip r:embed="rId2" cstate="print">
+          <a:blip r:embed="rId3" cstate="print">
             <a:extLst>
               <a:ext uri="{28A0092B-C50C-407E-A947-70E740481C1C}">
                 <a14:useLocalDpi xmlns:a14="http://schemas.microsoft.com/office/drawing/2010/main" val="0"/>
@@ -5831,7 +11260,7 @@
         </p:blipFill>
         <p:spPr>
           <a:xfrm>
-            <a:off x="3555251" y="1478389"/>
+            <a:off x="3555250" y="1386610"/>
             <a:ext cx="2261007" cy="849762"/>
           </a:xfrm>
           <a:prstGeom prst="rect">
@@ -5848,7 +11277,7 @@
           <p:nvPr/>
         </p:nvPicPr>
         <p:blipFill>
-          <a:blip r:embed="rId3">
+          <a:blip r:embed="rId4">
             <a:extLst>
               <a:ext uri="{28A0092B-C50C-407E-A947-70E740481C1C}">
                 <a14:useLocalDpi xmlns:a14="http://schemas.microsoft.com/office/drawing/2010/main" val="0"/>
@@ -5869,171 +11298,57 @@
           </a:prstGeom>
         </p:spPr>
       </p:pic>
-      <p:pic>
-        <p:nvPicPr>
-          <p:cNvPr id="8" name="Image 7"/>
-          <p:cNvPicPr/>
+      <p:sp>
+        <p:nvSpPr>
+          <p:cNvPr id="9" name="ZoneTexte 8"/>
+          <p:cNvSpPr txBox="1"/>
           <p:nvPr/>
-        </p:nvPicPr>
-        <p:blipFill rotWithShape="1">
-          <a:blip r:embed="rId4"/>
-          <a:srcRect r="8767"/>
-          <a:stretch/>
-        </p:blipFill>
-        <p:spPr bwMode="auto">
+        </p:nvSpPr>
+        <p:spPr>
           <a:xfrm>
-            <a:off x="869330" y="2392938"/>
-            <a:ext cx="7632848" cy="3456384"/>
+            <a:off x="107504" y="6447133"/>
+            <a:ext cx="301686" cy="369332"/>
           </a:xfrm>
           <a:prstGeom prst="rect">
             <a:avLst/>
           </a:prstGeom>
-          <a:ln>
-            <a:noFill/>
-          </a:ln>
-          <a:extLst>
-            <a:ext uri="{53640926-AAD7-44D8-BBD7-CCE9431645EC}">
-              <a14:shadowObscured xmlns:a14="http://schemas.microsoft.com/office/drawing/2010/main"/>
-            </a:ext>
-          </a:extLst>
+          <a:noFill/>
         </p:spPr>
-      </p:pic>
+        <p:txBody>
+          <a:bodyPr wrap="none" rtlCol="0">
+            <a:spAutoFit/>
+          </a:bodyPr>
+          <a:lstStyle/>
+          <a:p>
+            <a:r>
+              <a:rPr lang="fr-FR" dirty="0" smtClean="0"/>
+              <a:t>3</a:t>
+            </a:r>
+          </a:p>
+        </p:txBody>
+      </p:sp>
     </p:spTree>
     <p:extLst>
       <p:ext uri="{BB962C8B-B14F-4D97-AF65-F5344CB8AC3E}">
-        <p14:creationId xmlns:p14="http://schemas.microsoft.com/office/powerpoint/2010/main" val="2443859128"/>
+        <p14:creationId xmlns:p14="http://schemas.microsoft.com/office/powerpoint/2010/main" val="3229333308"/>
       </p:ext>
     </p:extLst>
   </p:cSld>
   <p:clrMapOvr>
     <a:masterClrMapping/>
   </p:clrMapOvr>
+  <mc:AlternateContent xmlns:mc="http://schemas.openxmlformats.org/markup-compatibility/2006">
+    <mc:Choice xmlns:p14="http://schemas.microsoft.com/office/powerpoint/2010/main" Requires="p14">
+      <p:transition p14:dur="0"/>
+    </mc:Choice>
+    <mc:Fallback>
+      <p:transition/>
+    </mc:Fallback>
+  </mc:AlternateContent>
   <p:timing>
     <p:tnLst>
       <p:par>
-        <p:cTn id="1" dur="indefinite" restart="never" nodeType="tmRoot">
-          <p:childTnLst>
-            <p:seq concurrent="1" nextAc="seek">
-              <p:cTn id="2" dur="indefinite" nodeType="mainSeq">
-                <p:childTnLst>
-                  <p:par>
-                    <p:cTn id="3" fill="hold">
-                      <p:stCondLst>
-                        <p:cond delay="indefinite"/>
-                      </p:stCondLst>
-                      <p:childTnLst>
-                        <p:par>
-                          <p:cTn id="4" fill="hold">
-                            <p:stCondLst>
-                              <p:cond delay="0"/>
-                            </p:stCondLst>
-                            <p:childTnLst>
-                              <p:par>
-                                <p:cTn id="5" presetID="42" presetClass="entr" presetSubtype="0" fill="hold" nodeType="clickEffect">
-                                  <p:stCondLst>
-                                    <p:cond delay="0"/>
-                                  </p:stCondLst>
-                                  <p:childTnLst>
-                                    <p:set>
-                                      <p:cBhvr>
-                                        <p:cTn id="6" dur="1" fill="hold">
-                                          <p:stCondLst>
-                                            <p:cond delay="0"/>
-                                          </p:stCondLst>
-                                        </p:cTn>
-                                        <p:tgtEl>
-                                          <p:spTgt spid="8"/>
-                                        </p:tgtEl>
-                                        <p:attrNameLst>
-                                          <p:attrName>style.visibility</p:attrName>
-                                        </p:attrNameLst>
-                                      </p:cBhvr>
-                                      <p:to>
-                                        <p:strVal val="visible"/>
-                                      </p:to>
-                                    </p:set>
-                                    <p:animEffect transition="in" filter="fade">
-                                      <p:cBhvr>
-                                        <p:cTn id="7" dur="1000"/>
-                                        <p:tgtEl>
-                                          <p:spTgt spid="8"/>
-                                        </p:tgtEl>
-                                      </p:cBhvr>
-                                    </p:animEffect>
-                                    <p:anim calcmode="lin" valueType="num">
-                                      <p:cBhvr>
-                                        <p:cTn id="8" dur="1000" fill="hold"/>
-                                        <p:tgtEl>
-                                          <p:spTgt spid="8"/>
-                                        </p:tgtEl>
-                                        <p:attrNameLst>
-                                          <p:attrName>ppt_x</p:attrName>
-                                        </p:attrNameLst>
-                                      </p:cBhvr>
-                                      <p:tavLst>
-                                        <p:tav tm="0">
-                                          <p:val>
-                                            <p:strVal val="#ppt_x"/>
-                                          </p:val>
-                                        </p:tav>
-                                        <p:tav tm="100000">
-                                          <p:val>
-                                            <p:strVal val="#ppt_x"/>
-                                          </p:val>
-                                        </p:tav>
-                                      </p:tavLst>
-                                    </p:anim>
-                                    <p:anim calcmode="lin" valueType="num">
-                                      <p:cBhvr>
-                                        <p:cTn id="9" dur="1000" fill="hold"/>
-                                        <p:tgtEl>
-                                          <p:spTgt spid="8"/>
-                                        </p:tgtEl>
-                                        <p:attrNameLst>
-                                          <p:attrName>ppt_y</p:attrName>
-                                        </p:attrNameLst>
-                                      </p:cBhvr>
-                                      <p:tavLst>
-                                        <p:tav tm="0">
-                                          <p:val>
-                                            <p:strVal val="#ppt_y+.1"/>
-                                          </p:val>
-                                        </p:tav>
-                                        <p:tav tm="100000">
-                                          <p:val>
-                                            <p:strVal val="#ppt_y"/>
-                                          </p:val>
-                                        </p:tav>
-                                      </p:tavLst>
-                                    </p:anim>
-                                  </p:childTnLst>
-                                </p:cTn>
-                              </p:par>
-                            </p:childTnLst>
-                          </p:cTn>
-                        </p:par>
-                      </p:childTnLst>
-                    </p:cTn>
-                  </p:par>
-                </p:childTnLst>
-              </p:cTn>
-              <p:prevCondLst>
-                <p:cond evt="onPrev" delay="0">
-                  <p:tgtEl>
-                    <p:sldTgt/>
-                  </p:tgtEl>
-                </p:cond>
-              </p:prevCondLst>
-              <p:nextCondLst>
-                <p:cond evt="onNext" delay="0">
-                  <p:tgtEl>
-                    <p:sldTgt/>
-                  </p:tgtEl>
-                </p:cond>
-              </p:nextCondLst>
-            </p:seq>
-          </p:childTnLst>
-        </p:cTn>
+        <p:cTn id="1" dur="indefinite" restart="never" nodeType="tmRoot"/>
       </p:par>
     </p:tnLst>
   </p:timing>
@@ -6072,7 +11387,27 @@
           <a:bodyPr/>
           <a:lstStyle/>
           <a:p>
-            <a:endParaRPr lang="fr-FR" dirty="0"/>
+            <a:r>
+              <a:rPr lang="fr-FR" dirty="0">
+                <a:solidFill>
+                  <a:schemeClr val="tx1"/>
+                </a:solidFill>
+              </a:rPr>
+              <a:t>1 - </a:t>
+            </a:r>
+            <a:r>
+              <a:rPr lang="fr-FR" dirty="0" smtClean="0">
+                <a:solidFill>
+                  <a:schemeClr val="tx1"/>
+                </a:solidFill>
+              </a:rPr>
+              <a:t>Introduction</a:t>
+            </a:r>
+            <a:endParaRPr lang="fr-FR" dirty="0">
+              <a:solidFill>
+                <a:schemeClr val="tx1"/>
+              </a:solidFill>
+            </a:endParaRPr>
           </a:p>
         </p:txBody>
       </p:sp>
@@ -6088,7 +11423,7 @@
         </p:nvSpPr>
         <p:spPr>
           <a:xfrm>
-            <a:off x="1907704" y="430682"/>
+            <a:off x="1907946" y="517063"/>
             <a:ext cx="4608512" cy="423109"/>
           </a:xfrm>
         </p:spPr>
@@ -6098,45 +11433,120 @@
           <a:p>
             <a:pPr algn="l"/>
             <a:r>
-              <a:rPr lang="fr-FR" sz="3200" dirty="0" smtClean="0"/>
-              <a:t>2 – Planning</a:t>
+              <a:rPr lang="fr-FR" sz="2000" dirty="0" smtClean="0"/>
+              <a:t>Description de THALES et du sujet</a:t>
             </a:r>
-            <a:endParaRPr lang="fr-FR" sz="3200" dirty="0"/>
+            <a:endParaRPr lang="fr-FR" sz="2000" dirty="0"/>
           </a:p>
         </p:txBody>
       </p:sp>
       <p:pic>
         <p:nvPicPr>
-          <p:cNvPr id="5" name="Image 4"/>
-          <p:cNvPicPr/>
+          <p:cNvPr id="6" name="Image 5"/>
+          <p:cNvPicPr>
+            <a:picLocks noChangeAspect="1"/>
+          </p:cNvPicPr>
           <p:nvPr/>
         </p:nvPicPr>
         <p:blipFill>
-          <a:blip r:embed="rId2"/>
+          <a:blip r:embed="rId3" cstate="print">
+            <a:extLst>
+              <a:ext uri="{28A0092B-C50C-407E-A947-70E740481C1C}">
+                <a14:useLocalDpi xmlns:a14="http://schemas.microsoft.com/office/drawing/2010/main" val="0"/>
+              </a:ext>
+            </a:extLst>
+          </a:blip>
           <a:stretch>
             <a:fillRect/>
           </a:stretch>
         </p:blipFill>
         <p:spPr>
           <a:xfrm>
-            <a:off x="2195736" y="1091905"/>
-            <a:ext cx="4679950" cy="5181600"/>
+            <a:off x="3555250" y="1386610"/>
+            <a:ext cx="2261007" cy="849762"/>
           </a:xfrm>
           <a:prstGeom prst="rect">
             <a:avLst/>
           </a:prstGeom>
         </p:spPr>
       </p:pic>
+      <p:pic>
+        <p:nvPicPr>
+          <p:cNvPr id="8" name="Image 7"/>
+          <p:cNvPicPr/>
+          <p:nvPr/>
+        </p:nvPicPr>
+        <p:blipFill rotWithShape="1">
+          <a:blip r:embed="rId4"/>
+          <a:srcRect r="8767"/>
+          <a:stretch/>
+        </p:blipFill>
+        <p:spPr bwMode="auto">
+          <a:xfrm>
+            <a:off x="755576" y="2348880"/>
+            <a:ext cx="7632848" cy="3456384"/>
+          </a:xfrm>
+          <a:prstGeom prst="rect">
+            <a:avLst/>
+          </a:prstGeom>
+          <a:ln>
+            <a:noFill/>
+          </a:ln>
+          <a:extLst>
+            <a:ext uri="{53640926-AAD7-44D8-BBD7-CCE9431645EC}">
+              <a14:shadowObscured xmlns:a14="http://schemas.microsoft.com/office/drawing/2010/main"/>
+            </a:ext>
+          </a:extLst>
+        </p:spPr>
+      </p:pic>
+      <p:sp>
+        <p:nvSpPr>
+          <p:cNvPr id="9" name="ZoneTexte 8"/>
+          <p:cNvSpPr txBox="1"/>
+          <p:nvPr/>
+        </p:nvSpPr>
+        <p:spPr>
+          <a:xfrm>
+            <a:off x="107504" y="6447133"/>
+            <a:ext cx="301686" cy="369332"/>
+          </a:xfrm>
+          <a:prstGeom prst="rect">
+            <a:avLst/>
+          </a:prstGeom>
+          <a:noFill/>
+        </p:spPr>
+        <p:txBody>
+          <a:bodyPr wrap="none" rtlCol="0">
+            <a:spAutoFit/>
+          </a:bodyPr>
+          <a:lstStyle/>
+          <a:p>
+            <a:r>
+              <a:rPr lang="fr-FR" dirty="0"/>
+              <a:t>4</a:t>
+            </a:r>
+            <a:endParaRPr lang="fr-FR" dirty="0"/>
+          </a:p>
+        </p:txBody>
+      </p:sp>
     </p:spTree>
     <p:extLst>
       <p:ext uri="{BB962C8B-B14F-4D97-AF65-F5344CB8AC3E}">
-        <p14:creationId xmlns:p14="http://schemas.microsoft.com/office/powerpoint/2010/main" val="290063229"/>
+        <p14:creationId xmlns:p14="http://schemas.microsoft.com/office/powerpoint/2010/main" val="938099965"/>
       </p:ext>
     </p:extLst>
   </p:cSld>
   <p:clrMapOvr>
     <a:masterClrMapping/>
   </p:clrMapOvr>
+  <mc:AlternateContent xmlns:mc="http://schemas.openxmlformats.org/markup-compatibility/2006">
+    <mc:Choice xmlns:p14="http://schemas.microsoft.com/office/powerpoint/2010/main" Requires="p14">
+      <p:transition p14:dur="0"/>
+    </mc:Choice>
+    <mc:Fallback>
+      <p:transition/>
+    </mc:Fallback>
+  </mc:AlternateContent>
   <p:timing>
     <p:tnLst>
       <p:par>
@@ -6179,173 +11589,105 @@
           <a:bodyPr/>
           <a:lstStyle/>
           <a:p>
+            <a:endParaRPr lang="fr-FR"/>
+          </a:p>
+        </p:txBody>
+      </p:sp>
+      <p:sp>
+        <p:nvSpPr>
+          <p:cNvPr id="5" name="ZoneTexte 4"/>
+          <p:cNvSpPr txBox="1"/>
+          <p:nvPr/>
+        </p:nvSpPr>
+        <p:spPr>
+          <a:xfrm>
+            <a:off x="0" y="2564904"/>
+            <a:ext cx="9144000" cy="1200329"/>
+          </a:xfrm>
+          <a:prstGeom prst="rect">
+            <a:avLst/>
+          </a:prstGeom>
+          <a:noFill/>
+        </p:spPr>
+        <p:txBody>
+          <a:bodyPr wrap="square" rtlCol="0">
+            <a:spAutoFit/>
+          </a:bodyPr>
+          <a:lstStyle/>
+          <a:p>
+            <a:pPr algn="ctr"/>
+            <a:r>
+              <a:rPr lang="fr-FR" sz="5400" b="1" u="sng" dirty="0" smtClean="0"/>
+              <a:t>2 </a:t>
+            </a:r>
+            <a:r>
+              <a:rPr lang="fr-FR" sz="5400" b="1" u="sng" dirty="0"/>
+              <a:t>- </a:t>
+            </a:r>
+            <a:r>
+              <a:rPr lang="fr-FR" sz="5400" b="1" u="sng" dirty="0" smtClean="0"/>
+              <a:t>Planning</a:t>
+            </a:r>
+            <a:endParaRPr lang="fr-FR" sz="5400" b="1" u="sng" dirty="0"/>
+          </a:p>
+          <a:p>
+            <a:pPr algn="ctr"/>
             <a:endParaRPr lang="fr-FR" dirty="0"/>
           </a:p>
         </p:txBody>
       </p:sp>
       <p:sp>
         <p:nvSpPr>
-          <p:cNvPr id="4" name="Espace réservé du texte 3"/>
-          <p:cNvSpPr>
-            <a:spLocks noGrp="1"/>
-          </p:cNvSpPr>
-          <p:nvPr>
-            <p:ph type="body" sz="quarter" idx="13"/>
-          </p:nvPr>
+          <p:cNvPr id="4" name="ZoneTexte 3"/>
+          <p:cNvSpPr txBox="1"/>
+          <p:nvPr/>
         </p:nvSpPr>
         <p:spPr>
           <a:xfrm>
-            <a:off x="1907704" y="430682"/>
-            <a:ext cx="4608512" cy="423109"/>
-          </a:xfrm>
-        </p:spPr>
-        <p:txBody>
-          <a:bodyPr/>
-          <a:lstStyle/>
-          <a:p>
-            <a:pPr algn="l"/>
-            <a:r>
-              <a:rPr lang="fr-FR" sz="3200" dirty="0" smtClean="0"/>
-              <a:t>2 – Planning</a:t>
-            </a:r>
-            <a:endParaRPr lang="fr-FR" sz="3200" dirty="0"/>
-          </a:p>
-        </p:txBody>
-      </p:sp>
-      <p:pic>
-        <p:nvPicPr>
-          <p:cNvPr id="5" name="Image 4"/>
-          <p:cNvPicPr/>
-          <p:nvPr/>
-        </p:nvPicPr>
-        <p:blipFill>
-          <a:blip r:embed="rId2"/>
-          <a:stretch>
-            <a:fillRect/>
-          </a:stretch>
-        </p:blipFill>
-        <p:spPr>
-          <a:xfrm>
-            <a:off x="2195736" y="1091905"/>
-            <a:ext cx="4679950" cy="5181600"/>
+            <a:off x="107504" y="6447133"/>
+            <a:ext cx="301686" cy="369332"/>
           </a:xfrm>
           <a:prstGeom prst="rect">
             <a:avLst/>
           </a:prstGeom>
+          <a:noFill/>
         </p:spPr>
-      </p:pic>
-      <p:pic>
-        <p:nvPicPr>
-          <p:cNvPr id="6" name="Image 5"/>
-          <p:cNvPicPr/>
-          <p:nvPr/>
-        </p:nvPicPr>
-        <p:blipFill>
-          <a:blip r:embed="rId3"/>
-          <a:stretch>
-            <a:fillRect/>
-          </a:stretch>
-        </p:blipFill>
-        <p:spPr>
-          <a:xfrm>
-            <a:off x="2195736" y="1092373"/>
-            <a:ext cx="4679950" cy="5181600"/>
-          </a:xfrm>
-          <a:prstGeom prst="rect">
-            <a:avLst/>
-          </a:prstGeom>
-        </p:spPr>
-      </p:pic>
+        <p:txBody>
+          <a:bodyPr wrap="none" rtlCol="0">
+            <a:spAutoFit/>
+          </a:bodyPr>
+          <a:lstStyle/>
+          <a:p>
+            <a:r>
+              <a:rPr lang="fr-FR" dirty="0" smtClean="0"/>
+              <a:t>5</a:t>
+            </a:r>
+            <a:endParaRPr lang="fr-FR" dirty="0"/>
+          </a:p>
+        </p:txBody>
+      </p:sp>
     </p:spTree>
     <p:extLst>
       <p:ext uri="{BB962C8B-B14F-4D97-AF65-F5344CB8AC3E}">
-        <p14:creationId xmlns:p14="http://schemas.microsoft.com/office/powerpoint/2010/main" val="2451049318"/>
+        <p14:creationId xmlns:p14="http://schemas.microsoft.com/office/powerpoint/2010/main" val="3290130840"/>
       </p:ext>
     </p:extLst>
   </p:cSld>
   <p:clrMapOvr>
     <a:masterClrMapping/>
   </p:clrMapOvr>
+  <mc:AlternateContent xmlns:mc="http://schemas.openxmlformats.org/markup-compatibility/2006">
+    <mc:Choice xmlns:p14="http://schemas.microsoft.com/office/powerpoint/2010/main" Requires="p14">
+      <p:transition p14:dur="0"/>
+    </mc:Choice>
+    <mc:Fallback>
+      <p:transition/>
+    </mc:Fallback>
+  </mc:AlternateContent>
   <p:timing>
     <p:tnLst>
       <p:par>
-        <p:cTn id="1" dur="indefinite" restart="never" nodeType="tmRoot">
-          <p:childTnLst>
-            <p:seq concurrent="1" nextAc="seek">
-              <p:cTn id="2" dur="indefinite" nodeType="mainSeq">
-                <p:childTnLst>
-                  <p:par>
-                    <p:cTn id="3" fill="hold">
-                      <p:stCondLst>
-                        <p:cond delay="indefinite"/>
-                      </p:stCondLst>
-                      <p:childTnLst>
-                        <p:par>
-                          <p:cTn id="4" fill="hold">
-                            <p:stCondLst>
-                              <p:cond delay="0"/>
-                            </p:stCondLst>
-                            <p:childTnLst>
-                              <p:par>
-                                <p:cTn id="5" presetID="16" presetClass="entr" presetSubtype="21" fill="hold" nodeType="clickEffect">
-                                  <p:stCondLst>
-                                    <p:cond delay="0"/>
-                                  </p:stCondLst>
-                                  <p:childTnLst>
-                                    <p:set>
-                                      <p:cBhvr>
-                                        <p:cTn id="6" dur="1" fill="hold">
-                                          <p:stCondLst>
-                                            <p:cond delay="0"/>
-                                          </p:stCondLst>
-                                        </p:cTn>
-                                        <p:tgtEl>
-                                          <p:spTgt spid="6"/>
-                                        </p:tgtEl>
-                                        <p:attrNameLst>
-                                          <p:attrName>style.visibility</p:attrName>
-                                        </p:attrNameLst>
-                                      </p:cBhvr>
-                                      <p:to>
-                                        <p:strVal val="visible"/>
-                                      </p:to>
-                                    </p:set>
-                                    <p:animEffect transition="in" filter="barn(inVertical)">
-                                      <p:cBhvr>
-                                        <p:cTn id="7" dur="500"/>
-                                        <p:tgtEl>
-                                          <p:spTgt spid="6"/>
-                                        </p:tgtEl>
-                                      </p:cBhvr>
-                                    </p:animEffect>
-                                  </p:childTnLst>
-                                </p:cTn>
-                              </p:par>
-                            </p:childTnLst>
-                          </p:cTn>
-                        </p:par>
-                      </p:childTnLst>
-                    </p:cTn>
-                  </p:par>
-                </p:childTnLst>
-              </p:cTn>
-              <p:prevCondLst>
-                <p:cond evt="onPrev" delay="0">
-                  <p:tgtEl>
-                    <p:sldTgt/>
-                  </p:tgtEl>
-                </p:cond>
-              </p:prevCondLst>
-              <p:nextCondLst>
-                <p:cond evt="onNext" delay="0">
-                  <p:tgtEl>
-                    <p:sldTgt/>
-                  </p:tgtEl>
-                </p:cond>
-              </p:nextCondLst>
-            </p:seq>
-          </p:childTnLst>
-        </p:cTn>
+        <p:cTn id="1" dur="indefinite" restart="never" nodeType="tmRoot"/>
       </p:par>
     </p:tnLst>
   </p:timing>
@@ -6384,7 +11726,27 @@
           <a:bodyPr/>
           <a:lstStyle/>
           <a:p>
-            <a:endParaRPr lang="fr-FR"/>
+            <a:r>
+              <a:rPr lang="fr-FR" dirty="0">
+                <a:solidFill>
+                  <a:schemeClr val="tx1"/>
+                </a:solidFill>
+              </a:rPr>
+              <a:t>2 – </a:t>
+            </a:r>
+            <a:r>
+              <a:rPr lang="fr-FR" dirty="0" smtClean="0">
+                <a:solidFill>
+                  <a:schemeClr val="tx1"/>
+                </a:solidFill>
+              </a:rPr>
+              <a:t>Planning</a:t>
+            </a:r>
+            <a:endParaRPr lang="fr-FR" dirty="0">
+              <a:solidFill>
+                <a:schemeClr val="tx1"/>
+              </a:solidFill>
+            </a:endParaRPr>
           </a:p>
         </p:txBody>
       </p:sp>
@@ -6400,7 +11762,7 @@
         </p:nvSpPr>
         <p:spPr>
           <a:xfrm>
-            <a:off x="1907704" y="430682"/>
+            <a:off x="1835696" y="188640"/>
             <a:ext cx="4608512" cy="423109"/>
           </a:xfrm>
         </p:spPr>
@@ -6410,23 +11772,83 @@
           <a:p>
             <a:pPr algn="l"/>
             <a:r>
-              <a:rPr lang="fr-FR" sz="3200" dirty="0" smtClean="0"/>
-              <a:t>3 - Conception</a:t>
+              <a:rPr lang="fr-FR" sz="2000" dirty="0" smtClean="0"/>
+              <a:t>Planning initial</a:t>
             </a:r>
-            <a:endParaRPr lang="fr-FR" sz="3200" dirty="0"/>
+            <a:endParaRPr lang="fr-FR" sz="2000" dirty="0"/>
+          </a:p>
+        </p:txBody>
+      </p:sp>
+      <p:pic>
+        <p:nvPicPr>
+          <p:cNvPr id="5" name="Image 4"/>
+          <p:cNvPicPr/>
+          <p:nvPr/>
+        </p:nvPicPr>
+        <p:blipFill>
+          <a:blip r:embed="rId2"/>
+          <a:stretch>
+            <a:fillRect/>
+          </a:stretch>
+        </p:blipFill>
+        <p:spPr>
+          <a:xfrm>
+            <a:off x="2195736" y="1091905"/>
+            <a:ext cx="4679950" cy="5181600"/>
+          </a:xfrm>
+          <a:prstGeom prst="rect">
+            <a:avLst/>
+          </a:prstGeom>
+        </p:spPr>
+      </p:pic>
+      <p:sp>
+        <p:nvSpPr>
+          <p:cNvPr id="8" name="ZoneTexte 7"/>
+          <p:cNvSpPr txBox="1"/>
+          <p:nvPr/>
+        </p:nvSpPr>
+        <p:spPr>
+          <a:xfrm>
+            <a:off x="107504" y="6447133"/>
+            <a:ext cx="301686" cy="369332"/>
+          </a:xfrm>
+          <a:prstGeom prst="rect">
+            <a:avLst/>
+          </a:prstGeom>
+          <a:noFill/>
+        </p:spPr>
+        <p:txBody>
+          <a:bodyPr wrap="none" rtlCol="0">
+            <a:spAutoFit/>
+          </a:bodyPr>
+          <a:lstStyle/>
+          <a:p>
+            <a:r>
+              <a:rPr lang="fr-FR" dirty="0"/>
+              <a:t>6</a:t>
+            </a:r>
+            <a:endParaRPr lang="fr-FR" dirty="0"/>
           </a:p>
         </p:txBody>
       </p:sp>
     </p:spTree>
     <p:extLst>
       <p:ext uri="{BB962C8B-B14F-4D97-AF65-F5344CB8AC3E}">
-        <p14:creationId xmlns:p14="http://schemas.microsoft.com/office/powerpoint/2010/main" val="2856400760"/>
+        <p14:creationId xmlns:p14="http://schemas.microsoft.com/office/powerpoint/2010/main" val="1481317039"/>
       </p:ext>
     </p:extLst>
   </p:cSld>
   <p:clrMapOvr>
     <a:masterClrMapping/>
   </p:clrMapOvr>
+  <mc:AlternateContent xmlns:mc="http://schemas.openxmlformats.org/markup-compatibility/2006">
+    <mc:Choice xmlns:p14="http://schemas.microsoft.com/office/powerpoint/2010/main" Requires="p14">
+      <p:transition p14:dur="0"/>
+    </mc:Choice>
+    <mc:Fallback>
+      <p:transition/>
+    </mc:Fallback>
+  </mc:AlternateContent>
   <p:timing>
     <p:tnLst>
       <p:par>
@@ -6469,49 +11891,273 @@
           <a:bodyPr/>
           <a:lstStyle/>
           <a:p>
-            <a:endParaRPr lang="fr-FR"/>
+            <a:r>
+              <a:rPr lang="fr-FR" dirty="0">
+                <a:solidFill>
+                  <a:schemeClr val="tx1"/>
+                </a:solidFill>
+              </a:rPr>
+              <a:t>2 – </a:t>
+            </a:r>
+            <a:r>
+              <a:rPr lang="fr-FR" dirty="0" smtClean="0">
+                <a:solidFill>
+                  <a:schemeClr val="tx1"/>
+                </a:solidFill>
+              </a:rPr>
+              <a:t>Planning</a:t>
+            </a:r>
+            <a:endParaRPr lang="fr-FR" dirty="0">
+              <a:solidFill>
+                <a:schemeClr val="tx1"/>
+              </a:solidFill>
+            </a:endParaRPr>
+          </a:p>
+        </p:txBody>
+      </p:sp>
+      <p:pic>
+        <p:nvPicPr>
+          <p:cNvPr id="6" name="Image 5"/>
+          <p:cNvPicPr/>
+          <p:nvPr/>
+        </p:nvPicPr>
+        <p:blipFill>
+          <a:blip r:embed="rId2"/>
+          <a:stretch>
+            <a:fillRect/>
+          </a:stretch>
+        </p:blipFill>
+        <p:spPr>
+          <a:xfrm>
+            <a:off x="2195736" y="1124744"/>
+            <a:ext cx="4679950" cy="5181600"/>
+          </a:xfrm>
+          <a:prstGeom prst="rect">
+            <a:avLst/>
+          </a:prstGeom>
+        </p:spPr>
+      </p:pic>
+      <p:sp>
+        <p:nvSpPr>
+          <p:cNvPr id="7" name="Espace réservé du texte 3"/>
+          <p:cNvSpPr txBox="1">
+            <a:spLocks/>
+          </p:cNvSpPr>
+          <p:nvPr/>
+        </p:nvSpPr>
+        <p:spPr>
+          <a:xfrm>
+            <a:off x="1763688" y="188640"/>
+            <a:ext cx="4608512" cy="423109"/>
+          </a:xfrm>
+          <a:prstGeom prst="rect">
+            <a:avLst/>
+          </a:prstGeom>
+        </p:spPr>
+        <p:txBody>
+          <a:bodyPr/>
+          <a:lstStyle>
+            <a:lvl1pPr marL="0" indent="0" algn="r" defTabSz="914400" rtl="0" eaLnBrk="1" latinLnBrk="0" hangingPunct="1">
+              <a:spcBef>
+                <a:spcPct val="20000"/>
+              </a:spcBef>
+              <a:buFontTx/>
+              <a:buNone/>
+              <a:defRPr sz="1600" b="1" kern="1200" baseline="0">
+                <a:solidFill>
+                  <a:schemeClr val="tx1"/>
+                </a:solidFill>
+                <a:latin typeface="Arial" pitchFamily="34" charset="0"/>
+                <a:ea typeface="+mn-ea"/>
+                <a:cs typeface="Arial" pitchFamily="34" charset="0"/>
+              </a:defRPr>
+            </a:lvl1pPr>
+            <a:lvl2pPr marL="742950" indent="-285750" algn="l" defTabSz="914400" rtl="0" eaLnBrk="1" latinLnBrk="0" hangingPunct="1">
+              <a:spcBef>
+                <a:spcPct val="20000"/>
+              </a:spcBef>
+              <a:buFont typeface="Arial" pitchFamily="34" charset="0"/>
+              <a:buChar char="–"/>
+              <a:defRPr sz="2800" kern="1200">
+                <a:solidFill>
+                  <a:schemeClr val="tx1"/>
+                </a:solidFill>
+                <a:latin typeface="+mn-lt"/>
+                <a:ea typeface="+mn-ea"/>
+                <a:cs typeface="+mn-cs"/>
+              </a:defRPr>
+            </a:lvl2pPr>
+            <a:lvl3pPr marL="1143000" indent="-228600" algn="l" defTabSz="914400" rtl="0" eaLnBrk="1" latinLnBrk="0" hangingPunct="1">
+              <a:spcBef>
+                <a:spcPct val="20000"/>
+              </a:spcBef>
+              <a:buFont typeface="Arial" pitchFamily="34" charset="0"/>
+              <a:buChar char="•"/>
+              <a:defRPr sz="2400" kern="1200">
+                <a:solidFill>
+                  <a:schemeClr val="tx1"/>
+                </a:solidFill>
+                <a:latin typeface="+mn-lt"/>
+                <a:ea typeface="+mn-ea"/>
+                <a:cs typeface="+mn-cs"/>
+              </a:defRPr>
+            </a:lvl3pPr>
+            <a:lvl4pPr marL="1600200" indent="-228600" algn="l" defTabSz="914400" rtl="0" eaLnBrk="1" latinLnBrk="0" hangingPunct="1">
+              <a:spcBef>
+                <a:spcPct val="20000"/>
+              </a:spcBef>
+              <a:buFont typeface="Arial" pitchFamily="34" charset="0"/>
+              <a:buChar char="–"/>
+              <a:defRPr sz="2000" kern="1200">
+                <a:solidFill>
+                  <a:schemeClr val="tx1"/>
+                </a:solidFill>
+                <a:latin typeface="+mn-lt"/>
+                <a:ea typeface="+mn-ea"/>
+                <a:cs typeface="+mn-cs"/>
+              </a:defRPr>
+            </a:lvl4pPr>
+            <a:lvl5pPr marL="2057400" indent="-228600" algn="l" defTabSz="914400" rtl="0" eaLnBrk="1" latinLnBrk="0" hangingPunct="1">
+              <a:spcBef>
+                <a:spcPct val="20000"/>
+              </a:spcBef>
+              <a:buFont typeface="Arial" pitchFamily="34" charset="0"/>
+              <a:buChar char="»"/>
+              <a:defRPr sz="2000" kern="1200">
+                <a:solidFill>
+                  <a:schemeClr val="tx1"/>
+                </a:solidFill>
+                <a:latin typeface="+mn-lt"/>
+                <a:ea typeface="+mn-ea"/>
+                <a:cs typeface="+mn-cs"/>
+              </a:defRPr>
+            </a:lvl5pPr>
+            <a:lvl6pPr marL="2514600" indent="-228600" algn="l" defTabSz="914400" rtl="0" eaLnBrk="1" latinLnBrk="0" hangingPunct="1">
+              <a:spcBef>
+                <a:spcPct val="20000"/>
+              </a:spcBef>
+              <a:buFont typeface="Arial" pitchFamily="34" charset="0"/>
+              <a:buChar char="•"/>
+              <a:defRPr sz="2000" kern="1200">
+                <a:solidFill>
+                  <a:schemeClr val="tx1"/>
+                </a:solidFill>
+                <a:latin typeface="+mn-lt"/>
+                <a:ea typeface="+mn-ea"/>
+                <a:cs typeface="+mn-cs"/>
+              </a:defRPr>
+            </a:lvl6pPr>
+            <a:lvl7pPr marL="2971800" indent="-228600" algn="l" defTabSz="914400" rtl="0" eaLnBrk="1" latinLnBrk="0" hangingPunct="1">
+              <a:spcBef>
+                <a:spcPct val="20000"/>
+              </a:spcBef>
+              <a:buFont typeface="Arial" pitchFamily="34" charset="0"/>
+              <a:buChar char="•"/>
+              <a:defRPr sz="2000" kern="1200">
+                <a:solidFill>
+                  <a:schemeClr val="tx1"/>
+                </a:solidFill>
+                <a:latin typeface="+mn-lt"/>
+                <a:ea typeface="+mn-ea"/>
+                <a:cs typeface="+mn-cs"/>
+              </a:defRPr>
+            </a:lvl7pPr>
+            <a:lvl8pPr marL="3429000" indent="-228600" algn="l" defTabSz="914400" rtl="0" eaLnBrk="1" latinLnBrk="0" hangingPunct="1">
+              <a:spcBef>
+                <a:spcPct val="20000"/>
+              </a:spcBef>
+              <a:buFont typeface="Arial" pitchFamily="34" charset="0"/>
+              <a:buChar char="•"/>
+              <a:defRPr sz="2000" kern="1200">
+                <a:solidFill>
+                  <a:schemeClr val="tx1"/>
+                </a:solidFill>
+                <a:latin typeface="+mn-lt"/>
+                <a:ea typeface="+mn-ea"/>
+                <a:cs typeface="+mn-cs"/>
+              </a:defRPr>
+            </a:lvl8pPr>
+            <a:lvl9pPr marL="3886200" indent="-228600" algn="l" defTabSz="914400" rtl="0" eaLnBrk="1" latinLnBrk="0" hangingPunct="1">
+              <a:spcBef>
+                <a:spcPct val="20000"/>
+              </a:spcBef>
+              <a:buFont typeface="Arial" pitchFamily="34" charset="0"/>
+              <a:buChar char="•"/>
+              <a:defRPr sz="2000" kern="1200">
+                <a:solidFill>
+                  <a:schemeClr val="tx1"/>
+                </a:solidFill>
+                <a:latin typeface="+mn-lt"/>
+                <a:ea typeface="+mn-ea"/>
+                <a:cs typeface="+mn-cs"/>
+              </a:defRPr>
+            </a:lvl9pPr>
+          </a:lstStyle>
+          <a:p>
+            <a:pPr algn="l"/>
+            <a:r>
+              <a:rPr lang="fr-FR" sz="2000" dirty="0" smtClean="0"/>
+              <a:t>Planning final</a:t>
+            </a:r>
+            <a:endParaRPr lang="fr-FR" sz="2000" dirty="0"/>
           </a:p>
         </p:txBody>
       </p:sp>
       <p:sp>
         <p:nvSpPr>
-          <p:cNvPr id="4" name="Espace réservé du texte 3"/>
-          <p:cNvSpPr>
-            <a:spLocks noGrp="1"/>
-          </p:cNvSpPr>
-          <p:nvPr>
-            <p:ph type="body" sz="quarter" idx="13"/>
-          </p:nvPr>
+          <p:cNvPr id="8" name="ZoneTexte 7"/>
+          <p:cNvSpPr txBox="1"/>
+          <p:nvPr/>
         </p:nvSpPr>
         <p:spPr>
           <a:xfrm>
-            <a:off x="1907704" y="430682"/>
-            <a:ext cx="4608512" cy="423109"/>
+            <a:off x="107504" y="6447133"/>
+            <a:ext cx="301686" cy="369332"/>
           </a:xfrm>
+          <a:prstGeom prst="rect">
+            <a:avLst/>
+          </a:prstGeom>
+          <a:noFill/>
         </p:spPr>
         <p:txBody>
-          <a:bodyPr/>
+          <a:bodyPr wrap="none" rtlCol="0">
+            <a:spAutoFit/>
+          </a:bodyPr>
           <a:lstStyle/>
           <a:p>
-            <a:pPr algn="l"/>
             <a:r>
-              <a:rPr lang="fr-FR" sz="3200" dirty="0" smtClean="0"/>
-              <a:t>4 – Réalisation et tests</a:t>
+              <a:rPr lang="fr-FR" dirty="0"/>
+              <a:t>7</a:t>
             </a:r>
-            <a:endParaRPr lang="fr-FR" sz="3200" dirty="0"/>
+            <a:endParaRPr lang="fr-FR" dirty="0"/>
           </a:p>
         </p:txBody>
       </p:sp>
     </p:spTree>
     <p:extLst>
       <p:ext uri="{BB962C8B-B14F-4D97-AF65-F5344CB8AC3E}">
-        <p14:creationId xmlns:p14="http://schemas.microsoft.com/office/powerpoint/2010/main" val="1356489485"/>
+        <p14:creationId xmlns:p14="http://schemas.microsoft.com/office/powerpoint/2010/main" val="831110433"/>
       </p:ext>
     </p:extLst>
   </p:cSld>
   <p:clrMapOvr>
     <a:masterClrMapping/>
   </p:clrMapOvr>
+  <mc:AlternateContent xmlns:mc="http://schemas.openxmlformats.org/markup-compatibility/2006">
+    <mc:Choice xmlns:p14="http://schemas.microsoft.com/office/powerpoint/2010/main" Requires="p14">
+      <p:transition p14:dur="0"/>
+    </mc:Choice>
+    <mc:Fallback>
+      <p:transition/>
+    </mc:Fallback>
+  </mc:AlternateContent>
+  <p:timing>
+    <p:tnLst>
+      <p:par>
+        <p:cTn id="1" dur="indefinite" restart="never" nodeType="tmRoot"/>
+      </p:par>
+    </p:tnLst>
+  </p:timing>
 </p:sld>
 </file>
 
@@ -6547,49 +12193,100 @@
           <a:bodyPr/>
           <a:lstStyle/>
           <a:p>
-            <a:endParaRPr lang="fr-FR"/>
+            <a:endParaRPr lang="fr-FR" dirty="0"/>
           </a:p>
         </p:txBody>
       </p:sp>
       <p:sp>
         <p:nvSpPr>
-          <p:cNvPr id="4" name="Espace réservé du texte 3"/>
-          <p:cNvSpPr>
-            <a:spLocks noGrp="1"/>
-          </p:cNvSpPr>
-          <p:nvPr>
-            <p:ph type="body" sz="quarter" idx="13"/>
-          </p:nvPr>
+          <p:cNvPr id="5" name="ZoneTexte 4"/>
+          <p:cNvSpPr txBox="1"/>
+          <p:nvPr/>
         </p:nvSpPr>
         <p:spPr>
           <a:xfrm>
-            <a:off x="1907704" y="430682"/>
-            <a:ext cx="4608512" cy="423109"/>
+            <a:off x="0" y="2564904"/>
+            <a:ext cx="9144000" cy="1200329"/>
           </a:xfrm>
+          <a:prstGeom prst="rect">
+            <a:avLst/>
+          </a:prstGeom>
+          <a:noFill/>
         </p:spPr>
         <p:txBody>
-          <a:bodyPr/>
+          <a:bodyPr wrap="square" rtlCol="0">
+            <a:spAutoFit/>
+          </a:bodyPr>
           <a:lstStyle/>
           <a:p>
-            <a:pPr algn="l"/>
+            <a:pPr algn="ctr"/>
             <a:r>
-              <a:rPr lang="fr-FR" sz="3200" dirty="0" smtClean="0"/>
-              <a:t>5 – Conclusion</a:t>
+              <a:rPr lang="fr-FR" sz="5400" b="1" u="sng" dirty="0" smtClean="0"/>
+              <a:t>3 – Conception</a:t>
             </a:r>
-            <a:endParaRPr lang="fr-FR" sz="3200" dirty="0"/>
+            <a:endParaRPr lang="fr-FR" sz="5400" b="1" u="sng" dirty="0"/>
+          </a:p>
+          <a:p>
+            <a:pPr algn="ctr"/>
+            <a:endParaRPr lang="fr-FR" dirty="0"/>
+          </a:p>
+        </p:txBody>
+      </p:sp>
+      <p:sp>
+        <p:nvSpPr>
+          <p:cNvPr id="2" name="ZoneTexte 1"/>
+          <p:cNvSpPr txBox="1"/>
+          <p:nvPr/>
+        </p:nvSpPr>
+        <p:spPr>
+          <a:xfrm>
+            <a:off x="107504" y="6447133"/>
+            <a:ext cx="301686" cy="369332"/>
+          </a:xfrm>
+          <a:prstGeom prst="rect">
+            <a:avLst/>
+          </a:prstGeom>
+          <a:noFill/>
+        </p:spPr>
+        <p:txBody>
+          <a:bodyPr wrap="none" rtlCol="0">
+            <a:spAutoFit/>
+          </a:bodyPr>
+          <a:lstStyle/>
+          <a:p>
+            <a:r>
+              <a:rPr lang="fr-FR" dirty="0"/>
+              <a:t>8</a:t>
+            </a:r>
+            <a:endParaRPr lang="fr-FR" dirty="0"/>
           </a:p>
         </p:txBody>
       </p:sp>
     </p:spTree>
     <p:extLst>
       <p:ext uri="{BB962C8B-B14F-4D97-AF65-F5344CB8AC3E}">
-        <p14:creationId xmlns:p14="http://schemas.microsoft.com/office/powerpoint/2010/main" val="1628038975"/>
+        <p14:creationId xmlns:p14="http://schemas.microsoft.com/office/powerpoint/2010/main" val="2410038814"/>
       </p:ext>
     </p:extLst>
   </p:cSld>
   <p:clrMapOvr>
     <a:masterClrMapping/>
   </p:clrMapOvr>
+  <mc:AlternateContent xmlns:mc="http://schemas.openxmlformats.org/markup-compatibility/2006">
+    <mc:Choice xmlns:p14="http://schemas.microsoft.com/office/powerpoint/2010/main" Requires="p14">
+      <p:transition p14:dur="0"/>
+    </mc:Choice>
+    <mc:Fallback>
+      <p:transition/>
+    </mc:Fallback>
+  </mc:AlternateContent>
+  <p:timing>
+    <p:tnLst>
+      <p:par>
+        <p:cTn id="1" dur="indefinite" restart="never" nodeType="tmRoot"/>
+      </p:par>
+    </p:tnLst>
+  </p:timing>
 </p:sld>
 </file>
 

--- a/Diapo_soutenance.pptx
+++ b/Diapo_soutenance.pptx
@@ -5,38 +5,40 @@
     <p:sldMasterId id="2147483651" r:id="rId1"/>
   </p:sldMasterIdLst>
   <p:notesMasterIdLst>
-    <p:notesMasterId r:id="rId28"/>
+    <p:notesMasterId r:id="rId30"/>
   </p:notesMasterIdLst>
   <p:handoutMasterIdLst>
-    <p:handoutMasterId r:id="rId29"/>
+    <p:handoutMasterId r:id="rId31"/>
   </p:handoutMasterIdLst>
   <p:sldIdLst>
     <p:sldId id="287" r:id="rId2"/>
     <p:sldId id="278" r:id="rId3"/>
     <p:sldId id="288" r:id="rId4"/>
-    <p:sldId id="309" r:id="rId5"/>
-    <p:sldId id="311" r:id="rId6"/>
-    <p:sldId id="289" r:id="rId7"/>
-    <p:sldId id="310" r:id="rId8"/>
-    <p:sldId id="312" r:id="rId9"/>
-    <p:sldId id="290" r:id="rId10"/>
-    <p:sldId id="292" r:id="rId11"/>
-    <p:sldId id="293" r:id="rId12"/>
-    <p:sldId id="294" r:id="rId13"/>
-    <p:sldId id="295" r:id="rId14"/>
-    <p:sldId id="296" r:id="rId15"/>
-    <p:sldId id="298" r:id="rId16"/>
-    <p:sldId id="297" r:id="rId17"/>
-    <p:sldId id="299" r:id="rId18"/>
-    <p:sldId id="306" r:id="rId19"/>
-    <p:sldId id="300" r:id="rId20"/>
-    <p:sldId id="301" r:id="rId21"/>
-    <p:sldId id="307" r:id="rId22"/>
-    <p:sldId id="308" r:id="rId23"/>
-    <p:sldId id="302" r:id="rId24"/>
-    <p:sldId id="303" r:id="rId25"/>
-    <p:sldId id="304" r:id="rId26"/>
-    <p:sldId id="305" r:id="rId27"/>
+    <p:sldId id="313" r:id="rId5"/>
+    <p:sldId id="316" r:id="rId6"/>
+    <p:sldId id="314" r:id="rId7"/>
+    <p:sldId id="315" r:id="rId8"/>
+    <p:sldId id="289" r:id="rId9"/>
+    <p:sldId id="320" r:id="rId10"/>
+    <p:sldId id="290" r:id="rId11"/>
+    <p:sldId id="319" r:id="rId12"/>
+    <p:sldId id="293" r:id="rId13"/>
+    <p:sldId id="294" r:id="rId14"/>
+    <p:sldId id="295" r:id="rId15"/>
+    <p:sldId id="296" r:id="rId16"/>
+    <p:sldId id="298" r:id="rId17"/>
+    <p:sldId id="318" r:id="rId18"/>
+    <p:sldId id="299" r:id="rId19"/>
+    <p:sldId id="306" r:id="rId20"/>
+    <p:sldId id="300" r:id="rId21"/>
+    <p:sldId id="301" r:id="rId22"/>
+    <p:sldId id="307" r:id="rId23"/>
+    <p:sldId id="308" r:id="rId24"/>
+    <p:sldId id="302" r:id="rId25"/>
+    <p:sldId id="303" r:id="rId26"/>
+    <p:sldId id="317" r:id="rId27"/>
+    <p:sldId id="304" r:id="rId28"/>
+    <p:sldId id="305" r:id="rId29"/>
   </p:sldIdLst>
   <p:sldSz cx="9144000" cy="6858000" type="screen4x3"/>
   <p:notesSz cx="6858000" cy="9144000"/>
@@ -143,19 +145,20 @@
             <p14:sldId id="287"/>
             <p14:sldId id="278"/>
             <p14:sldId id="288"/>
-            <p14:sldId id="309"/>
-            <p14:sldId id="311"/>
+            <p14:sldId id="313"/>
+            <p14:sldId id="316"/>
+            <p14:sldId id="314"/>
+            <p14:sldId id="315"/>
             <p14:sldId id="289"/>
-            <p14:sldId id="310"/>
-            <p14:sldId id="312"/>
+            <p14:sldId id="320"/>
             <p14:sldId id="290"/>
-            <p14:sldId id="292"/>
+            <p14:sldId id="319"/>
             <p14:sldId id="293"/>
             <p14:sldId id="294"/>
             <p14:sldId id="295"/>
             <p14:sldId id="296"/>
             <p14:sldId id="298"/>
-            <p14:sldId id="297"/>
+            <p14:sldId id="318"/>
             <p14:sldId id="299"/>
             <p14:sldId id="306"/>
             <p14:sldId id="300"/>
@@ -164,6 +167,7 @@
             <p14:sldId id="308"/>
             <p14:sldId id="302"/>
             <p14:sldId id="303"/>
+            <p14:sldId id="317"/>
             <p14:sldId id="304"/>
             <p14:sldId id="305"/>
           </p14:sldIdLst>
@@ -875,7 +879,7 @@
     </p:spTree>
     <p:extLst>
       <p:ext uri="{BB962C8B-B14F-4D97-AF65-F5344CB8AC3E}">
-        <p14:creationId xmlns:p14="http://schemas.microsoft.com/office/powerpoint/2010/main" val="2404646390"/>
+        <p14:creationId xmlns:p14="http://schemas.microsoft.com/office/powerpoint/2010/main" val="4145956165"/>
       </p:ext>
     </p:extLst>
   </p:cSld>
@@ -959,7 +963,175 @@
     </p:spTree>
     <p:extLst>
       <p:ext uri="{BB962C8B-B14F-4D97-AF65-F5344CB8AC3E}">
-        <p14:creationId xmlns:p14="http://schemas.microsoft.com/office/powerpoint/2010/main" val="278880159"/>
+        <p14:creationId xmlns:p14="http://schemas.microsoft.com/office/powerpoint/2010/main" val="4106418873"/>
+      </p:ext>
+    </p:extLst>
+  </p:cSld>
+  <p:clrMapOvr>
+    <a:masterClrMapping/>
+  </p:clrMapOvr>
+</p:notes>
+</file>
+
+<file path=ppt/notesSlides/notesSlide4.xml><?xml version="1.0" encoding="utf-8"?>
+<p:notes xmlns:a="http://schemas.openxmlformats.org/drawingml/2006/main" xmlns:r="http://schemas.openxmlformats.org/officeDocument/2006/relationships" xmlns:p="http://schemas.openxmlformats.org/presentationml/2006/main">
+  <p:cSld>
+    <p:spTree>
+      <p:nvGrpSpPr>
+        <p:cNvPr id="1" name=""/>
+        <p:cNvGrpSpPr/>
+        <p:nvPr/>
+      </p:nvGrpSpPr>
+      <p:grpSpPr>
+        <a:xfrm>
+          <a:off x="0" y="0"/>
+          <a:ext cx="0" cy="0"/>
+          <a:chOff x="0" y="0"/>
+          <a:chExt cx="0" cy="0"/>
+        </a:xfrm>
+      </p:grpSpPr>
+      <p:sp>
+        <p:nvSpPr>
+          <p:cNvPr id="2" name="Espace réservé de l'image des diapositives 1"/>
+          <p:cNvSpPr>
+            <a:spLocks noGrp="1" noRot="1" noChangeAspect="1"/>
+          </p:cNvSpPr>
+          <p:nvPr>
+            <p:ph type="sldImg"/>
+          </p:nvPr>
+        </p:nvSpPr>
+        <p:spPr/>
+      </p:sp>
+      <p:sp>
+        <p:nvSpPr>
+          <p:cNvPr id="3" name="Espace réservé des notes 2"/>
+          <p:cNvSpPr>
+            <a:spLocks noGrp="1"/>
+          </p:cNvSpPr>
+          <p:nvPr>
+            <p:ph type="body" idx="1"/>
+          </p:nvPr>
+        </p:nvSpPr>
+        <p:spPr/>
+        <p:txBody>
+          <a:bodyPr/>
+          <a:lstStyle/>
+          <a:p>
+            <a:endParaRPr lang="fr-FR" dirty="0"/>
+          </a:p>
+        </p:txBody>
+      </p:sp>
+      <p:sp>
+        <p:nvSpPr>
+          <p:cNvPr id="4" name="Espace réservé du numéro de diapositive 3"/>
+          <p:cNvSpPr>
+            <a:spLocks noGrp="1"/>
+          </p:cNvSpPr>
+          <p:nvPr>
+            <p:ph type="sldNum" sz="quarter" idx="10"/>
+          </p:nvPr>
+        </p:nvSpPr>
+        <p:spPr/>
+        <p:txBody>
+          <a:bodyPr/>
+          <a:lstStyle/>
+          <a:p>
+            <a:fld id="{C591C018-655D-44EC-B865-EFE2E25980DA}" type="slidenum">
+              <a:rPr lang="fr-FR" smtClean="0"/>
+              <a:t>6</a:t>
+            </a:fld>
+            <a:endParaRPr lang="fr-FR"/>
+          </a:p>
+        </p:txBody>
+      </p:sp>
+    </p:spTree>
+    <p:extLst>
+      <p:ext uri="{BB962C8B-B14F-4D97-AF65-F5344CB8AC3E}">
+        <p14:creationId xmlns:p14="http://schemas.microsoft.com/office/powerpoint/2010/main" val="306817625"/>
+      </p:ext>
+    </p:extLst>
+  </p:cSld>
+  <p:clrMapOvr>
+    <a:masterClrMapping/>
+  </p:clrMapOvr>
+</p:notes>
+</file>
+
+<file path=ppt/notesSlides/notesSlide5.xml><?xml version="1.0" encoding="utf-8"?>
+<p:notes xmlns:a="http://schemas.openxmlformats.org/drawingml/2006/main" xmlns:r="http://schemas.openxmlformats.org/officeDocument/2006/relationships" xmlns:p="http://schemas.openxmlformats.org/presentationml/2006/main">
+  <p:cSld>
+    <p:spTree>
+      <p:nvGrpSpPr>
+        <p:cNvPr id="1" name=""/>
+        <p:cNvGrpSpPr/>
+        <p:nvPr/>
+      </p:nvGrpSpPr>
+      <p:grpSpPr>
+        <a:xfrm>
+          <a:off x="0" y="0"/>
+          <a:ext cx="0" cy="0"/>
+          <a:chOff x="0" y="0"/>
+          <a:chExt cx="0" cy="0"/>
+        </a:xfrm>
+      </p:grpSpPr>
+      <p:sp>
+        <p:nvSpPr>
+          <p:cNvPr id="2" name="Espace réservé de l'image des diapositives 1"/>
+          <p:cNvSpPr>
+            <a:spLocks noGrp="1" noRot="1" noChangeAspect="1"/>
+          </p:cNvSpPr>
+          <p:nvPr>
+            <p:ph type="sldImg"/>
+          </p:nvPr>
+        </p:nvSpPr>
+        <p:spPr/>
+      </p:sp>
+      <p:sp>
+        <p:nvSpPr>
+          <p:cNvPr id="3" name="Espace réservé des notes 2"/>
+          <p:cNvSpPr>
+            <a:spLocks noGrp="1"/>
+          </p:cNvSpPr>
+          <p:nvPr>
+            <p:ph type="body" idx="1"/>
+          </p:nvPr>
+        </p:nvSpPr>
+        <p:spPr/>
+        <p:txBody>
+          <a:bodyPr/>
+          <a:lstStyle/>
+          <a:p>
+            <a:endParaRPr lang="fr-FR" dirty="0"/>
+          </a:p>
+        </p:txBody>
+      </p:sp>
+      <p:sp>
+        <p:nvSpPr>
+          <p:cNvPr id="4" name="Espace réservé du numéro de diapositive 3"/>
+          <p:cNvSpPr>
+            <a:spLocks noGrp="1"/>
+          </p:cNvSpPr>
+          <p:nvPr>
+            <p:ph type="sldNum" sz="quarter" idx="10"/>
+          </p:nvPr>
+        </p:nvSpPr>
+        <p:spPr/>
+        <p:txBody>
+          <a:bodyPr/>
+          <a:lstStyle/>
+          <a:p>
+            <a:fld id="{C591C018-655D-44EC-B865-EFE2E25980DA}" type="slidenum">
+              <a:rPr lang="fr-FR" smtClean="0"/>
+              <a:t>7</a:t>
+            </a:fld>
+            <a:endParaRPr lang="fr-FR"/>
+          </a:p>
+        </p:txBody>
+      </p:sp>
+    </p:spTree>
+    <p:extLst>
+      <p:ext uri="{BB962C8B-B14F-4D97-AF65-F5344CB8AC3E}">
+        <p14:creationId xmlns:p14="http://schemas.microsoft.com/office/powerpoint/2010/main" val="1706920560"/>
       </p:ext>
     </p:extLst>
   </p:cSld>
@@ -3710,6 +3882,135 @@
           <a:bodyPr/>
           <a:lstStyle/>
           <a:p>
+            <a:endParaRPr lang="fr-FR" dirty="0"/>
+          </a:p>
+        </p:txBody>
+      </p:sp>
+      <p:sp>
+        <p:nvSpPr>
+          <p:cNvPr id="5" name="ZoneTexte 4"/>
+          <p:cNvSpPr txBox="1"/>
+          <p:nvPr/>
+        </p:nvSpPr>
+        <p:spPr>
+          <a:xfrm>
+            <a:off x="0" y="2564904"/>
+            <a:ext cx="9144000" cy="1200329"/>
+          </a:xfrm>
+          <a:prstGeom prst="rect">
+            <a:avLst/>
+          </a:prstGeom>
+          <a:noFill/>
+        </p:spPr>
+        <p:txBody>
+          <a:bodyPr wrap="square" rtlCol="0">
+            <a:spAutoFit/>
+          </a:bodyPr>
+          <a:lstStyle/>
+          <a:p>
+            <a:pPr algn="ctr"/>
+            <a:r>
+              <a:rPr lang="fr-FR" sz="5400" b="1" u="sng" dirty="0" smtClean="0"/>
+              <a:t>3 – Conception</a:t>
+            </a:r>
+            <a:endParaRPr lang="fr-FR" sz="5400" b="1" u="sng" dirty="0"/>
+          </a:p>
+          <a:p>
+            <a:pPr algn="ctr"/>
+            <a:endParaRPr lang="fr-FR" dirty="0"/>
+          </a:p>
+        </p:txBody>
+      </p:sp>
+      <p:sp>
+        <p:nvSpPr>
+          <p:cNvPr id="2" name="ZoneTexte 1"/>
+          <p:cNvSpPr txBox="1"/>
+          <p:nvPr/>
+        </p:nvSpPr>
+        <p:spPr>
+          <a:xfrm>
+            <a:off x="107504" y="6447133"/>
+            <a:ext cx="301686" cy="369332"/>
+          </a:xfrm>
+          <a:prstGeom prst="rect">
+            <a:avLst/>
+          </a:prstGeom>
+          <a:noFill/>
+        </p:spPr>
+        <p:txBody>
+          <a:bodyPr wrap="none" rtlCol="0">
+            <a:spAutoFit/>
+          </a:bodyPr>
+          <a:lstStyle/>
+          <a:p>
+            <a:r>
+              <a:rPr lang="fr-FR" dirty="0" smtClean="0"/>
+              <a:t>9</a:t>
+            </a:r>
+            <a:endParaRPr lang="fr-FR" dirty="0"/>
+          </a:p>
+        </p:txBody>
+      </p:sp>
+    </p:spTree>
+    <p:extLst>
+      <p:ext uri="{BB962C8B-B14F-4D97-AF65-F5344CB8AC3E}">
+        <p14:creationId xmlns:p14="http://schemas.microsoft.com/office/powerpoint/2010/main" val="2410038814"/>
+      </p:ext>
+    </p:extLst>
+  </p:cSld>
+  <p:clrMapOvr>
+    <a:masterClrMapping/>
+  </p:clrMapOvr>
+  <mc:AlternateContent xmlns:mc="http://schemas.openxmlformats.org/markup-compatibility/2006">
+    <mc:Choice xmlns:p14="http://schemas.microsoft.com/office/powerpoint/2010/main" Requires="p14">
+      <p:transition p14:dur="0"/>
+    </mc:Choice>
+    <mc:Fallback>
+      <p:transition/>
+    </mc:Fallback>
+  </mc:AlternateContent>
+  <p:timing>
+    <p:tnLst>
+      <p:par>
+        <p:cTn id="1" dur="indefinite" restart="never" nodeType="tmRoot"/>
+      </p:par>
+    </p:tnLst>
+  </p:timing>
+</p:sld>
+</file>
+
+<file path=ppt/slides/slide11.xml><?xml version="1.0" encoding="utf-8"?>
+<p:sld xmlns:a="http://schemas.openxmlformats.org/drawingml/2006/main" xmlns:r="http://schemas.openxmlformats.org/officeDocument/2006/relationships" xmlns:p="http://schemas.openxmlformats.org/presentationml/2006/main">
+  <p:cSld>
+    <p:spTree>
+      <p:nvGrpSpPr>
+        <p:cNvPr id="1" name=""/>
+        <p:cNvGrpSpPr/>
+        <p:nvPr/>
+      </p:nvGrpSpPr>
+      <p:grpSpPr>
+        <a:xfrm>
+          <a:off x="0" y="0"/>
+          <a:ext cx="0" cy="0"/>
+          <a:chOff x="0" y="0"/>
+          <a:chExt cx="0" cy="0"/>
+        </a:xfrm>
+      </p:grpSpPr>
+      <p:sp>
+        <p:nvSpPr>
+          <p:cNvPr id="3" name="Titre 2"/>
+          <p:cNvSpPr>
+            <a:spLocks noGrp="1"/>
+          </p:cNvSpPr>
+          <p:nvPr>
+            <p:ph type="title"/>
+          </p:nvPr>
+        </p:nvSpPr>
+        <p:spPr/>
+        <p:txBody>
+          <a:bodyPr/>
+          <a:lstStyle/>
+          <a:p>
             <a:r>
               <a:rPr lang="fr-FR" dirty="0">
                 <a:solidFill>
@@ -3746,7 +4047,7 @@
         </p:nvSpPr>
         <p:spPr>
           <a:xfrm>
-            <a:off x="1691680" y="188640"/>
+            <a:off x="1691680" y="116632"/>
             <a:ext cx="4608512" cy="423109"/>
           </a:xfrm>
         </p:spPr>
@@ -3769,17 +4070,11 @@
           <p:cNvGraphicFramePr>
             <a:graphicFrameLocks noGrp="1"/>
           </p:cNvGraphicFramePr>
-          <p:nvPr>
-            <p:extLst>
-              <p:ext uri="{D42A27DB-BD31-4B8C-83A1-F6EECF244321}">
-                <p14:modId xmlns:p14="http://schemas.microsoft.com/office/powerpoint/2010/main" val="2660817370"/>
-              </p:ext>
-            </p:extLst>
-          </p:nvPr>
+          <p:nvPr/>
         </p:nvGraphicFramePr>
         <p:xfrm>
           <a:off x="611560" y="1628801"/>
-          <a:ext cx="7903790" cy="4366068"/>
+          <a:ext cx="7903790" cy="4129792"/>
         </p:xfrm>
         <a:graphic>
           <a:graphicData uri="http://schemas.openxmlformats.org/drawingml/2006/table">
@@ -3954,7 +4249,16 @@
                           <a:ea typeface="Times New Roman" panose="02020603050405020304" pitchFamily="18" charset="0"/>
                           <a:cs typeface="Times New Roman" panose="02020603050405020304" pitchFamily="18" charset="0"/>
                         </a:rPr>
-                        <a:t>Type de sortie</a:t>
+                        <a:t>Type</a:t>
+                      </a:r>
+                      <a:r>
+                        <a:rPr lang="fr-FR" sz="1200" baseline="0" dirty="0" smtClean="0">
+                          <a:effectLst/>
+                          <a:latin typeface="Calibri" panose="020F0502020204030204" pitchFamily="34" charset="0"/>
+                          <a:ea typeface="Times New Roman" panose="02020603050405020304" pitchFamily="18" charset="0"/>
+                          <a:cs typeface="Times New Roman" panose="02020603050405020304" pitchFamily="18" charset="0"/>
+                        </a:rPr>
+                        <a:t> de sortie</a:t>
                       </a:r>
                       <a:endParaRPr lang="fr-FR" sz="1200" dirty="0">
                         <a:effectLst/>
@@ -3986,16 +4290,7 @@
                           <a:ea typeface="Times New Roman" panose="02020603050405020304" pitchFamily="18" charset="0"/>
                           <a:cs typeface="Times New Roman" panose="02020603050405020304" pitchFamily="18" charset="0"/>
                         </a:rPr>
-                        <a:t>   </a:t>
-                      </a:r>
-                      <a:r>
-                        <a:rPr lang="fr-FR" sz="1200" smtClean="0">
-                          <a:effectLst/>
-                          <a:latin typeface="Calibri" panose="020F0502020204030204" pitchFamily="34" charset="0"/>
-                          <a:ea typeface="Times New Roman" panose="02020603050405020304" pitchFamily="18" charset="0"/>
-                          <a:cs typeface="Times New Roman" panose="02020603050405020304" pitchFamily="18" charset="0"/>
-                        </a:rPr>
-                        <a:t>Sortie différentielle</a:t>
+                        <a:t>   Sortie différentielle</a:t>
                       </a:r>
                       <a:endParaRPr lang="fr-FR" sz="1200" dirty="0">
                         <a:effectLst/>
@@ -4009,7 +4304,7 @@
                 </a:tc>
                 <a:extLst>
                   <a:ext uri="{0D108BD9-81ED-4DB2-BD59-A6C34878D82A}">
-                    <a16:rowId xmlns:a16="http://schemas.microsoft.com/office/drawing/2014/main" val="3638436834"/>
+                    <a16:rowId xmlns:a16="http://schemas.microsoft.com/office/drawing/2014/main" val="1381483077"/>
                   </a:ext>
                 </a:extLst>
               </a:tr>
@@ -4418,12 +4713,12 @@
                         </a:spcAft>
                       </a:pPr>
                       <a:r>
-                        <a:rPr lang="fr-FR" sz="1200">
+                        <a:rPr lang="fr-FR" sz="1200" dirty="0">
                           <a:effectLst/>
                         </a:rPr>
-                        <a:t>Ondulation sur le signal et stabilité</a:t>
+                        <a:t>THD du sinus de sortie</a:t>
                       </a:r>
-                      <a:endParaRPr lang="fr-FR" sz="1200">
+                      <a:endParaRPr lang="fr-FR" sz="1200" dirty="0">
                         <a:effectLst/>
                         <a:latin typeface="Calibri" panose="020F0502020204030204" pitchFamily="34" charset="0"/>
                         <a:ea typeface="Times New Roman" panose="02020603050405020304" pitchFamily="18" charset="0"/>
@@ -4447,77 +4742,12 @@
                         </a:spcAft>
                       </a:pPr>
                       <a:r>
-                        <a:rPr lang="fr-FR" sz="1200">
-                          <a:effectLst/>
-                        </a:rPr>
-                        <a:t>   Inférieur à 100mV</a:t>
-                      </a:r>
-                      <a:endParaRPr lang="fr-FR" sz="1200">
-                        <a:effectLst/>
-                        <a:latin typeface="Calibri" panose="020F0502020204030204" pitchFamily="34" charset="0"/>
-                        <a:ea typeface="Times New Roman" panose="02020603050405020304" pitchFamily="18" charset="0"/>
-                        <a:cs typeface="Times New Roman" panose="02020603050405020304" pitchFamily="18" charset="0"/>
-                      </a:endParaRPr>
-                    </a:p>
-                  </a:txBody>
-                  <a:tcPr marL="0" marR="0" marT="0" marB="0" anchor="ctr"/>
-                </a:tc>
-                <a:extLst>
-                  <a:ext uri="{0D108BD9-81ED-4DB2-BD59-A6C34878D82A}">
-                    <a16:rowId xmlns:a16="http://schemas.microsoft.com/office/drawing/2014/main" val="1876908056"/>
-                  </a:ext>
-                </a:extLst>
-              </a:tr>
-              <a:tr h="236276">
-                <a:tc>
-                  <a:txBody>
-                    <a:bodyPr/>
-                    <a:lstStyle/>
-                    <a:p>
-                      <a:pPr algn="l">
-                        <a:lnSpc>
-                          <a:spcPts val="1800"/>
-                        </a:lnSpc>
-                        <a:spcAft>
-                          <a:spcPts val="300"/>
-                        </a:spcAft>
-                      </a:pPr>
-                      <a:r>
-                        <a:rPr lang="fr-FR" sz="1200">
-                          <a:effectLst/>
-                        </a:rPr>
-                        <a:t>THD du sinus de sortie</a:t>
-                      </a:r>
-                      <a:endParaRPr lang="fr-FR" sz="1200">
-                        <a:effectLst/>
-                        <a:latin typeface="Calibri" panose="020F0502020204030204" pitchFamily="34" charset="0"/>
-                        <a:ea typeface="Times New Roman" panose="02020603050405020304" pitchFamily="18" charset="0"/>
-                        <a:cs typeface="Times New Roman" panose="02020603050405020304" pitchFamily="18" charset="0"/>
-                      </a:endParaRPr>
-                    </a:p>
-                  </a:txBody>
-                  <a:tcPr marL="0" marR="0" marT="0" marB="0" anchor="ctr"/>
-                </a:tc>
-                <a:tc>
-                  <a:txBody>
-                    <a:bodyPr/>
-                    <a:lstStyle/>
-                    <a:p>
-                      <a:pPr algn="l">
-                        <a:lnSpc>
-                          <a:spcPts val="1800"/>
-                        </a:lnSpc>
-                        <a:spcAft>
-                          <a:spcPts val="300"/>
-                        </a:spcAft>
-                      </a:pPr>
-                      <a:r>
-                        <a:rPr lang="fr-FR" sz="1200">
+                        <a:rPr lang="fr-FR" sz="1200" dirty="0">
                           <a:effectLst/>
                         </a:rPr>
                         <a:t>   Inférieur à 1%</a:t>
                       </a:r>
-                      <a:endParaRPr lang="fr-FR" sz="1200">
+                      <a:endParaRPr lang="fr-FR" sz="1200" dirty="0">
                         <a:effectLst/>
                         <a:latin typeface="Calibri" panose="020F0502020204030204" pitchFamily="34" charset="0"/>
                         <a:ea typeface="Times New Roman" panose="02020603050405020304" pitchFamily="18" charset="0"/>
@@ -4611,7 +4841,7 @@
         <p:spPr>
           <a:xfrm>
             <a:off x="107504" y="6447133"/>
-            <a:ext cx="301686" cy="369332"/>
+            <a:ext cx="418704" cy="369332"/>
           </a:xfrm>
           <a:prstGeom prst="rect">
             <a:avLst/>
@@ -4625,8 +4855,8 @@
           <a:lstStyle/>
           <a:p>
             <a:r>
-              <a:rPr lang="fr-FR" dirty="0"/>
-              <a:t>9</a:t>
+              <a:rPr lang="fr-FR" dirty="0" smtClean="0"/>
+              <a:t>10</a:t>
             </a:r>
             <a:endParaRPr lang="fr-FR" dirty="0"/>
           </a:p>
@@ -4635,7 +4865,7 @@
     </p:spTree>
     <p:extLst>
       <p:ext uri="{BB962C8B-B14F-4D97-AF65-F5344CB8AC3E}">
-        <p14:creationId xmlns:p14="http://schemas.microsoft.com/office/powerpoint/2010/main" val="2563821984"/>
+        <p14:creationId xmlns:p14="http://schemas.microsoft.com/office/powerpoint/2010/main" val="460106019"/>
       </p:ext>
     </p:extLst>
   </p:cSld>
@@ -4660,7 +4890,7 @@
 </p:sld>
 </file>
 
-<file path=ppt/slides/slide11.xml><?xml version="1.0" encoding="utf-8"?>
+<file path=ppt/slides/slide12.xml><?xml version="1.0" encoding="utf-8"?>
 <p:sld xmlns:a="http://schemas.openxmlformats.org/drawingml/2006/main" xmlns:r="http://schemas.openxmlformats.org/officeDocument/2006/relationships" xmlns:p="http://schemas.openxmlformats.org/presentationml/2006/main">
   <p:cSld>
     <p:spTree>
@@ -5626,7 +5856,7 @@
           <a:p>
             <a:r>
               <a:rPr lang="fr-FR" dirty="0" smtClean="0"/>
-              <a:t>10</a:t>
+              <a:t>11</a:t>
             </a:r>
             <a:endParaRPr lang="fr-FR" dirty="0"/>
           </a:p>
@@ -5660,7 +5890,7 @@
 </p:sld>
 </file>
 
-<file path=ppt/slides/slide12.xml><?xml version="1.0" encoding="utf-8"?>
+<file path=ppt/slides/slide13.xml><?xml version="1.0" encoding="utf-8"?>
 <p:sld xmlns:a="http://schemas.openxmlformats.org/drawingml/2006/main" xmlns:r="http://schemas.openxmlformats.org/officeDocument/2006/relationships" xmlns:p="http://schemas.openxmlformats.org/presentationml/2006/main">
   <p:cSld>
     <p:spTree>
@@ -5797,7 +6027,7 @@
           <a:p>
             <a:r>
               <a:rPr lang="fr-FR" dirty="0" smtClean="0"/>
-              <a:t>11</a:t>
+              <a:t>12</a:t>
             </a:r>
             <a:endParaRPr lang="fr-FR" dirty="0"/>
           </a:p>
@@ -5831,7 +6061,7 @@
 </p:sld>
 </file>
 
-<file path=ppt/slides/slide13.xml><?xml version="1.0" encoding="utf-8"?>
+<file path=ppt/slides/slide14.xml><?xml version="1.0" encoding="utf-8"?>
 <p:sld xmlns:a="http://schemas.openxmlformats.org/drawingml/2006/main" xmlns:r="http://schemas.openxmlformats.org/officeDocument/2006/relationships" xmlns:p="http://schemas.openxmlformats.org/presentationml/2006/main">
   <p:cSld>
     <p:spTree>
@@ -5972,7 +6202,7 @@
           <a:p>
             <a:r>
               <a:rPr lang="fr-FR" dirty="0" smtClean="0"/>
-              <a:t>12</a:t>
+              <a:t>13</a:t>
             </a:r>
             <a:endParaRPr lang="fr-FR" dirty="0"/>
           </a:p>
@@ -6006,7 +6236,7 @@
 </p:sld>
 </file>
 
-<file path=ppt/slides/slide14.xml><?xml version="1.0" encoding="utf-8"?>
+<file path=ppt/slides/slide15.xml><?xml version="1.0" encoding="utf-8"?>
 <p:sld xmlns:a="http://schemas.openxmlformats.org/drawingml/2006/main" xmlns:r="http://schemas.openxmlformats.org/officeDocument/2006/relationships" xmlns:p="http://schemas.openxmlformats.org/presentationml/2006/main">
   <p:cSld>
     <p:spTree>
@@ -6139,7 +6369,7 @@
           <a:p>
             <a:r>
               <a:rPr lang="fr-FR" dirty="0" smtClean="0"/>
-              <a:t>13</a:t>
+              <a:t>14</a:t>
             </a:r>
             <a:endParaRPr lang="fr-FR" dirty="0"/>
           </a:p>
@@ -6173,7 +6403,7 @@
 </p:sld>
 </file>
 
-<file path=ppt/slides/slide15.xml><?xml version="1.0" encoding="utf-8"?>
+<file path=ppt/slides/slide16.xml><?xml version="1.0" encoding="utf-8"?>
 <p:sld xmlns:a="http://schemas.openxmlformats.org/drawingml/2006/main" xmlns:r="http://schemas.openxmlformats.org/officeDocument/2006/relationships" xmlns:p="http://schemas.openxmlformats.org/presentationml/2006/main">
   <p:cSld>
     <p:spTree>
@@ -6388,7 +6618,7 @@
           <a:p>
             <a:r>
               <a:rPr lang="fr-FR" dirty="0" smtClean="0"/>
-              <a:t>14</a:t>
+              <a:t>15</a:t>
             </a:r>
             <a:endParaRPr lang="fr-FR" dirty="0"/>
           </a:p>
@@ -6398,200 +6628,6 @@
     <p:extLst>
       <p:ext uri="{BB962C8B-B14F-4D97-AF65-F5344CB8AC3E}">
         <p14:creationId xmlns:p14="http://schemas.microsoft.com/office/powerpoint/2010/main" val="3786283787"/>
-      </p:ext>
-    </p:extLst>
-  </p:cSld>
-  <p:clrMapOvr>
-    <a:masterClrMapping/>
-  </p:clrMapOvr>
-  <mc:AlternateContent xmlns:mc="http://schemas.openxmlformats.org/markup-compatibility/2006">
-    <mc:Choice xmlns:p14="http://schemas.microsoft.com/office/powerpoint/2010/main" Requires="p14">
-      <p:transition p14:dur="0"/>
-    </mc:Choice>
-    <mc:Fallback>
-      <p:transition/>
-    </mc:Fallback>
-  </mc:AlternateContent>
-  <p:timing>
-    <p:tnLst>
-      <p:par>
-        <p:cTn id="1" dur="indefinite" restart="never" nodeType="tmRoot"/>
-      </p:par>
-    </p:tnLst>
-  </p:timing>
-</p:sld>
-</file>
-
-<file path=ppt/slides/slide16.xml><?xml version="1.0" encoding="utf-8"?>
-<p:sld xmlns:a="http://schemas.openxmlformats.org/drawingml/2006/main" xmlns:r="http://schemas.openxmlformats.org/officeDocument/2006/relationships" xmlns:p="http://schemas.openxmlformats.org/presentationml/2006/main">
-  <p:cSld>
-    <p:spTree>
-      <p:nvGrpSpPr>
-        <p:cNvPr id="1" name=""/>
-        <p:cNvGrpSpPr/>
-        <p:nvPr/>
-      </p:nvGrpSpPr>
-      <p:grpSpPr>
-        <a:xfrm>
-          <a:off x="0" y="0"/>
-          <a:ext cx="0" cy="0"/>
-          <a:chOff x="0" y="0"/>
-          <a:chExt cx="0" cy="0"/>
-        </a:xfrm>
-      </p:grpSpPr>
-      <p:sp>
-        <p:nvSpPr>
-          <p:cNvPr id="3" name="Titre 2"/>
-          <p:cNvSpPr>
-            <a:spLocks noGrp="1"/>
-          </p:cNvSpPr>
-          <p:nvPr>
-            <p:ph type="title"/>
-          </p:nvPr>
-        </p:nvSpPr>
-        <p:spPr/>
-        <p:txBody>
-          <a:bodyPr/>
-          <a:lstStyle/>
-          <a:p>
-            <a:r>
-              <a:rPr lang="fr-FR" dirty="0">
-                <a:solidFill>
-                  <a:schemeClr val="tx1"/>
-                </a:solidFill>
-              </a:rPr>
-              <a:t>3 - </a:t>
-            </a:r>
-            <a:r>
-              <a:rPr lang="fr-FR" dirty="0" smtClean="0">
-                <a:solidFill>
-                  <a:schemeClr val="tx1"/>
-                </a:solidFill>
-              </a:rPr>
-              <a:t>Conception</a:t>
-            </a:r>
-            <a:endParaRPr lang="fr-FR" dirty="0">
-              <a:solidFill>
-                <a:schemeClr val="tx1"/>
-              </a:solidFill>
-            </a:endParaRPr>
-          </a:p>
-        </p:txBody>
-      </p:sp>
-      <p:sp>
-        <p:nvSpPr>
-          <p:cNvPr id="4" name="Espace réservé du texte 3"/>
-          <p:cNvSpPr>
-            <a:spLocks noGrp="1"/>
-          </p:cNvSpPr>
-          <p:nvPr>
-            <p:ph type="body" sz="quarter" idx="13"/>
-          </p:nvPr>
-        </p:nvSpPr>
-        <p:spPr>
-          <a:xfrm>
-            <a:off x="1691680" y="204847"/>
-            <a:ext cx="4608512" cy="423109"/>
-          </a:xfrm>
-        </p:spPr>
-        <p:txBody>
-          <a:bodyPr/>
-          <a:lstStyle/>
-          <a:p>
-            <a:pPr algn="l"/>
-            <a:r>
-              <a:rPr lang="fr-FR" sz="2000" dirty="0" smtClean="0"/>
-              <a:t>Génération des PWM</a:t>
-            </a:r>
-            <a:endParaRPr lang="fr-FR" sz="2000" dirty="0"/>
-          </a:p>
-        </p:txBody>
-      </p:sp>
-      <p:pic>
-        <p:nvPicPr>
-          <p:cNvPr id="6" name="Image 5"/>
-          <p:cNvPicPr>
-            <a:picLocks noChangeAspect="1"/>
-          </p:cNvPicPr>
-          <p:nvPr/>
-        </p:nvPicPr>
-        <p:blipFill rotWithShape="1">
-          <a:blip r:embed="rId2">
-            <a:extLst>
-              <a:ext uri="{28A0092B-C50C-407E-A947-70E740481C1C}">
-                <a14:useLocalDpi xmlns:a14="http://schemas.microsoft.com/office/drawing/2010/main" val="0"/>
-              </a:ext>
-            </a:extLst>
-          </a:blip>
-          <a:srcRect l="16881" r="-8441"/>
-          <a:stretch/>
-        </p:blipFill>
-        <p:spPr>
-          <a:xfrm>
-            <a:off x="323528" y="1124744"/>
-            <a:ext cx="3124458" cy="5118735"/>
-          </a:xfrm>
-          <a:prstGeom prst="rect">
-            <a:avLst/>
-          </a:prstGeom>
-        </p:spPr>
-      </p:pic>
-      <p:pic>
-        <p:nvPicPr>
-          <p:cNvPr id="7" name="Image 6"/>
-          <p:cNvPicPr/>
-          <p:nvPr/>
-        </p:nvPicPr>
-        <p:blipFill>
-          <a:blip r:embed="rId3"/>
-          <a:stretch>
-            <a:fillRect/>
-          </a:stretch>
-        </p:blipFill>
-        <p:spPr>
-          <a:xfrm>
-            <a:off x="2915816" y="1916832"/>
-            <a:ext cx="6057532" cy="3240360"/>
-          </a:xfrm>
-          <a:prstGeom prst="rect">
-            <a:avLst/>
-          </a:prstGeom>
-        </p:spPr>
-      </p:pic>
-      <p:sp>
-        <p:nvSpPr>
-          <p:cNvPr id="8" name="ZoneTexte 7"/>
-          <p:cNvSpPr txBox="1"/>
-          <p:nvPr/>
-        </p:nvSpPr>
-        <p:spPr>
-          <a:xfrm>
-            <a:off x="107504" y="6447133"/>
-            <a:ext cx="418704" cy="369332"/>
-          </a:xfrm>
-          <a:prstGeom prst="rect">
-            <a:avLst/>
-          </a:prstGeom>
-          <a:noFill/>
-        </p:spPr>
-        <p:txBody>
-          <a:bodyPr wrap="none" rtlCol="0">
-            <a:spAutoFit/>
-          </a:bodyPr>
-          <a:lstStyle/>
-          <a:p>
-            <a:r>
-              <a:rPr lang="fr-FR" dirty="0" smtClean="0"/>
-              <a:t>15</a:t>
-            </a:r>
-            <a:endParaRPr lang="fr-FR" dirty="0"/>
-          </a:p>
-        </p:txBody>
-      </p:sp>
-    </p:spTree>
-    <p:extLst>
-      <p:ext uri="{BB962C8B-B14F-4D97-AF65-F5344CB8AC3E}">
-        <p14:creationId xmlns:p14="http://schemas.microsoft.com/office/powerpoint/2010/main" val="4695646"/>
       </p:ext>
     </p:extLst>
   </p:cSld>
@@ -6684,6 +6720,199 @@
         </p:nvSpPr>
         <p:spPr>
           <a:xfrm>
+            <a:off x="1763688" y="204847"/>
+            <a:ext cx="4608512" cy="423109"/>
+          </a:xfrm>
+        </p:spPr>
+        <p:txBody>
+          <a:bodyPr/>
+          <a:lstStyle/>
+          <a:p>
+            <a:pPr algn="l"/>
+            <a:r>
+              <a:rPr lang="fr-FR" sz="2000" dirty="0" smtClean="0"/>
+              <a:t>Génération des PWM</a:t>
+            </a:r>
+            <a:endParaRPr lang="fr-FR" sz="2000" dirty="0"/>
+          </a:p>
+        </p:txBody>
+      </p:sp>
+      <p:pic>
+        <p:nvPicPr>
+          <p:cNvPr id="6" name="Image 5"/>
+          <p:cNvPicPr>
+            <a:picLocks noChangeAspect="1"/>
+          </p:cNvPicPr>
+          <p:nvPr/>
+        </p:nvPicPr>
+        <p:blipFill rotWithShape="1">
+          <a:blip r:embed="rId2">
+            <a:extLst>
+              <a:ext uri="{28A0092B-C50C-407E-A947-70E740481C1C}">
+                <a14:useLocalDpi xmlns:a14="http://schemas.microsoft.com/office/drawing/2010/main" val="0"/>
+              </a:ext>
+            </a:extLst>
+          </a:blip>
+          <a:srcRect l="16881" r="-8441"/>
+          <a:stretch/>
+        </p:blipFill>
+        <p:spPr>
+          <a:xfrm>
+            <a:off x="1400941" y="932696"/>
+            <a:ext cx="3329353" cy="5336441"/>
+          </a:xfrm>
+          <a:prstGeom prst="rect">
+            <a:avLst/>
+          </a:prstGeom>
+        </p:spPr>
+      </p:pic>
+      <p:pic>
+        <p:nvPicPr>
+          <p:cNvPr id="7" name="Image 6"/>
+          <p:cNvPicPr/>
+          <p:nvPr/>
+        </p:nvPicPr>
+        <p:blipFill rotWithShape="1">
+          <a:blip r:embed="rId3"/>
+          <a:srcRect r="53639"/>
+          <a:stretch/>
+        </p:blipFill>
+        <p:spPr>
+          <a:xfrm>
+            <a:off x="4730294" y="1628800"/>
+            <a:ext cx="3594142" cy="3744416"/>
+          </a:xfrm>
+          <a:prstGeom prst="rect">
+            <a:avLst/>
+          </a:prstGeom>
+        </p:spPr>
+      </p:pic>
+      <p:sp>
+        <p:nvSpPr>
+          <p:cNvPr id="8" name="ZoneTexte 7"/>
+          <p:cNvSpPr txBox="1"/>
+          <p:nvPr/>
+        </p:nvSpPr>
+        <p:spPr>
+          <a:xfrm>
+            <a:off x="107504" y="6447133"/>
+            <a:ext cx="418704" cy="369332"/>
+          </a:xfrm>
+          <a:prstGeom prst="rect">
+            <a:avLst/>
+          </a:prstGeom>
+          <a:noFill/>
+        </p:spPr>
+        <p:txBody>
+          <a:bodyPr wrap="none" rtlCol="0">
+            <a:spAutoFit/>
+          </a:bodyPr>
+          <a:lstStyle/>
+          <a:p>
+            <a:r>
+              <a:rPr lang="fr-FR" dirty="0" smtClean="0"/>
+              <a:t>16</a:t>
+            </a:r>
+            <a:endParaRPr lang="fr-FR" dirty="0"/>
+          </a:p>
+        </p:txBody>
+      </p:sp>
+    </p:spTree>
+    <p:extLst>
+      <p:ext uri="{BB962C8B-B14F-4D97-AF65-F5344CB8AC3E}">
+        <p14:creationId xmlns:p14="http://schemas.microsoft.com/office/powerpoint/2010/main" val="567651475"/>
+      </p:ext>
+    </p:extLst>
+  </p:cSld>
+  <p:clrMapOvr>
+    <a:masterClrMapping/>
+  </p:clrMapOvr>
+  <mc:AlternateContent xmlns:mc="http://schemas.openxmlformats.org/markup-compatibility/2006">
+    <mc:Choice xmlns:p14="http://schemas.microsoft.com/office/powerpoint/2010/main" Requires="p14">
+      <p:transition p14:dur="0"/>
+    </mc:Choice>
+    <mc:Fallback>
+      <p:transition/>
+    </mc:Fallback>
+  </mc:AlternateContent>
+  <p:timing>
+    <p:tnLst>
+      <p:par>
+        <p:cTn id="1" dur="indefinite" restart="never" nodeType="tmRoot"/>
+      </p:par>
+    </p:tnLst>
+  </p:timing>
+</p:sld>
+</file>
+
+<file path=ppt/slides/slide18.xml><?xml version="1.0" encoding="utf-8"?>
+<p:sld xmlns:a="http://schemas.openxmlformats.org/drawingml/2006/main" xmlns:r="http://schemas.openxmlformats.org/officeDocument/2006/relationships" xmlns:p="http://schemas.openxmlformats.org/presentationml/2006/main">
+  <p:cSld>
+    <p:spTree>
+      <p:nvGrpSpPr>
+        <p:cNvPr id="1" name=""/>
+        <p:cNvGrpSpPr/>
+        <p:nvPr/>
+      </p:nvGrpSpPr>
+      <p:grpSpPr>
+        <a:xfrm>
+          <a:off x="0" y="0"/>
+          <a:ext cx="0" cy="0"/>
+          <a:chOff x="0" y="0"/>
+          <a:chExt cx="0" cy="0"/>
+        </a:xfrm>
+      </p:grpSpPr>
+      <p:sp>
+        <p:nvSpPr>
+          <p:cNvPr id="3" name="Titre 2"/>
+          <p:cNvSpPr>
+            <a:spLocks noGrp="1"/>
+          </p:cNvSpPr>
+          <p:nvPr>
+            <p:ph type="title"/>
+          </p:nvPr>
+        </p:nvSpPr>
+        <p:spPr/>
+        <p:txBody>
+          <a:bodyPr/>
+          <a:lstStyle/>
+          <a:p>
+            <a:r>
+              <a:rPr lang="fr-FR" dirty="0">
+                <a:solidFill>
+                  <a:schemeClr val="tx1"/>
+                </a:solidFill>
+              </a:rPr>
+              <a:t>3 - </a:t>
+            </a:r>
+            <a:r>
+              <a:rPr lang="fr-FR" dirty="0" smtClean="0">
+                <a:solidFill>
+                  <a:schemeClr val="tx1"/>
+                </a:solidFill>
+              </a:rPr>
+              <a:t>Conception</a:t>
+            </a:r>
+            <a:endParaRPr lang="fr-FR" dirty="0">
+              <a:solidFill>
+                <a:schemeClr val="tx1"/>
+              </a:solidFill>
+            </a:endParaRPr>
+          </a:p>
+        </p:txBody>
+      </p:sp>
+      <p:sp>
+        <p:nvSpPr>
+          <p:cNvPr id="4" name="Espace réservé du texte 3"/>
+          <p:cNvSpPr>
+            <a:spLocks noGrp="1"/>
+          </p:cNvSpPr>
+          <p:nvPr>
+            <p:ph type="body" sz="quarter" idx="13"/>
+          </p:nvPr>
+        </p:nvSpPr>
+        <p:spPr>
+          <a:xfrm>
             <a:off x="1763688" y="188640"/>
             <a:ext cx="5258658" cy="423109"/>
           </a:xfrm>
@@ -6754,7 +6983,7 @@
           <a:p>
             <a:r>
               <a:rPr lang="fr-FR" dirty="0" smtClean="0"/>
-              <a:t>16</a:t>
+              <a:t>17</a:t>
             </a:r>
             <a:endParaRPr lang="fr-FR" dirty="0"/>
           </a:p>
@@ -6788,7 +7017,7 @@
 </p:sld>
 </file>
 
-<file path=ppt/slides/slide18.xml><?xml version="1.0" encoding="utf-8"?>
+<file path=ppt/slides/slide19.xml><?xml version="1.0" encoding="utf-8"?>
 <p:sld xmlns:a="http://schemas.openxmlformats.org/drawingml/2006/main" xmlns:r="http://schemas.openxmlformats.org/officeDocument/2006/relationships" xmlns:p="http://schemas.openxmlformats.org/presentationml/2006/main">
   <p:cSld>
     <p:spTree>
@@ -6951,7 +7180,7 @@
           <a:p>
             <a:r>
               <a:rPr lang="fr-FR" dirty="0" smtClean="0"/>
-              <a:t>17</a:t>
+              <a:t>18</a:t>
             </a:r>
             <a:endParaRPr lang="fr-FR" dirty="0"/>
           </a:p>
@@ -6961,135 +7190,6 @@
     <p:extLst>
       <p:ext uri="{BB962C8B-B14F-4D97-AF65-F5344CB8AC3E}">
         <p14:creationId xmlns:p14="http://schemas.microsoft.com/office/powerpoint/2010/main" val="1273349928"/>
-      </p:ext>
-    </p:extLst>
-  </p:cSld>
-  <p:clrMapOvr>
-    <a:masterClrMapping/>
-  </p:clrMapOvr>
-  <mc:AlternateContent xmlns:mc="http://schemas.openxmlformats.org/markup-compatibility/2006">
-    <mc:Choice xmlns:p14="http://schemas.microsoft.com/office/powerpoint/2010/main" Requires="p14">
-      <p:transition p14:dur="0"/>
-    </mc:Choice>
-    <mc:Fallback>
-      <p:transition/>
-    </mc:Fallback>
-  </mc:AlternateContent>
-  <p:timing>
-    <p:tnLst>
-      <p:par>
-        <p:cTn id="1" dur="indefinite" restart="never" nodeType="tmRoot"/>
-      </p:par>
-    </p:tnLst>
-  </p:timing>
-</p:sld>
-</file>
-
-<file path=ppt/slides/slide19.xml><?xml version="1.0" encoding="utf-8"?>
-<p:sld xmlns:a="http://schemas.openxmlformats.org/drawingml/2006/main" xmlns:r="http://schemas.openxmlformats.org/officeDocument/2006/relationships" xmlns:p="http://schemas.openxmlformats.org/presentationml/2006/main">
-  <p:cSld>
-    <p:spTree>
-      <p:nvGrpSpPr>
-        <p:cNvPr id="1" name=""/>
-        <p:cNvGrpSpPr/>
-        <p:nvPr/>
-      </p:nvGrpSpPr>
-      <p:grpSpPr>
-        <a:xfrm>
-          <a:off x="0" y="0"/>
-          <a:ext cx="0" cy="0"/>
-          <a:chOff x="0" y="0"/>
-          <a:chExt cx="0" cy="0"/>
-        </a:xfrm>
-      </p:grpSpPr>
-      <p:sp>
-        <p:nvSpPr>
-          <p:cNvPr id="3" name="Titre 2"/>
-          <p:cNvSpPr>
-            <a:spLocks noGrp="1"/>
-          </p:cNvSpPr>
-          <p:nvPr>
-            <p:ph type="title"/>
-          </p:nvPr>
-        </p:nvSpPr>
-        <p:spPr/>
-        <p:txBody>
-          <a:bodyPr/>
-          <a:lstStyle/>
-          <a:p>
-            <a:endParaRPr lang="fr-FR"/>
-          </a:p>
-        </p:txBody>
-      </p:sp>
-      <p:sp>
-        <p:nvSpPr>
-          <p:cNvPr id="5" name="ZoneTexte 4"/>
-          <p:cNvSpPr txBox="1"/>
-          <p:nvPr/>
-        </p:nvSpPr>
-        <p:spPr>
-          <a:xfrm>
-            <a:off x="0" y="2564904"/>
-            <a:ext cx="9144000" cy="1200329"/>
-          </a:xfrm>
-          <a:prstGeom prst="rect">
-            <a:avLst/>
-          </a:prstGeom>
-          <a:noFill/>
-        </p:spPr>
-        <p:txBody>
-          <a:bodyPr wrap="square" rtlCol="0">
-            <a:spAutoFit/>
-          </a:bodyPr>
-          <a:lstStyle/>
-          <a:p>
-            <a:pPr algn="ctr"/>
-            <a:r>
-              <a:rPr lang="fr-FR" sz="5400" b="1" u="sng" dirty="0" smtClean="0"/>
-              <a:t>4 – Réalisation et tests</a:t>
-            </a:r>
-            <a:endParaRPr lang="fr-FR" sz="5400" b="1" u="sng" dirty="0"/>
-          </a:p>
-          <a:p>
-            <a:pPr algn="ctr"/>
-            <a:endParaRPr lang="fr-FR" dirty="0"/>
-          </a:p>
-        </p:txBody>
-      </p:sp>
-      <p:sp>
-        <p:nvSpPr>
-          <p:cNvPr id="4" name="ZoneTexte 3"/>
-          <p:cNvSpPr txBox="1"/>
-          <p:nvPr/>
-        </p:nvSpPr>
-        <p:spPr>
-          <a:xfrm>
-            <a:off x="107504" y="6447133"/>
-            <a:ext cx="418704" cy="369332"/>
-          </a:xfrm>
-          <a:prstGeom prst="rect">
-            <a:avLst/>
-          </a:prstGeom>
-          <a:noFill/>
-        </p:spPr>
-        <p:txBody>
-          <a:bodyPr wrap="none" rtlCol="0">
-            <a:spAutoFit/>
-          </a:bodyPr>
-          <a:lstStyle/>
-          <a:p>
-            <a:r>
-              <a:rPr lang="fr-FR" dirty="0" smtClean="0"/>
-              <a:t>18</a:t>
-            </a:r>
-            <a:endParaRPr lang="fr-FR" dirty="0"/>
-          </a:p>
-        </p:txBody>
-      </p:sp>
-    </p:spTree>
-    <p:extLst>
-      <p:ext uri="{BB962C8B-B14F-4D97-AF65-F5344CB8AC3E}">
-        <p14:creationId xmlns:p14="http://schemas.microsoft.com/office/powerpoint/2010/main" val="3597521064"/>
       </p:ext>
     </p:extLst>
   </p:cSld>
@@ -9397,6 +9497,135 @@
           <a:bodyPr/>
           <a:lstStyle/>
           <a:p>
+            <a:endParaRPr lang="fr-FR"/>
+          </a:p>
+        </p:txBody>
+      </p:sp>
+      <p:sp>
+        <p:nvSpPr>
+          <p:cNvPr id="5" name="ZoneTexte 4"/>
+          <p:cNvSpPr txBox="1"/>
+          <p:nvPr/>
+        </p:nvSpPr>
+        <p:spPr>
+          <a:xfrm>
+            <a:off x="0" y="2564904"/>
+            <a:ext cx="9144000" cy="1200329"/>
+          </a:xfrm>
+          <a:prstGeom prst="rect">
+            <a:avLst/>
+          </a:prstGeom>
+          <a:noFill/>
+        </p:spPr>
+        <p:txBody>
+          <a:bodyPr wrap="square" rtlCol="0">
+            <a:spAutoFit/>
+          </a:bodyPr>
+          <a:lstStyle/>
+          <a:p>
+            <a:pPr algn="ctr"/>
+            <a:r>
+              <a:rPr lang="fr-FR" sz="5400" b="1" u="sng" dirty="0" smtClean="0"/>
+              <a:t>4 – Réalisation et tests</a:t>
+            </a:r>
+            <a:endParaRPr lang="fr-FR" sz="5400" b="1" u="sng" dirty="0"/>
+          </a:p>
+          <a:p>
+            <a:pPr algn="ctr"/>
+            <a:endParaRPr lang="fr-FR" dirty="0"/>
+          </a:p>
+        </p:txBody>
+      </p:sp>
+      <p:sp>
+        <p:nvSpPr>
+          <p:cNvPr id="4" name="ZoneTexte 3"/>
+          <p:cNvSpPr txBox="1"/>
+          <p:nvPr/>
+        </p:nvSpPr>
+        <p:spPr>
+          <a:xfrm>
+            <a:off x="107504" y="6447133"/>
+            <a:ext cx="418704" cy="369332"/>
+          </a:xfrm>
+          <a:prstGeom prst="rect">
+            <a:avLst/>
+          </a:prstGeom>
+          <a:noFill/>
+        </p:spPr>
+        <p:txBody>
+          <a:bodyPr wrap="none" rtlCol="0">
+            <a:spAutoFit/>
+          </a:bodyPr>
+          <a:lstStyle/>
+          <a:p>
+            <a:r>
+              <a:rPr lang="fr-FR" dirty="0" smtClean="0"/>
+              <a:t>19</a:t>
+            </a:r>
+            <a:endParaRPr lang="fr-FR" dirty="0"/>
+          </a:p>
+        </p:txBody>
+      </p:sp>
+    </p:spTree>
+    <p:extLst>
+      <p:ext uri="{BB962C8B-B14F-4D97-AF65-F5344CB8AC3E}">
+        <p14:creationId xmlns:p14="http://schemas.microsoft.com/office/powerpoint/2010/main" val="3597521064"/>
+      </p:ext>
+    </p:extLst>
+  </p:cSld>
+  <p:clrMapOvr>
+    <a:masterClrMapping/>
+  </p:clrMapOvr>
+  <mc:AlternateContent xmlns:mc="http://schemas.openxmlformats.org/markup-compatibility/2006">
+    <mc:Choice xmlns:p14="http://schemas.microsoft.com/office/powerpoint/2010/main" Requires="p14">
+      <p:transition p14:dur="0"/>
+    </mc:Choice>
+    <mc:Fallback>
+      <p:transition/>
+    </mc:Fallback>
+  </mc:AlternateContent>
+  <p:timing>
+    <p:tnLst>
+      <p:par>
+        <p:cTn id="1" dur="indefinite" restart="never" nodeType="tmRoot"/>
+      </p:par>
+    </p:tnLst>
+  </p:timing>
+</p:sld>
+</file>
+
+<file path=ppt/slides/slide21.xml><?xml version="1.0" encoding="utf-8"?>
+<p:sld xmlns:a="http://schemas.openxmlformats.org/drawingml/2006/main" xmlns:r="http://schemas.openxmlformats.org/officeDocument/2006/relationships" xmlns:p="http://schemas.openxmlformats.org/presentationml/2006/main">
+  <p:cSld>
+    <p:spTree>
+      <p:nvGrpSpPr>
+        <p:cNvPr id="1" name=""/>
+        <p:cNvGrpSpPr/>
+        <p:nvPr/>
+      </p:nvGrpSpPr>
+      <p:grpSpPr>
+        <a:xfrm>
+          <a:off x="0" y="0"/>
+          <a:ext cx="0" cy="0"/>
+          <a:chOff x="0" y="0"/>
+          <a:chExt cx="0" cy="0"/>
+        </a:xfrm>
+      </p:grpSpPr>
+      <p:sp>
+        <p:nvSpPr>
+          <p:cNvPr id="3" name="Titre 2"/>
+          <p:cNvSpPr>
+            <a:spLocks noGrp="1"/>
+          </p:cNvSpPr>
+          <p:nvPr>
+            <p:ph type="title"/>
+          </p:nvPr>
+        </p:nvSpPr>
+        <p:spPr/>
+        <p:txBody>
+          <a:bodyPr/>
+          <a:lstStyle/>
+          <a:p>
             <a:r>
               <a:rPr lang="fr-FR" dirty="0">
                 <a:solidFill>
@@ -9502,7 +9731,7 @@
           <a:p>
             <a:r>
               <a:rPr lang="fr-FR" dirty="0" smtClean="0"/>
-              <a:t>19</a:t>
+              <a:t>20</a:t>
             </a:r>
             <a:endParaRPr lang="fr-FR" dirty="0"/>
           </a:p>
@@ -9536,7 +9765,7 @@
 </p:sld>
 </file>
 
-<file path=ppt/slides/slide21.xml><?xml version="1.0" encoding="utf-8"?>
+<file path=ppt/slides/slide22.xml><?xml version="1.0" encoding="utf-8"?>
 <p:sld xmlns:a="http://schemas.openxmlformats.org/drawingml/2006/main" xmlns:r="http://schemas.openxmlformats.org/officeDocument/2006/relationships" xmlns:p="http://schemas.openxmlformats.org/presentationml/2006/main">
   <p:cSld>
     <p:spTree>
@@ -9763,7 +9992,7 @@
           <a:p>
             <a:r>
               <a:rPr lang="fr-FR" dirty="0" smtClean="0"/>
-              <a:t>20</a:t>
+              <a:t>21</a:t>
             </a:r>
             <a:endParaRPr lang="fr-FR" dirty="0"/>
           </a:p>
@@ -9797,7 +10026,7 @@
 </p:sld>
 </file>
 
-<file path=ppt/slides/slide22.xml><?xml version="1.0" encoding="utf-8"?>
+<file path=ppt/slides/slide23.xml><?xml version="1.0" encoding="utf-8"?>
 <p:sld xmlns:a="http://schemas.openxmlformats.org/drawingml/2006/main" xmlns:r="http://schemas.openxmlformats.org/officeDocument/2006/relationships" xmlns:p="http://schemas.openxmlformats.org/presentationml/2006/main">
   <p:cSld>
     <p:spTree>
@@ -10040,7 +10269,7 @@
           <a:p>
             <a:r>
               <a:rPr lang="fr-FR" dirty="0" smtClean="0"/>
-              <a:t>21</a:t>
+              <a:t>22</a:t>
             </a:r>
             <a:endParaRPr lang="fr-FR" dirty="0"/>
           </a:p>
@@ -10074,7 +10303,7 @@
 </p:sld>
 </file>
 
-<file path=ppt/slides/slide23.xml><?xml version="1.0" encoding="utf-8"?>
+<file path=ppt/slides/slide24.xml><?xml version="1.0" encoding="utf-8"?>
 <p:sld xmlns:a="http://schemas.openxmlformats.org/drawingml/2006/main" xmlns:r="http://schemas.openxmlformats.org/officeDocument/2006/relationships" xmlns:p="http://schemas.openxmlformats.org/presentationml/2006/main">
   <p:cSld>
     <p:spTree>
@@ -10216,7 +10445,7 @@
           <a:p>
             <a:r>
               <a:rPr lang="fr-FR" dirty="0" smtClean="0"/>
-              <a:t>22</a:t>
+              <a:t>23</a:t>
             </a:r>
             <a:endParaRPr lang="fr-FR" dirty="0"/>
           </a:p>
@@ -10250,7 +10479,7 @@
 </p:sld>
 </file>
 
-<file path=ppt/slides/slide24.xml><?xml version="1.0" encoding="utf-8"?>
+<file path=ppt/slides/slide25.xml><?xml version="1.0" encoding="utf-8"?>
 <p:sld xmlns:a="http://schemas.openxmlformats.org/drawingml/2006/main" xmlns:r="http://schemas.openxmlformats.org/officeDocument/2006/relationships" xmlns:p="http://schemas.openxmlformats.org/presentationml/2006/main">
   <p:cSld>
     <p:spTree>
@@ -10672,7 +10901,7 @@
           <a:p>
             <a:r>
               <a:rPr lang="fr-FR" dirty="0" smtClean="0"/>
-              <a:t>23</a:t>
+              <a:t>24</a:t>
             </a:r>
             <a:endParaRPr lang="fr-FR" dirty="0"/>
           </a:p>
@@ -10682,139 +10911,6 @@
     <p:extLst>
       <p:ext uri="{BB962C8B-B14F-4D97-AF65-F5344CB8AC3E}">
         <p14:creationId xmlns:p14="http://schemas.microsoft.com/office/powerpoint/2010/main" val="4172071724"/>
-      </p:ext>
-    </p:extLst>
-  </p:cSld>
-  <p:clrMapOvr>
-    <a:masterClrMapping/>
-  </p:clrMapOvr>
-  <mc:AlternateContent xmlns:mc="http://schemas.openxmlformats.org/markup-compatibility/2006">
-    <mc:Choice xmlns:p14="http://schemas.microsoft.com/office/powerpoint/2010/main" Requires="p14">
-      <p:transition p14:dur="0"/>
-    </mc:Choice>
-    <mc:Fallback>
-      <p:transition/>
-    </mc:Fallback>
-  </mc:AlternateContent>
-  <p:timing>
-    <p:tnLst>
-      <p:par>
-        <p:cTn id="1" dur="indefinite" restart="never" nodeType="tmRoot"/>
-      </p:par>
-    </p:tnLst>
-  </p:timing>
-</p:sld>
-</file>
-
-<file path=ppt/slides/slide25.xml><?xml version="1.0" encoding="utf-8"?>
-<p:sld xmlns:a="http://schemas.openxmlformats.org/drawingml/2006/main" xmlns:r="http://schemas.openxmlformats.org/officeDocument/2006/relationships" xmlns:p="http://schemas.openxmlformats.org/presentationml/2006/main">
-  <p:cSld>
-    <p:spTree>
-      <p:nvGrpSpPr>
-        <p:cNvPr id="1" name=""/>
-        <p:cNvGrpSpPr/>
-        <p:nvPr/>
-      </p:nvGrpSpPr>
-      <p:grpSpPr>
-        <a:xfrm>
-          <a:off x="0" y="0"/>
-          <a:ext cx="0" cy="0"/>
-          <a:chOff x="0" y="0"/>
-          <a:chExt cx="0" cy="0"/>
-        </a:xfrm>
-      </p:grpSpPr>
-      <p:sp>
-        <p:nvSpPr>
-          <p:cNvPr id="3" name="Titre 2"/>
-          <p:cNvSpPr>
-            <a:spLocks noGrp="1"/>
-          </p:cNvSpPr>
-          <p:nvPr>
-            <p:ph type="title"/>
-          </p:nvPr>
-        </p:nvSpPr>
-        <p:spPr/>
-        <p:txBody>
-          <a:bodyPr/>
-          <a:lstStyle/>
-          <a:p>
-            <a:endParaRPr lang="fr-FR"/>
-          </a:p>
-        </p:txBody>
-      </p:sp>
-      <p:sp>
-        <p:nvSpPr>
-          <p:cNvPr id="5" name="ZoneTexte 4"/>
-          <p:cNvSpPr txBox="1"/>
-          <p:nvPr/>
-        </p:nvSpPr>
-        <p:spPr>
-          <a:xfrm>
-            <a:off x="0" y="2564904"/>
-            <a:ext cx="9144000" cy="1200329"/>
-          </a:xfrm>
-          <a:prstGeom prst="rect">
-            <a:avLst/>
-          </a:prstGeom>
-          <a:noFill/>
-        </p:spPr>
-        <p:txBody>
-          <a:bodyPr wrap="square" rtlCol="0">
-            <a:spAutoFit/>
-          </a:bodyPr>
-          <a:lstStyle/>
-          <a:p>
-            <a:pPr algn="ctr"/>
-            <a:r>
-              <a:rPr lang="fr-FR" sz="5400" b="1" u="sng" dirty="0"/>
-              <a:t>5</a:t>
-            </a:r>
-            <a:r>
-              <a:rPr lang="fr-FR" sz="5400" b="1" u="sng" dirty="0" smtClean="0"/>
-              <a:t> – Conclusion</a:t>
-            </a:r>
-            <a:endParaRPr lang="fr-FR" sz="5400" b="1" u="sng" dirty="0"/>
-          </a:p>
-          <a:p>
-            <a:pPr algn="ctr"/>
-            <a:endParaRPr lang="fr-FR" dirty="0"/>
-          </a:p>
-        </p:txBody>
-      </p:sp>
-      <p:sp>
-        <p:nvSpPr>
-          <p:cNvPr id="4" name="ZoneTexte 3"/>
-          <p:cNvSpPr txBox="1"/>
-          <p:nvPr/>
-        </p:nvSpPr>
-        <p:spPr>
-          <a:xfrm>
-            <a:off x="107504" y="6447133"/>
-            <a:ext cx="418704" cy="369332"/>
-          </a:xfrm>
-          <a:prstGeom prst="rect">
-            <a:avLst/>
-          </a:prstGeom>
-          <a:noFill/>
-        </p:spPr>
-        <p:txBody>
-          <a:bodyPr wrap="none" rtlCol="0">
-            <a:spAutoFit/>
-          </a:bodyPr>
-          <a:lstStyle/>
-          <a:p>
-            <a:r>
-              <a:rPr lang="fr-FR" dirty="0" smtClean="0"/>
-              <a:t>24</a:t>
-            </a:r>
-            <a:endParaRPr lang="fr-FR" dirty="0"/>
-          </a:p>
-        </p:txBody>
-      </p:sp>
-    </p:spTree>
-    <p:extLst>
-      <p:ext uri="{BB962C8B-B14F-4D97-AF65-F5344CB8AC3E}">
-        <p14:creationId xmlns:p14="http://schemas.microsoft.com/office/powerpoint/2010/main" val="3457287575"/>
       </p:ext>
     </p:extLst>
   </p:cSld>
@@ -10871,6 +10967,430 @@
           <a:bodyPr/>
           <a:lstStyle/>
           <a:p>
+            <a:r>
+              <a:rPr lang="fr-FR" dirty="0">
+                <a:solidFill>
+                  <a:schemeClr val="tx1"/>
+                </a:solidFill>
+              </a:rPr>
+              <a:t>4 – Réalisation et </a:t>
+            </a:r>
+            <a:r>
+              <a:rPr lang="fr-FR" dirty="0" smtClean="0">
+                <a:solidFill>
+                  <a:schemeClr val="tx1"/>
+                </a:solidFill>
+              </a:rPr>
+              <a:t>tests</a:t>
+            </a:r>
+            <a:endParaRPr lang="fr-FR" dirty="0">
+              <a:solidFill>
+                <a:schemeClr val="tx1"/>
+              </a:solidFill>
+            </a:endParaRPr>
+          </a:p>
+        </p:txBody>
+      </p:sp>
+      <p:sp>
+        <p:nvSpPr>
+          <p:cNvPr id="4" name="Espace réservé du texte 3"/>
+          <p:cNvSpPr>
+            <a:spLocks noGrp="1"/>
+          </p:cNvSpPr>
+          <p:nvPr>
+            <p:ph type="body" sz="quarter" idx="13"/>
+          </p:nvPr>
+        </p:nvSpPr>
+        <p:spPr>
+          <a:xfrm>
+            <a:off x="1763688" y="160044"/>
+            <a:ext cx="4608512" cy="423109"/>
+          </a:xfrm>
+        </p:spPr>
+        <p:txBody>
+          <a:bodyPr/>
+          <a:lstStyle/>
+          <a:p>
+            <a:pPr algn="l"/>
+            <a:r>
+              <a:rPr lang="fr-FR" sz="2000" dirty="0" smtClean="0"/>
+              <a:t>Les tâches qui sont à réaliser</a:t>
+            </a:r>
+            <a:endParaRPr lang="fr-FR" sz="2000" dirty="0"/>
+          </a:p>
+        </p:txBody>
+      </p:sp>
+      <p:sp>
+        <p:nvSpPr>
+          <p:cNvPr id="8" name="ZoneTexte 7"/>
+          <p:cNvSpPr txBox="1"/>
+          <p:nvPr/>
+        </p:nvSpPr>
+        <p:spPr>
+          <a:xfrm>
+            <a:off x="107504" y="6447133"/>
+            <a:ext cx="418704" cy="369332"/>
+          </a:xfrm>
+          <a:prstGeom prst="rect">
+            <a:avLst/>
+          </a:prstGeom>
+          <a:noFill/>
+        </p:spPr>
+        <p:txBody>
+          <a:bodyPr wrap="none" rtlCol="0">
+            <a:spAutoFit/>
+          </a:bodyPr>
+          <a:lstStyle/>
+          <a:p>
+            <a:r>
+              <a:rPr lang="fr-FR" dirty="0" smtClean="0"/>
+              <a:t>25</a:t>
+            </a:r>
+            <a:endParaRPr lang="fr-FR" dirty="0"/>
+          </a:p>
+        </p:txBody>
+      </p:sp>
+      <p:sp>
+        <p:nvSpPr>
+          <p:cNvPr id="2" name="ZoneTexte 1"/>
+          <p:cNvSpPr txBox="1"/>
+          <p:nvPr/>
+        </p:nvSpPr>
+        <p:spPr>
+          <a:xfrm>
+            <a:off x="899592" y="1700808"/>
+            <a:ext cx="7619137" cy="3416320"/>
+          </a:xfrm>
+          <a:prstGeom prst="rect">
+            <a:avLst/>
+          </a:prstGeom>
+          <a:noFill/>
+        </p:spPr>
+        <p:txBody>
+          <a:bodyPr wrap="none" rtlCol="0">
+            <a:spAutoFit/>
+          </a:bodyPr>
+          <a:lstStyle/>
+          <a:p>
+            <a:r>
+              <a:rPr lang="fr-FR" dirty="0" smtClean="0"/>
+              <a:t>Avant la fin de mon stage : </a:t>
+            </a:r>
+          </a:p>
+          <a:p>
+            <a:endParaRPr lang="fr-FR" dirty="0" smtClean="0"/>
+          </a:p>
+          <a:p>
+            <a:pPr marL="285750" indent="-285750">
+              <a:buFont typeface="Arial" panose="020B0604020202020204" pitchFamily="34" charset="0"/>
+              <a:buChar char="•"/>
+            </a:pPr>
+            <a:r>
+              <a:rPr lang="fr-FR" dirty="0" smtClean="0"/>
+              <a:t>Tester l’asservissement</a:t>
+            </a:r>
+          </a:p>
+          <a:p>
+            <a:pPr marL="285750" indent="-285750">
+              <a:buFont typeface="Arial" panose="020B0604020202020204" pitchFamily="34" charset="0"/>
+              <a:buChar char="•"/>
+            </a:pPr>
+            <a:r>
+              <a:rPr lang="fr-FR" dirty="0" smtClean="0"/>
+              <a:t>Faire des mesures plus précises (THD, consommation)</a:t>
+            </a:r>
+          </a:p>
+          <a:p>
+            <a:pPr marL="285750" indent="-285750">
+              <a:buFont typeface="Arial" panose="020B0604020202020204" pitchFamily="34" charset="0"/>
+              <a:buChar char="•"/>
+            </a:pPr>
+            <a:r>
+              <a:rPr lang="fr-FR" dirty="0" smtClean="0"/>
+              <a:t>Faire des mesures CEM si possible</a:t>
+            </a:r>
+          </a:p>
+          <a:p>
+            <a:pPr marL="285750" indent="-285750">
+              <a:buFont typeface="Arial" panose="020B0604020202020204" pitchFamily="34" charset="0"/>
+              <a:buChar char="•"/>
+            </a:pPr>
+            <a:r>
+              <a:rPr lang="fr-FR" dirty="0" smtClean="0"/>
+              <a:t>Conclure sur la viabilité de cette solution</a:t>
+            </a:r>
+          </a:p>
+          <a:p>
+            <a:pPr marL="285750" indent="-285750">
+              <a:buFont typeface="Arial" panose="020B0604020202020204" pitchFamily="34" charset="0"/>
+              <a:buChar char="•"/>
+            </a:pPr>
+            <a:endParaRPr lang="fr-FR" dirty="0"/>
+          </a:p>
+          <a:p>
+            <a:r>
+              <a:rPr lang="fr-FR" dirty="0" smtClean="0"/>
+              <a:t>Pour THALES:</a:t>
+            </a:r>
+          </a:p>
+          <a:p>
+            <a:endParaRPr lang="fr-FR" dirty="0" smtClean="0"/>
+          </a:p>
+          <a:p>
+            <a:pPr marL="285750" indent="-285750">
+              <a:buFont typeface="Arial" panose="020B0604020202020204" pitchFamily="34" charset="0"/>
+              <a:buChar char="•"/>
+            </a:pPr>
+            <a:r>
+              <a:rPr lang="fr-FR" dirty="0" smtClean="0"/>
+              <a:t>Etudier les résultats possibles avec les moyens THALES (surface, conso, coût)</a:t>
+            </a:r>
+          </a:p>
+          <a:p>
+            <a:pPr marL="285750" indent="-285750">
+              <a:buFont typeface="Arial" panose="020B0604020202020204" pitchFamily="34" charset="0"/>
+              <a:buChar char="•"/>
+            </a:pPr>
+            <a:r>
+              <a:rPr lang="fr-FR" dirty="0" smtClean="0"/>
+              <a:t>Conclure sur l’intérêt ou non d’utiliser cette solution</a:t>
+            </a:r>
+          </a:p>
+          <a:p>
+            <a:pPr marL="285750" indent="-285750">
+              <a:buFont typeface="Arial" panose="020B0604020202020204" pitchFamily="34" charset="0"/>
+              <a:buChar char="•"/>
+            </a:pPr>
+            <a:r>
+              <a:rPr lang="fr-FR" dirty="0" smtClean="0"/>
+              <a:t>Développer le circuit industriel et l’intégrer dans les produits THALES</a:t>
+            </a:r>
+          </a:p>
+        </p:txBody>
+      </p:sp>
+      <p:pic>
+        <p:nvPicPr>
+          <p:cNvPr id="7" name="Image 6"/>
+          <p:cNvPicPr>
+            <a:picLocks noChangeAspect="1"/>
+          </p:cNvPicPr>
+          <p:nvPr/>
+        </p:nvPicPr>
+        <p:blipFill>
+          <a:blip r:embed="rId2" cstate="print">
+            <a:extLst>
+              <a:ext uri="{28A0092B-C50C-407E-A947-70E740481C1C}">
+                <a14:useLocalDpi xmlns:a14="http://schemas.microsoft.com/office/drawing/2010/main" val="0"/>
+              </a:ext>
+            </a:extLst>
+          </a:blip>
+          <a:stretch>
+            <a:fillRect/>
+          </a:stretch>
+        </p:blipFill>
+        <p:spPr>
+          <a:xfrm>
+            <a:off x="6516216" y="1700808"/>
+            <a:ext cx="1197583" cy="1556792"/>
+          </a:xfrm>
+          <a:prstGeom prst="rect">
+            <a:avLst/>
+          </a:prstGeom>
+        </p:spPr>
+      </p:pic>
+    </p:spTree>
+    <p:extLst>
+      <p:ext uri="{BB962C8B-B14F-4D97-AF65-F5344CB8AC3E}">
+        <p14:creationId xmlns:p14="http://schemas.microsoft.com/office/powerpoint/2010/main" val="999935381"/>
+      </p:ext>
+    </p:extLst>
+  </p:cSld>
+  <p:clrMapOvr>
+    <a:masterClrMapping/>
+  </p:clrMapOvr>
+  <mc:AlternateContent xmlns:mc="http://schemas.openxmlformats.org/markup-compatibility/2006">
+    <mc:Choice xmlns:p14="http://schemas.microsoft.com/office/powerpoint/2010/main" Requires="p14">
+      <p:transition p14:dur="0"/>
+    </mc:Choice>
+    <mc:Fallback>
+      <p:transition/>
+    </mc:Fallback>
+  </mc:AlternateContent>
+  <p:timing>
+    <p:tnLst>
+      <p:par>
+        <p:cTn id="1" dur="indefinite" restart="never" nodeType="tmRoot"/>
+      </p:par>
+    </p:tnLst>
+  </p:timing>
+</p:sld>
+</file>
+
+<file path=ppt/slides/slide27.xml><?xml version="1.0" encoding="utf-8"?>
+<p:sld xmlns:a="http://schemas.openxmlformats.org/drawingml/2006/main" xmlns:r="http://schemas.openxmlformats.org/officeDocument/2006/relationships" xmlns:p="http://schemas.openxmlformats.org/presentationml/2006/main">
+  <p:cSld>
+    <p:spTree>
+      <p:nvGrpSpPr>
+        <p:cNvPr id="1" name=""/>
+        <p:cNvGrpSpPr/>
+        <p:nvPr/>
+      </p:nvGrpSpPr>
+      <p:grpSpPr>
+        <a:xfrm>
+          <a:off x="0" y="0"/>
+          <a:ext cx="0" cy="0"/>
+          <a:chOff x="0" y="0"/>
+          <a:chExt cx="0" cy="0"/>
+        </a:xfrm>
+      </p:grpSpPr>
+      <p:sp>
+        <p:nvSpPr>
+          <p:cNvPr id="3" name="Titre 2"/>
+          <p:cNvSpPr>
+            <a:spLocks noGrp="1"/>
+          </p:cNvSpPr>
+          <p:nvPr>
+            <p:ph type="title"/>
+          </p:nvPr>
+        </p:nvSpPr>
+        <p:spPr/>
+        <p:txBody>
+          <a:bodyPr/>
+          <a:lstStyle/>
+          <a:p>
+            <a:endParaRPr lang="fr-FR"/>
+          </a:p>
+        </p:txBody>
+      </p:sp>
+      <p:sp>
+        <p:nvSpPr>
+          <p:cNvPr id="5" name="ZoneTexte 4"/>
+          <p:cNvSpPr txBox="1"/>
+          <p:nvPr/>
+        </p:nvSpPr>
+        <p:spPr>
+          <a:xfrm>
+            <a:off x="0" y="2564904"/>
+            <a:ext cx="9144000" cy="1200329"/>
+          </a:xfrm>
+          <a:prstGeom prst="rect">
+            <a:avLst/>
+          </a:prstGeom>
+          <a:noFill/>
+        </p:spPr>
+        <p:txBody>
+          <a:bodyPr wrap="square" rtlCol="0">
+            <a:spAutoFit/>
+          </a:bodyPr>
+          <a:lstStyle/>
+          <a:p>
+            <a:pPr algn="ctr"/>
+            <a:r>
+              <a:rPr lang="fr-FR" sz="5400" b="1" u="sng" dirty="0"/>
+              <a:t>5</a:t>
+            </a:r>
+            <a:r>
+              <a:rPr lang="fr-FR" sz="5400" b="1" u="sng" dirty="0" smtClean="0"/>
+              <a:t> – Conclusion</a:t>
+            </a:r>
+            <a:endParaRPr lang="fr-FR" sz="5400" b="1" u="sng" dirty="0"/>
+          </a:p>
+          <a:p>
+            <a:pPr algn="ctr"/>
+            <a:endParaRPr lang="fr-FR" dirty="0"/>
+          </a:p>
+        </p:txBody>
+      </p:sp>
+      <p:sp>
+        <p:nvSpPr>
+          <p:cNvPr id="4" name="ZoneTexte 3"/>
+          <p:cNvSpPr txBox="1"/>
+          <p:nvPr/>
+        </p:nvSpPr>
+        <p:spPr>
+          <a:xfrm>
+            <a:off x="107504" y="6447133"/>
+            <a:ext cx="418704" cy="369332"/>
+          </a:xfrm>
+          <a:prstGeom prst="rect">
+            <a:avLst/>
+          </a:prstGeom>
+          <a:noFill/>
+        </p:spPr>
+        <p:txBody>
+          <a:bodyPr wrap="none" rtlCol="0">
+            <a:spAutoFit/>
+          </a:bodyPr>
+          <a:lstStyle/>
+          <a:p>
+            <a:r>
+              <a:rPr lang="fr-FR" dirty="0" smtClean="0"/>
+              <a:t>26</a:t>
+            </a:r>
+            <a:endParaRPr lang="fr-FR" dirty="0"/>
+          </a:p>
+        </p:txBody>
+      </p:sp>
+    </p:spTree>
+    <p:extLst>
+      <p:ext uri="{BB962C8B-B14F-4D97-AF65-F5344CB8AC3E}">
+        <p14:creationId xmlns:p14="http://schemas.microsoft.com/office/powerpoint/2010/main" val="3457287575"/>
+      </p:ext>
+    </p:extLst>
+  </p:cSld>
+  <p:clrMapOvr>
+    <a:masterClrMapping/>
+  </p:clrMapOvr>
+  <mc:AlternateContent xmlns:mc="http://schemas.openxmlformats.org/markup-compatibility/2006">
+    <mc:Choice xmlns:p14="http://schemas.microsoft.com/office/powerpoint/2010/main" Requires="p14">
+      <p:transition p14:dur="0"/>
+    </mc:Choice>
+    <mc:Fallback>
+      <p:transition/>
+    </mc:Fallback>
+  </mc:AlternateContent>
+  <p:timing>
+    <p:tnLst>
+      <p:par>
+        <p:cTn id="1" dur="indefinite" restart="never" nodeType="tmRoot"/>
+      </p:par>
+    </p:tnLst>
+  </p:timing>
+</p:sld>
+</file>
+
+<file path=ppt/slides/slide28.xml><?xml version="1.0" encoding="utf-8"?>
+<p:sld xmlns:a="http://schemas.openxmlformats.org/drawingml/2006/main" xmlns:r="http://schemas.openxmlformats.org/officeDocument/2006/relationships" xmlns:p="http://schemas.openxmlformats.org/presentationml/2006/main">
+  <p:cSld>
+    <p:spTree>
+      <p:nvGrpSpPr>
+        <p:cNvPr id="1" name=""/>
+        <p:cNvGrpSpPr/>
+        <p:nvPr/>
+      </p:nvGrpSpPr>
+      <p:grpSpPr>
+        <a:xfrm>
+          <a:off x="0" y="0"/>
+          <a:ext cx="0" cy="0"/>
+          <a:chOff x="0" y="0"/>
+          <a:chExt cx="0" cy="0"/>
+        </a:xfrm>
+      </p:grpSpPr>
+      <p:sp>
+        <p:nvSpPr>
+          <p:cNvPr id="3" name="Titre 2"/>
+          <p:cNvSpPr>
+            <a:spLocks noGrp="1"/>
+          </p:cNvSpPr>
+          <p:nvPr>
+            <p:ph type="title"/>
+          </p:nvPr>
+        </p:nvSpPr>
+        <p:spPr/>
+        <p:txBody>
+          <a:bodyPr/>
+          <a:lstStyle/>
+          <a:p>
             <a:endParaRPr lang="fr-FR"/>
           </a:p>
         </p:txBody>
@@ -10990,8 +11510,8 @@
           <a:lstStyle/>
           <a:p>
             <a:r>
-              <a:rPr lang="fr-FR" dirty="0" smtClean="0"/>
-              <a:t>25</a:t>
+              <a:rPr lang="fr-FR" smtClean="0"/>
+              <a:t>27</a:t>
             </a:r>
             <a:endParaRPr lang="fr-FR" dirty="0"/>
           </a:p>
@@ -11170,6 +11690,30 @@
           <a:chExt cx="0" cy="0"/>
         </a:xfrm>
       </p:grpSpPr>
+      <p:pic>
+        <p:nvPicPr>
+          <p:cNvPr id="12" name="Image 11"/>
+          <p:cNvPicPr>
+            <a:picLocks noChangeAspect="1"/>
+          </p:cNvPicPr>
+          <p:nvPr/>
+        </p:nvPicPr>
+        <p:blipFill>
+          <a:blip r:embed="rId3"/>
+          <a:stretch>
+            <a:fillRect/>
+          </a:stretch>
+        </p:blipFill>
+        <p:spPr>
+          <a:xfrm>
+            <a:off x="402932" y="1337787"/>
+            <a:ext cx="8208912" cy="4659892"/>
+          </a:xfrm>
+          <a:prstGeom prst="rect">
+            <a:avLst/>
+          </a:prstGeom>
+        </p:spPr>
+      </p:pic>
       <p:sp>
         <p:nvSpPr>
           <p:cNvPr id="3" name="Titre 2"/>
@@ -11221,7 +11765,7 @@
         </p:nvSpPr>
         <p:spPr>
           <a:xfrm>
-            <a:off x="1907946" y="517063"/>
+            <a:off x="1763688" y="188640"/>
             <a:ext cx="4608512" cy="423109"/>
           </a:xfrm>
         </p:spPr>
@@ -11232,72 +11776,12 @@
             <a:pPr algn="l"/>
             <a:r>
               <a:rPr lang="fr-FR" sz="2000" dirty="0" smtClean="0"/>
-              <a:t>Description de THALES et du sujet</a:t>
+              <a:t>Présentation de THALES</a:t>
             </a:r>
             <a:endParaRPr lang="fr-FR" sz="2000" dirty="0"/>
           </a:p>
         </p:txBody>
       </p:sp>
-      <p:pic>
-        <p:nvPicPr>
-          <p:cNvPr id="6" name="Image 5"/>
-          <p:cNvPicPr>
-            <a:picLocks noChangeAspect="1"/>
-          </p:cNvPicPr>
-          <p:nvPr/>
-        </p:nvPicPr>
-        <p:blipFill>
-          <a:blip r:embed="rId3" cstate="print">
-            <a:extLst>
-              <a:ext uri="{28A0092B-C50C-407E-A947-70E740481C1C}">
-                <a14:useLocalDpi xmlns:a14="http://schemas.microsoft.com/office/drawing/2010/main" val="0"/>
-              </a:ext>
-            </a:extLst>
-          </a:blip>
-          <a:stretch>
-            <a:fillRect/>
-          </a:stretch>
-        </p:blipFill>
-        <p:spPr>
-          <a:xfrm>
-            <a:off x="3555250" y="1386610"/>
-            <a:ext cx="2261007" cy="849762"/>
-          </a:xfrm>
-          <a:prstGeom prst="rect">
-            <a:avLst/>
-          </a:prstGeom>
-        </p:spPr>
-      </p:pic>
-      <p:pic>
-        <p:nvPicPr>
-          <p:cNvPr id="7" name="Image 6"/>
-          <p:cNvPicPr>
-            <a:picLocks noChangeAspect="1"/>
-          </p:cNvPicPr>
-          <p:nvPr/>
-        </p:nvPicPr>
-        <p:blipFill>
-          <a:blip r:embed="rId4">
-            <a:extLst>
-              <a:ext uri="{28A0092B-C50C-407E-A947-70E740481C1C}">
-                <a14:useLocalDpi xmlns:a14="http://schemas.microsoft.com/office/drawing/2010/main" val="0"/>
-              </a:ext>
-            </a:extLst>
-          </a:blip>
-          <a:stretch>
-            <a:fillRect/>
-          </a:stretch>
-        </p:blipFill>
-        <p:spPr>
-          <a:xfrm>
-            <a:off x="1907946" y="2924944"/>
-            <a:ext cx="5555619" cy="2392372"/>
-          </a:xfrm>
-          <a:prstGeom prst="rect">
-            <a:avLst/>
-          </a:prstGeom>
-        </p:spPr>
-      </p:pic>
       <p:sp>
         <p:nvSpPr>
           <p:cNvPr id="9" name="ZoneTexte 8"/>
@@ -11324,13 +11808,44 @@
               <a:rPr lang="fr-FR" dirty="0" smtClean="0"/>
               <a:t>3</a:t>
             </a:r>
+            <a:endParaRPr lang="fr-FR" dirty="0"/>
           </a:p>
         </p:txBody>
       </p:sp>
+      <p:pic>
+        <p:nvPicPr>
+          <p:cNvPr id="13" name="Image 12"/>
+          <p:cNvPicPr>
+            <a:picLocks noChangeAspect="1"/>
+          </p:cNvPicPr>
+          <p:nvPr/>
+        </p:nvPicPr>
+        <p:blipFill>
+          <a:blip r:embed="rId4" cstate="print">
+            <a:extLst>
+              <a:ext uri="{28A0092B-C50C-407E-A947-70E740481C1C}">
+                <a14:useLocalDpi xmlns:a14="http://schemas.microsoft.com/office/drawing/2010/main" val="0"/>
+              </a:ext>
+            </a:extLst>
+          </a:blip>
+          <a:stretch>
+            <a:fillRect/>
+          </a:stretch>
+        </p:blipFill>
+        <p:spPr>
+          <a:xfrm>
+            <a:off x="3707904" y="611749"/>
+            <a:ext cx="2261007" cy="849762"/>
+          </a:xfrm>
+          <a:prstGeom prst="rect">
+            <a:avLst/>
+          </a:prstGeom>
+        </p:spPr>
+      </p:pic>
     </p:spTree>
     <p:extLst>
       <p:ext uri="{BB962C8B-B14F-4D97-AF65-F5344CB8AC3E}">
-        <p14:creationId xmlns:p14="http://schemas.microsoft.com/office/powerpoint/2010/main" val="3229333308"/>
+        <p14:creationId xmlns:p14="http://schemas.microsoft.com/office/powerpoint/2010/main" val="4163620055"/>
       </p:ext>
     </p:extLst>
   </p:cSld>
@@ -11423,7 +11938,7 @@
         </p:nvSpPr>
         <p:spPr>
           <a:xfrm>
-            <a:off x="1907946" y="517063"/>
+            <a:off x="1763688" y="188640"/>
             <a:ext cx="4608512" cy="423109"/>
           </a:xfrm>
         </p:spPr>
@@ -11434,71 +11949,12 @@
             <a:pPr algn="l"/>
             <a:r>
               <a:rPr lang="fr-FR" sz="2000" dirty="0" smtClean="0"/>
-              <a:t>Description de THALES et du sujet</a:t>
+              <a:t>Présentation de THALES</a:t>
             </a:r>
             <a:endParaRPr lang="fr-FR" sz="2000" dirty="0"/>
           </a:p>
         </p:txBody>
       </p:sp>
-      <p:pic>
-        <p:nvPicPr>
-          <p:cNvPr id="6" name="Image 5"/>
-          <p:cNvPicPr>
-            <a:picLocks noChangeAspect="1"/>
-          </p:cNvPicPr>
-          <p:nvPr/>
-        </p:nvPicPr>
-        <p:blipFill>
-          <a:blip r:embed="rId3" cstate="print">
-            <a:extLst>
-              <a:ext uri="{28A0092B-C50C-407E-A947-70E740481C1C}">
-                <a14:useLocalDpi xmlns:a14="http://schemas.microsoft.com/office/drawing/2010/main" val="0"/>
-              </a:ext>
-            </a:extLst>
-          </a:blip>
-          <a:stretch>
-            <a:fillRect/>
-          </a:stretch>
-        </p:blipFill>
-        <p:spPr>
-          <a:xfrm>
-            <a:off x="3555250" y="1386610"/>
-            <a:ext cx="2261007" cy="849762"/>
-          </a:xfrm>
-          <a:prstGeom prst="rect">
-            <a:avLst/>
-          </a:prstGeom>
-        </p:spPr>
-      </p:pic>
-      <p:pic>
-        <p:nvPicPr>
-          <p:cNvPr id="8" name="Image 7"/>
-          <p:cNvPicPr/>
-          <p:nvPr/>
-        </p:nvPicPr>
-        <p:blipFill rotWithShape="1">
-          <a:blip r:embed="rId4"/>
-          <a:srcRect r="8767"/>
-          <a:stretch/>
-        </p:blipFill>
-        <p:spPr bwMode="auto">
-          <a:xfrm>
-            <a:off x="755576" y="2348880"/>
-            <a:ext cx="7632848" cy="3456384"/>
-          </a:xfrm>
-          <a:prstGeom prst="rect">
-            <a:avLst/>
-          </a:prstGeom>
-          <a:ln>
-            <a:noFill/>
-          </a:ln>
-          <a:extLst>
-            <a:ext uri="{53640926-AAD7-44D8-BBD7-CCE9431645EC}">
-              <a14:shadowObscured xmlns:a14="http://schemas.microsoft.com/office/drawing/2010/main"/>
-            </a:ext>
-          </a:extLst>
-        </p:spPr>
-      </p:pic>
       <p:sp>
         <p:nvSpPr>
           <p:cNvPr id="9" name="ZoneTexte 8"/>
@@ -11529,10 +11985,34 @@
           </a:p>
         </p:txBody>
       </p:sp>
+      <p:pic>
+        <p:nvPicPr>
+          <p:cNvPr id="10" name="Image 9"/>
+          <p:cNvPicPr>
+            <a:picLocks noChangeAspect="1"/>
+          </p:cNvPicPr>
+          <p:nvPr/>
+        </p:nvPicPr>
+        <p:blipFill>
+          <a:blip r:embed="rId3"/>
+          <a:stretch>
+            <a:fillRect/>
+          </a:stretch>
+        </p:blipFill>
+        <p:spPr>
+          <a:xfrm>
+            <a:off x="399804" y="1020747"/>
+            <a:ext cx="8249801" cy="5163271"/>
+          </a:xfrm>
+          <a:prstGeom prst="rect">
+            <a:avLst/>
+          </a:prstGeom>
+        </p:spPr>
+      </p:pic>
     </p:spTree>
     <p:extLst>
       <p:ext uri="{BB962C8B-B14F-4D97-AF65-F5344CB8AC3E}">
-        <p14:creationId xmlns:p14="http://schemas.microsoft.com/office/powerpoint/2010/main" val="938099965"/>
+        <p14:creationId xmlns:p14="http://schemas.microsoft.com/office/powerpoint/2010/main" val="85974471"/>
       </p:ext>
     </p:extLst>
   </p:cSld>
@@ -11589,56 +12069,92 @@
           <a:bodyPr/>
           <a:lstStyle/>
           <a:p>
-            <a:endParaRPr lang="fr-FR"/>
+            <a:r>
+              <a:rPr lang="fr-FR" dirty="0">
+                <a:solidFill>
+                  <a:schemeClr val="tx1"/>
+                </a:solidFill>
+              </a:rPr>
+              <a:t>1 - </a:t>
+            </a:r>
+            <a:r>
+              <a:rPr lang="fr-FR" dirty="0" smtClean="0">
+                <a:solidFill>
+                  <a:schemeClr val="tx1"/>
+                </a:solidFill>
+              </a:rPr>
+              <a:t>Introduction</a:t>
+            </a:r>
+            <a:endParaRPr lang="fr-FR" dirty="0">
+              <a:solidFill>
+                <a:schemeClr val="tx1"/>
+              </a:solidFill>
+            </a:endParaRPr>
           </a:p>
         </p:txBody>
       </p:sp>
       <p:sp>
         <p:nvSpPr>
-          <p:cNvPr id="5" name="ZoneTexte 4"/>
-          <p:cNvSpPr txBox="1"/>
-          <p:nvPr/>
+          <p:cNvPr id="4" name="Espace réservé du texte 3"/>
+          <p:cNvSpPr>
+            <a:spLocks noGrp="1"/>
+          </p:cNvSpPr>
+          <p:nvPr>
+            <p:ph type="body" sz="quarter" idx="13"/>
+          </p:nvPr>
         </p:nvSpPr>
         <p:spPr>
           <a:xfrm>
-            <a:off x="0" y="2564904"/>
-            <a:ext cx="9144000" cy="1200329"/>
+            <a:off x="1763688" y="188640"/>
+            <a:ext cx="4608512" cy="423109"/>
+          </a:xfrm>
+        </p:spPr>
+        <p:txBody>
+          <a:bodyPr/>
+          <a:lstStyle/>
+          <a:p>
+            <a:pPr algn="l"/>
+            <a:r>
+              <a:rPr lang="fr-FR" sz="2000" dirty="0" smtClean="0"/>
+              <a:t>Description du sujet</a:t>
+            </a:r>
+            <a:endParaRPr lang="fr-FR" sz="2000" dirty="0"/>
+          </a:p>
+        </p:txBody>
+      </p:sp>
+      <p:pic>
+        <p:nvPicPr>
+          <p:cNvPr id="7" name="Image 6"/>
+          <p:cNvPicPr>
+            <a:picLocks noChangeAspect="1"/>
+          </p:cNvPicPr>
+          <p:nvPr/>
+        </p:nvPicPr>
+        <p:blipFill>
+          <a:blip r:embed="rId3">
+            <a:extLst>
+              <a:ext uri="{28A0092B-C50C-407E-A947-70E740481C1C}">
+                <a14:useLocalDpi xmlns:a14="http://schemas.microsoft.com/office/drawing/2010/main" val="0"/>
+              </a:ext>
+            </a:extLst>
+          </a:blip>
+          <a:stretch>
+            <a:fillRect/>
+          </a:stretch>
+        </p:blipFill>
+        <p:spPr>
+          <a:xfrm>
+            <a:off x="611560" y="2244115"/>
+            <a:ext cx="4339153" cy="1868535"/>
           </a:xfrm>
           <a:prstGeom prst="rect">
             <a:avLst/>
           </a:prstGeom>
-          <a:noFill/>
         </p:spPr>
-        <p:txBody>
-          <a:bodyPr wrap="square" rtlCol="0">
-            <a:spAutoFit/>
-          </a:bodyPr>
-          <a:lstStyle/>
-          <a:p>
-            <a:pPr algn="ctr"/>
-            <a:r>
-              <a:rPr lang="fr-FR" sz="5400" b="1" u="sng" dirty="0" smtClean="0"/>
-              <a:t>2 </a:t>
-            </a:r>
-            <a:r>
-              <a:rPr lang="fr-FR" sz="5400" b="1" u="sng" dirty="0"/>
-              <a:t>- </a:t>
-            </a:r>
-            <a:r>
-              <a:rPr lang="fr-FR" sz="5400" b="1" u="sng" dirty="0" smtClean="0"/>
-              <a:t>Planning</a:t>
-            </a:r>
-            <a:endParaRPr lang="fr-FR" sz="5400" b="1" u="sng" dirty="0"/>
-          </a:p>
-          <a:p>
-            <a:pPr algn="ctr"/>
-            <a:endParaRPr lang="fr-FR" dirty="0"/>
-          </a:p>
-        </p:txBody>
-      </p:sp>
+      </p:pic>
       <p:sp>
         <p:nvSpPr>
-          <p:cNvPr id="4" name="ZoneTexte 3"/>
+          <p:cNvPr id="9" name="ZoneTexte 8"/>
           <p:cNvSpPr txBox="1"/>
           <p:nvPr/>
         </p:nvSpPr>
@@ -11659,17 +12175,47 @@
           <a:lstStyle/>
           <a:p>
             <a:r>
-              <a:rPr lang="fr-FR" dirty="0" smtClean="0"/>
+              <a:rPr lang="fr-FR" dirty="0"/>
               <a:t>5</a:t>
             </a:r>
             <a:endParaRPr lang="fr-FR" dirty="0"/>
           </a:p>
         </p:txBody>
       </p:sp>
+      <p:pic>
+        <p:nvPicPr>
+          <p:cNvPr id="11" name="Image 10"/>
+          <p:cNvPicPr>
+            <a:picLocks noChangeAspect="1"/>
+          </p:cNvPicPr>
+          <p:nvPr/>
+        </p:nvPicPr>
+        <p:blipFill>
+          <a:blip r:embed="rId4">
+            <a:extLst>
+              <a:ext uri="{28A0092B-C50C-407E-A947-70E740481C1C}">
+                <a14:useLocalDpi xmlns:a14="http://schemas.microsoft.com/office/drawing/2010/main" val="0"/>
+              </a:ext>
+            </a:extLst>
+          </a:blip>
+          <a:stretch>
+            <a:fillRect/>
+          </a:stretch>
+        </p:blipFill>
+        <p:spPr>
+          <a:xfrm>
+            <a:off x="5220072" y="1988840"/>
+            <a:ext cx="3536259" cy="2463787"/>
+          </a:xfrm>
+          <a:prstGeom prst="rect">
+            <a:avLst/>
+          </a:prstGeom>
+        </p:spPr>
+      </p:pic>
     </p:spTree>
     <p:extLst>
       <p:ext uri="{BB962C8B-B14F-4D97-AF65-F5344CB8AC3E}">
-        <p14:creationId xmlns:p14="http://schemas.microsoft.com/office/powerpoint/2010/main" val="3290130840"/>
+        <p14:creationId xmlns:p14="http://schemas.microsoft.com/office/powerpoint/2010/main" val="1802272144"/>
       </p:ext>
     </p:extLst>
   </p:cSld>
@@ -11732,7 +12278,7 @@
                   <a:schemeClr val="tx1"/>
                 </a:solidFill>
               </a:rPr>
-              <a:t>2 – </a:t>
+              <a:t>1 - </a:t>
             </a:r>
             <a:r>
               <a:rPr lang="fr-FR" dirty="0" smtClean="0">
@@ -11740,7 +12286,7 @@
                   <a:schemeClr val="tx1"/>
                 </a:solidFill>
               </a:rPr>
-              <a:t>Planning</a:t>
+              <a:t>Introduction</a:t>
             </a:r>
             <a:endParaRPr lang="fr-FR" dirty="0">
               <a:solidFill>
@@ -11762,7 +12308,7 @@
         </p:nvSpPr>
         <p:spPr>
           <a:xfrm>
-            <a:off x="1835696" y="188640"/>
+            <a:off x="1763688" y="188640"/>
             <a:ext cx="4608512" cy="423109"/>
           </a:xfrm>
         </p:spPr>
@@ -11773,37 +12319,15 @@
             <a:pPr algn="l"/>
             <a:r>
               <a:rPr lang="fr-FR" sz="2000" dirty="0" smtClean="0"/>
-              <a:t>Planning initial</a:t>
+              <a:t>Description du sujet</a:t>
             </a:r>
             <a:endParaRPr lang="fr-FR" sz="2000" dirty="0"/>
           </a:p>
         </p:txBody>
       </p:sp>
-      <p:pic>
-        <p:nvPicPr>
-          <p:cNvPr id="5" name="Image 4"/>
-          <p:cNvPicPr/>
-          <p:nvPr/>
-        </p:nvPicPr>
-        <p:blipFill>
-          <a:blip r:embed="rId2"/>
-          <a:stretch>
-            <a:fillRect/>
-          </a:stretch>
-        </p:blipFill>
-        <p:spPr>
-          <a:xfrm>
-            <a:off x="2195736" y="1091905"/>
-            <a:ext cx="4679950" cy="5181600"/>
-          </a:xfrm>
-          <a:prstGeom prst="rect">
-            <a:avLst/>
-          </a:prstGeom>
-        </p:spPr>
-      </p:pic>
       <p:sp>
         <p:nvSpPr>
-          <p:cNvPr id="8" name="ZoneTexte 7"/>
+          <p:cNvPr id="9" name="ZoneTexte 8"/>
           <p:cNvSpPr txBox="1"/>
           <p:nvPr/>
         </p:nvSpPr>
@@ -11824,17 +12348,46 @@
           <a:lstStyle/>
           <a:p>
             <a:r>
-              <a:rPr lang="fr-FR" dirty="0"/>
+              <a:rPr lang="fr-FR" dirty="0" smtClean="0"/>
               <a:t>6</a:t>
             </a:r>
             <a:endParaRPr lang="fr-FR" dirty="0"/>
           </a:p>
         </p:txBody>
       </p:sp>
+      <p:pic>
+        <p:nvPicPr>
+          <p:cNvPr id="8" name="Image 7"/>
+          <p:cNvPicPr/>
+          <p:nvPr/>
+        </p:nvPicPr>
+        <p:blipFill rotWithShape="1">
+          <a:blip r:embed="rId3"/>
+          <a:srcRect r="8767"/>
+          <a:stretch/>
+        </p:blipFill>
+        <p:spPr bwMode="auto">
+          <a:xfrm>
+            <a:off x="252089" y="1700355"/>
+            <a:ext cx="8452002" cy="3784916"/>
+          </a:xfrm>
+          <a:prstGeom prst="rect">
+            <a:avLst/>
+          </a:prstGeom>
+          <a:ln>
+            <a:noFill/>
+          </a:ln>
+          <a:extLst>
+            <a:ext uri="{53640926-AAD7-44D8-BBD7-CCE9431645EC}">
+              <a14:shadowObscured xmlns:a14="http://schemas.microsoft.com/office/drawing/2010/main"/>
+            </a:ext>
+          </a:extLst>
+        </p:spPr>
+      </p:pic>
     </p:spTree>
     <p:extLst>
       <p:ext uri="{BB962C8B-B14F-4D97-AF65-F5344CB8AC3E}">
-        <p14:creationId xmlns:p14="http://schemas.microsoft.com/office/powerpoint/2010/main" val="1481317039"/>
+        <p14:creationId xmlns:p14="http://schemas.microsoft.com/office/powerpoint/2010/main" val="899830197"/>
       </p:ext>
     </p:extLst>
   </p:cSld>
@@ -11891,221 +12444,56 @@
           <a:bodyPr/>
           <a:lstStyle/>
           <a:p>
-            <a:r>
-              <a:rPr lang="fr-FR" dirty="0">
-                <a:solidFill>
-                  <a:schemeClr val="tx1"/>
-                </a:solidFill>
-              </a:rPr>
-              <a:t>2 – </a:t>
-            </a:r>
-            <a:r>
-              <a:rPr lang="fr-FR" dirty="0" smtClean="0">
-                <a:solidFill>
-                  <a:schemeClr val="tx1"/>
-                </a:solidFill>
-              </a:rPr>
-              <a:t>Planning</a:t>
-            </a:r>
-            <a:endParaRPr lang="fr-FR" dirty="0">
-              <a:solidFill>
-                <a:schemeClr val="tx1"/>
-              </a:solidFill>
-            </a:endParaRPr>
+            <a:endParaRPr lang="fr-FR"/>
           </a:p>
         </p:txBody>
       </p:sp>
-      <p:pic>
-        <p:nvPicPr>
-          <p:cNvPr id="6" name="Image 5"/>
-          <p:cNvPicPr/>
+      <p:sp>
+        <p:nvSpPr>
+          <p:cNvPr id="5" name="ZoneTexte 4"/>
+          <p:cNvSpPr txBox="1"/>
           <p:nvPr/>
-        </p:nvPicPr>
-        <p:blipFill>
-          <a:blip r:embed="rId2"/>
-          <a:stretch>
-            <a:fillRect/>
-          </a:stretch>
-        </p:blipFill>
+        </p:nvSpPr>
         <p:spPr>
           <a:xfrm>
-            <a:off x="2195736" y="1124744"/>
-            <a:ext cx="4679950" cy="5181600"/>
+            <a:off x="0" y="2564904"/>
+            <a:ext cx="9144000" cy="1200329"/>
           </a:xfrm>
           <a:prstGeom prst="rect">
             <a:avLst/>
           </a:prstGeom>
-        </p:spPr>
-      </p:pic>
-      <p:sp>
-        <p:nvSpPr>
-          <p:cNvPr id="7" name="Espace réservé du texte 3"/>
-          <p:cNvSpPr txBox="1">
-            <a:spLocks/>
-          </p:cNvSpPr>
-          <p:nvPr/>
-        </p:nvSpPr>
-        <p:spPr>
-          <a:xfrm>
-            <a:off x="1763688" y="188640"/>
-            <a:ext cx="4608512" cy="423109"/>
-          </a:xfrm>
-          <a:prstGeom prst="rect">
-            <a:avLst/>
-          </a:prstGeom>
+          <a:noFill/>
         </p:spPr>
         <p:txBody>
-          <a:bodyPr/>
-          <a:lstStyle>
-            <a:lvl1pPr marL="0" indent="0" algn="r" defTabSz="914400" rtl="0" eaLnBrk="1" latinLnBrk="0" hangingPunct="1">
-              <a:spcBef>
-                <a:spcPct val="20000"/>
-              </a:spcBef>
-              <a:buFontTx/>
-              <a:buNone/>
-              <a:defRPr sz="1600" b="1" kern="1200" baseline="0">
-                <a:solidFill>
-                  <a:schemeClr val="tx1"/>
-                </a:solidFill>
-                <a:latin typeface="Arial" pitchFamily="34" charset="0"/>
-                <a:ea typeface="+mn-ea"/>
-                <a:cs typeface="Arial" pitchFamily="34" charset="0"/>
-              </a:defRPr>
-            </a:lvl1pPr>
-            <a:lvl2pPr marL="742950" indent="-285750" algn="l" defTabSz="914400" rtl="0" eaLnBrk="1" latinLnBrk="0" hangingPunct="1">
-              <a:spcBef>
-                <a:spcPct val="20000"/>
-              </a:spcBef>
-              <a:buFont typeface="Arial" pitchFamily="34" charset="0"/>
-              <a:buChar char="–"/>
-              <a:defRPr sz="2800" kern="1200">
-                <a:solidFill>
-                  <a:schemeClr val="tx1"/>
-                </a:solidFill>
-                <a:latin typeface="+mn-lt"/>
-                <a:ea typeface="+mn-ea"/>
-                <a:cs typeface="+mn-cs"/>
-              </a:defRPr>
-            </a:lvl2pPr>
-            <a:lvl3pPr marL="1143000" indent="-228600" algn="l" defTabSz="914400" rtl="0" eaLnBrk="1" latinLnBrk="0" hangingPunct="1">
-              <a:spcBef>
-                <a:spcPct val="20000"/>
-              </a:spcBef>
-              <a:buFont typeface="Arial" pitchFamily="34" charset="0"/>
-              <a:buChar char="•"/>
-              <a:defRPr sz="2400" kern="1200">
-                <a:solidFill>
-                  <a:schemeClr val="tx1"/>
-                </a:solidFill>
-                <a:latin typeface="+mn-lt"/>
-                <a:ea typeface="+mn-ea"/>
-                <a:cs typeface="+mn-cs"/>
-              </a:defRPr>
-            </a:lvl3pPr>
-            <a:lvl4pPr marL="1600200" indent="-228600" algn="l" defTabSz="914400" rtl="0" eaLnBrk="1" latinLnBrk="0" hangingPunct="1">
-              <a:spcBef>
-                <a:spcPct val="20000"/>
-              </a:spcBef>
-              <a:buFont typeface="Arial" pitchFamily="34" charset="0"/>
-              <a:buChar char="–"/>
-              <a:defRPr sz="2000" kern="1200">
-                <a:solidFill>
-                  <a:schemeClr val="tx1"/>
-                </a:solidFill>
-                <a:latin typeface="+mn-lt"/>
-                <a:ea typeface="+mn-ea"/>
-                <a:cs typeface="+mn-cs"/>
-              </a:defRPr>
-            </a:lvl4pPr>
-            <a:lvl5pPr marL="2057400" indent="-228600" algn="l" defTabSz="914400" rtl="0" eaLnBrk="1" latinLnBrk="0" hangingPunct="1">
-              <a:spcBef>
-                <a:spcPct val="20000"/>
-              </a:spcBef>
-              <a:buFont typeface="Arial" pitchFamily="34" charset="0"/>
-              <a:buChar char="»"/>
-              <a:defRPr sz="2000" kern="1200">
-                <a:solidFill>
-                  <a:schemeClr val="tx1"/>
-                </a:solidFill>
-                <a:latin typeface="+mn-lt"/>
-                <a:ea typeface="+mn-ea"/>
-                <a:cs typeface="+mn-cs"/>
-              </a:defRPr>
-            </a:lvl5pPr>
-            <a:lvl6pPr marL="2514600" indent="-228600" algn="l" defTabSz="914400" rtl="0" eaLnBrk="1" latinLnBrk="0" hangingPunct="1">
-              <a:spcBef>
-                <a:spcPct val="20000"/>
-              </a:spcBef>
-              <a:buFont typeface="Arial" pitchFamily="34" charset="0"/>
-              <a:buChar char="•"/>
-              <a:defRPr sz="2000" kern="1200">
-                <a:solidFill>
-                  <a:schemeClr val="tx1"/>
-                </a:solidFill>
-                <a:latin typeface="+mn-lt"/>
-                <a:ea typeface="+mn-ea"/>
-                <a:cs typeface="+mn-cs"/>
-              </a:defRPr>
-            </a:lvl6pPr>
-            <a:lvl7pPr marL="2971800" indent="-228600" algn="l" defTabSz="914400" rtl="0" eaLnBrk="1" latinLnBrk="0" hangingPunct="1">
-              <a:spcBef>
-                <a:spcPct val="20000"/>
-              </a:spcBef>
-              <a:buFont typeface="Arial" pitchFamily="34" charset="0"/>
-              <a:buChar char="•"/>
-              <a:defRPr sz="2000" kern="1200">
-                <a:solidFill>
-                  <a:schemeClr val="tx1"/>
-                </a:solidFill>
-                <a:latin typeface="+mn-lt"/>
-                <a:ea typeface="+mn-ea"/>
-                <a:cs typeface="+mn-cs"/>
-              </a:defRPr>
-            </a:lvl7pPr>
-            <a:lvl8pPr marL="3429000" indent="-228600" algn="l" defTabSz="914400" rtl="0" eaLnBrk="1" latinLnBrk="0" hangingPunct="1">
-              <a:spcBef>
-                <a:spcPct val="20000"/>
-              </a:spcBef>
-              <a:buFont typeface="Arial" pitchFamily="34" charset="0"/>
-              <a:buChar char="•"/>
-              <a:defRPr sz="2000" kern="1200">
-                <a:solidFill>
-                  <a:schemeClr val="tx1"/>
-                </a:solidFill>
-                <a:latin typeface="+mn-lt"/>
-                <a:ea typeface="+mn-ea"/>
-                <a:cs typeface="+mn-cs"/>
-              </a:defRPr>
-            </a:lvl8pPr>
-            <a:lvl9pPr marL="3886200" indent="-228600" algn="l" defTabSz="914400" rtl="0" eaLnBrk="1" latinLnBrk="0" hangingPunct="1">
-              <a:spcBef>
-                <a:spcPct val="20000"/>
-              </a:spcBef>
-              <a:buFont typeface="Arial" pitchFamily="34" charset="0"/>
-              <a:buChar char="•"/>
-              <a:defRPr sz="2000" kern="1200">
-                <a:solidFill>
-                  <a:schemeClr val="tx1"/>
-                </a:solidFill>
-                <a:latin typeface="+mn-lt"/>
-                <a:ea typeface="+mn-ea"/>
-                <a:cs typeface="+mn-cs"/>
-              </a:defRPr>
-            </a:lvl9pPr>
-          </a:lstStyle>
-          <a:p>
-            <a:pPr algn="l"/>
+          <a:bodyPr wrap="square" rtlCol="0">
+            <a:spAutoFit/>
+          </a:bodyPr>
+          <a:lstStyle/>
+          <a:p>
+            <a:pPr algn="ctr"/>
             <a:r>
-              <a:rPr lang="fr-FR" sz="2000" dirty="0" smtClean="0"/>
-              <a:t>Planning final</a:t>
+              <a:rPr lang="fr-FR" sz="5400" b="1" u="sng" dirty="0" smtClean="0"/>
+              <a:t>2 </a:t>
             </a:r>
-            <a:endParaRPr lang="fr-FR" sz="2000" dirty="0"/>
+            <a:r>
+              <a:rPr lang="fr-FR" sz="5400" b="1" u="sng" dirty="0"/>
+              <a:t>- </a:t>
+            </a:r>
+            <a:r>
+              <a:rPr lang="fr-FR" sz="5400" b="1" u="sng" dirty="0" smtClean="0"/>
+              <a:t>Planning</a:t>
+            </a:r>
+            <a:endParaRPr lang="fr-FR" sz="5400" b="1" u="sng" dirty="0"/>
+          </a:p>
+          <a:p>
+            <a:pPr algn="ctr"/>
+            <a:endParaRPr lang="fr-FR" dirty="0"/>
           </a:p>
         </p:txBody>
       </p:sp>
       <p:sp>
         <p:nvSpPr>
-          <p:cNvPr id="8" name="ZoneTexte 7"/>
+          <p:cNvPr id="4" name="ZoneTexte 3"/>
           <p:cNvSpPr txBox="1"/>
           <p:nvPr/>
         </p:nvSpPr>
@@ -12136,7 +12524,7 @@
     </p:spTree>
     <p:extLst>
       <p:ext uri="{BB962C8B-B14F-4D97-AF65-F5344CB8AC3E}">
-        <p14:creationId xmlns:p14="http://schemas.microsoft.com/office/powerpoint/2010/main" val="831110433"/>
+        <p14:creationId xmlns:p14="http://schemas.microsoft.com/office/powerpoint/2010/main" val="3290130840"/>
       </p:ext>
     </p:extLst>
   </p:cSld>
@@ -12193,48 +12581,62 @@
           <a:bodyPr/>
           <a:lstStyle/>
           <a:p>
-            <a:endParaRPr lang="fr-FR" dirty="0"/>
+            <a:r>
+              <a:rPr lang="fr-FR" dirty="0">
+                <a:solidFill>
+                  <a:schemeClr val="tx1"/>
+                </a:solidFill>
+              </a:rPr>
+              <a:t>2 – </a:t>
+            </a:r>
+            <a:r>
+              <a:rPr lang="fr-FR" dirty="0" smtClean="0">
+                <a:solidFill>
+                  <a:schemeClr val="tx1"/>
+                </a:solidFill>
+              </a:rPr>
+              <a:t>Planning</a:t>
+            </a:r>
+            <a:endParaRPr lang="fr-FR" dirty="0">
+              <a:solidFill>
+                <a:schemeClr val="tx1"/>
+              </a:solidFill>
+            </a:endParaRPr>
           </a:p>
         </p:txBody>
       </p:sp>
       <p:sp>
         <p:nvSpPr>
-          <p:cNvPr id="5" name="ZoneTexte 4"/>
-          <p:cNvSpPr txBox="1"/>
-          <p:nvPr/>
+          <p:cNvPr id="4" name="Espace réservé du texte 3"/>
+          <p:cNvSpPr>
+            <a:spLocks noGrp="1"/>
+          </p:cNvSpPr>
+          <p:nvPr>
+            <p:ph type="body" sz="quarter" idx="13"/>
+          </p:nvPr>
         </p:nvSpPr>
         <p:spPr>
           <a:xfrm>
-            <a:off x="0" y="2564904"/>
-            <a:ext cx="9144000" cy="1200329"/>
+            <a:off x="899592" y="196970"/>
+            <a:ext cx="4608512" cy="423109"/>
           </a:xfrm>
-          <a:prstGeom prst="rect">
-            <a:avLst/>
-          </a:prstGeom>
-          <a:noFill/>
         </p:spPr>
         <p:txBody>
-          <a:bodyPr wrap="square" rtlCol="0">
-            <a:spAutoFit/>
-          </a:bodyPr>
+          <a:bodyPr/>
           <a:lstStyle/>
           <a:p>
             <a:pPr algn="ctr"/>
             <a:r>
-              <a:rPr lang="fr-FR" sz="5400" b="1" u="sng" dirty="0" smtClean="0"/>
-              <a:t>3 – Conception</a:t>
+              <a:rPr lang="fr-FR" sz="2000" dirty="0" smtClean="0"/>
+              <a:t>Diagramme de Gantt</a:t>
             </a:r>
-            <a:endParaRPr lang="fr-FR" sz="5400" b="1" u="sng" dirty="0"/>
-          </a:p>
-          <a:p>
-            <a:pPr algn="ctr"/>
-            <a:endParaRPr lang="fr-FR" dirty="0"/>
+            <a:endParaRPr lang="fr-FR" sz="2000" dirty="0"/>
           </a:p>
         </p:txBody>
       </p:sp>
       <p:sp>
         <p:nvSpPr>
-          <p:cNvPr id="2" name="ZoneTexte 1"/>
+          <p:cNvPr id="8" name="ZoneTexte 7"/>
           <p:cNvSpPr txBox="1"/>
           <p:nvPr/>
         </p:nvSpPr>
@@ -12262,10 +12664,34 @@
           </a:p>
         </p:txBody>
       </p:sp>
+      <p:pic>
+        <p:nvPicPr>
+          <p:cNvPr id="10" name="Image 9"/>
+          <p:cNvPicPr>
+            <a:picLocks noChangeAspect="1"/>
+          </p:cNvPicPr>
+          <p:nvPr/>
+        </p:nvPicPr>
+        <p:blipFill>
+          <a:blip r:embed="rId2"/>
+          <a:stretch>
+            <a:fillRect/>
+          </a:stretch>
+        </p:blipFill>
+        <p:spPr>
+          <a:xfrm>
+            <a:off x="258347" y="1916832"/>
+            <a:ext cx="8712968" cy="2808312"/>
+          </a:xfrm>
+          <a:prstGeom prst="rect">
+            <a:avLst/>
+          </a:prstGeom>
+        </p:spPr>
+      </p:pic>
     </p:spTree>
     <p:extLst>
       <p:ext uri="{BB962C8B-B14F-4D97-AF65-F5344CB8AC3E}">
-        <p14:creationId xmlns:p14="http://schemas.microsoft.com/office/powerpoint/2010/main" val="2410038814"/>
+        <p14:creationId xmlns:p14="http://schemas.microsoft.com/office/powerpoint/2010/main" val="443805815"/>
       </p:ext>
     </p:extLst>
   </p:cSld>
